--- a/Status Updates/2013 10 18.pptx
+++ b/Status Updates/2013 10 18.pptx
@@ -303,7 +303,7 @@
           <a:p>
             <a:fld id="{B790700D-980F-41A9-9E1A-E28F7DB87F53}" type="datetimeFigureOut">
               <a:rPr lang="en-US" smtClean="0"/>
-              <a:t>9/25/2013</a:t>
+              <a:t>10/18/2013</a:t>
             </a:fld>
             <a:endParaRPr lang="en-US"/>
           </a:p>
@@ -468,7 +468,7 @@
           <a:p>
             <a:fld id="{B790700D-980F-41A9-9E1A-E28F7DB87F53}" type="datetimeFigureOut">
               <a:rPr lang="en-US" smtClean="0"/>
-              <a:t>9/25/2013</a:t>
+              <a:t>10/18/2013</a:t>
             </a:fld>
             <a:endParaRPr lang="en-US"/>
           </a:p>
@@ -643,7 +643,7 @@
           <a:p>
             <a:fld id="{B790700D-980F-41A9-9E1A-E28F7DB87F53}" type="datetimeFigureOut">
               <a:rPr lang="en-US" smtClean="0"/>
-              <a:t>9/25/2013</a:t>
+              <a:t>10/18/2013</a:t>
             </a:fld>
             <a:endParaRPr lang="en-US"/>
           </a:p>
@@ -808,7 +808,7 @@
           <a:p>
             <a:fld id="{B790700D-980F-41A9-9E1A-E28F7DB87F53}" type="datetimeFigureOut">
               <a:rPr lang="en-US" smtClean="0"/>
-              <a:t>9/25/2013</a:t>
+              <a:t>10/18/2013</a:t>
             </a:fld>
             <a:endParaRPr lang="en-US"/>
           </a:p>
@@ -1049,7 +1049,7 @@
           <a:p>
             <a:fld id="{B790700D-980F-41A9-9E1A-E28F7DB87F53}" type="datetimeFigureOut">
               <a:rPr lang="en-US" smtClean="0"/>
-              <a:t>9/25/2013</a:t>
+              <a:t>10/18/2013</a:t>
             </a:fld>
             <a:endParaRPr lang="en-US"/>
           </a:p>
@@ -1332,7 +1332,7 @@
           <a:p>
             <a:fld id="{B790700D-980F-41A9-9E1A-E28F7DB87F53}" type="datetimeFigureOut">
               <a:rPr lang="en-US" smtClean="0"/>
-              <a:t>9/25/2013</a:t>
+              <a:t>10/18/2013</a:t>
             </a:fld>
             <a:endParaRPr lang="en-US"/>
           </a:p>
@@ -1761,7 +1761,7 @@
           <a:p>
             <a:fld id="{B790700D-980F-41A9-9E1A-E28F7DB87F53}" type="datetimeFigureOut">
               <a:rPr lang="en-US" smtClean="0"/>
-              <a:t>9/25/2013</a:t>
+              <a:t>10/18/2013</a:t>
             </a:fld>
             <a:endParaRPr lang="en-US"/>
           </a:p>
@@ -1874,7 +1874,7 @@
           <a:p>
             <a:fld id="{B790700D-980F-41A9-9E1A-E28F7DB87F53}" type="datetimeFigureOut">
               <a:rPr lang="en-US" smtClean="0"/>
-              <a:t>9/25/2013</a:t>
+              <a:t>10/18/2013</a:t>
             </a:fld>
             <a:endParaRPr lang="en-US"/>
           </a:p>
@@ -1964,7 +1964,7 @@
           <a:p>
             <a:fld id="{B790700D-980F-41A9-9E1A-E28F7DB87F53}" type="datetimeFigureOut">
               <a:rPr lang="en-US" smtClean="0"/>
-              <a:t>9/25/2013</a:t>
+              <a:t>10/18/2013</a:t>
             </a:fld>
             <a:endParaRPr lang="en-US"/>
           </a:p>
@@ -2153,7 +2153,7 @@
           <a:p>
             <a:fld id="{B790700D-980F-41A9-9E1A-E28F7DB87F53}" type="datetimeFigureOut">
               <a:rPr lang="en-US" smtClean="0"/>
-              <a:t>9/25/2013</a:t>
+              <a:t>10/18/2013</a:t>
             </a:fld>
             <a:endParaRPr lang="en-US"/>
           </a:p>
@@ -2471,7 +2471,7 @@
           <a:p>
             <a:fld id="{B790700D-980F-41A9-9E1A-E28F7DB87F53}" type="datetimeFigureOut">
               <a:rPr lang="en-US" smtClean="0"/>
-              <a:t>9/25/2013</a:t>
+              <a:t>10/18/2013</a:t>
             </a:fld>
             <a:endParaRPr lang="en-US"/>
           </a:p>
@@ -2850,7 +2850,7 @@
           <a:p>
             <a:fld id="{B790700D-980F-41A9-9E1A-E28F7DB87F53}" type="datetimeFigureOut">
               <a:rPr lang="en-US" smtClean="0"/>
-              <a:t>9/25/2013</a:t>
+              <a:t>10/18/2013</a:t>
             </a:fld>
             <a:endParaRPr lang="en-US"/>
           </a:p>
@@ -3208,12 +3208,16 @@
               <a:rPr lang="en-US" dirty="0"/>
             </a:br>
             <a:r>
-              <a:rPr lang="en-US" dirty="0"/>
+              <a:rPr lang="en-US"/>
               <a:t>Status </a:t>
             </a:r>
             <a:r>
-              <a:rPr lang="en-US" dirty="0" smtClean="0"/>
-              <a:t>9/27/13</a:t>
+              <a:rPr lang="en-US" smtClean="0"/>
+              <a:t>10</a:t>
+            </a:r>
+            <a:r>
+              <a:rPr lang="en-US" smtClean="0"/>
+              <a:t>/18/13</a:t>
             </a:r>
             <a:endParaRPr lang="en-US" dirty="0"/>
           </a:p>
@@ -3438,11 +3442,7 @@
           <a:p>
             <a:r>
               <a:rPr lang="en-US" dirty="0" smtClean="0"/>
-              <a:t>Team </a:t>
-            </a:r>
-            <a:r>
-              <a:rPr lang="en-US" dirty="0" smtClean="0"/>
-              <a:t>Progress</a:t>
+              <a:t>Team Progress</a:t>
             </a:r>
             <a:endParaRPr lang="en-US" dirty="0"/>
           </a:p>
@@ -3493,7 +3493,6 @@
               <a:rPr lang="en-US" dirty="0" smtClean="0"/>
               <a:t>G-Codes</a:t>
             </a:r>
-            <a:endParaRPr lang="en-US" dirty="0" smtClean="0"/>
           </a:p>
           <a:p>
             <a:r>

--- a/Status Updates/2013 10 18.pptx
+++ b/Status Updates/2013 10 18.pptx
@@ -6,8 +6,11 @@
   </p:sldMasterIdLst>
   <p:sldIdLst>
     <p:sldId id="256" r:id="rId2"/>
-    <p:sldId id="263" r:id="rId3"/>
-    <p:sldId id="257" r:id="rId4"/>
+    <p:sldId id="257" r:id="rId3"/>
+    <p:sldId id="263" r:id="rId4"/>
+    <p:sldId id="264" r:id="rId5"/>
+    <p:sldId id="265" r:id="rId6"/>
+    <p:sldId id="266" r:id="rId7"/>
   </p:sldIdLst>
   <p:sldSz cx="9144000" cy="6858000" type="screen4x3"/>
   <p:notesSz cx="7010400" cy="9296400"/>
@@ -3213,11 +3216,7 @@
             </a:r>
             <a:r>
               <a:rPr lang="en-US" smtClean="0"/>
-              <a:t>10</a:t>
-            </a:r>
-            <a:r>
-              <a:rPr lang="en-US" smtClean="0"/>
-              <a:t>/18/13</a:t>
+              <a:t>10/18/13</a:t>
             </a:r>
             <a:endParaRPr lang="en-US" dirty="0"/>
           </a:p>
@@ -3319,12 +3318,8 @@
           <a:lstStyle/>
           <a:p>
             <a:r>
-              <a:rPr lang="en-US" dirty="0"/>
-              <a:t>Team </a:t>
-            </a:r>
-            <a:r>
               <a:rPr lang="en-US" dirty="0" smtClean="0"/>
-              <a:t>Organization</a:t>
+              <a:t>Project Plan</a:t>
             </a:r>
             <a:endParaRPr lang="en-US" dirty="0"/>
           </a:p>
@@ -3347,51 +3342,41 @@
           <a:p>
             <a:r>
               <a:rPr lang="en-US" dirty="0" smtClean="0"/>
-              <a:t>Team Schedule Negotiations</a:t>
+              <a:t>Major deliverables broken down</a:t>
             </a:r>
-          </a:p>
-          <a:p>
+            <a:r>
+              <a:rPr lang="en-US" dirty="0"/>
+              <a:t> </a:t>
+            </a:r>
             <a:r>
               <a:rPr lang="en-US" dirty="0" smtClean="0"/>
-              <a:t>Solid Team Interactions</a:t>
+              <a:t>versions</a:t>
             </a:r>
           </a:p>
           <a:p>
             <a:r>
               <a:rPr lang="en-US" dirty="0" smtClean="0"/>
-              <a:t>On Time Commitments</a:t>
+              <a:t>Version broken down to discrete sections</a:t>
             </a:r>
           </a:p>
           <a:p>
             <a:r>
               <a:rPr lang="en-US" dirty="0" smtClean="0"/>
-              <a:t>Division of Labor Negotiations</a:t>
+              <a:t>Each Version given team Review per section</a:t>
             </a:r>
           </a:p>
           <a:p>
-            <a:endParaRPr lang="en-US" dirty="0" smtClean="0"/>
-          </a:p>
-          <a:p>
-            <a:endParaRPr lang="en-US" dirty="0" smtClean="0"/>
-          </a:p>
-          <a:p>
-            <a:endParaRPr lang="en-US" dirty="0" smtClean="0"/>
-          </a:p>
-          <a:p>
-            <a:endParaRPr lang="en-US" dirty="0"/>
-          </a:p>
-          <a:p>
-            <a:endParaRPr lang="en-US" dirty="0"/>
-          </a:p>
-          <a:p>
-            <a:endParaRPr lang="en-US" dirty="0"/>
+            <a:r>
+              <a:rPr lang="en-US" dirty="0" smtClean="0"/>
+              <a:t>Update plan via weekly status reports </a:t>
+            </a:r>
           </a:p>
         </p:txBody>
       </p:sp>
     </p:spTree>
     <p:extLst>
       <p:ext uri="{BB962C8B-B14F-4D97-AF65-F5344CB8AC3E}">
-        <p14:creationId xmlns:p14="http://schemas.microsoft.com/office/powerpoint/2010/main" val="3640870723"/>
+        <p14:creationId xmlns:p14="http://schemas.microsoft.com/office/powerpoint/2010/main" val="257380516"/>
       </p:ext>
     </p:extLst>
   </p:cSld>
@@ -3442,7 +3427,7 @@
           <a:p>
             <a:r>
               <a:rPr lang="en-US" dirty="0" smtClean="0"/>
-              <a:t>Team Progress</a:t>
+              <a:t>Project Plan</a:t>
             </a:r>
             <a:endParaRPr lang="en-US" dirty="0"/>
           </a:p>
@@ -3463,67 +3448,6852 @@
           <a:bodyPr/>
           <a:lstStyle/>
           <a:p>
+            <a:endParaRPr lang="en-US" dirty="0" smtClean="0"/>
+          </a:p>
+          <a:p>
+            <a:endParaRPr lang="en-US" dirty="0" smtClean="0"/>
+          </a:p>
+          <a:p>
+            <a:endParaRPr lang="en-US" dirty="0"/>
+          </a:p>
+          <a:p>
+            <a:endParaRPr lang="en-US" dirty="0"/>
+          </a:p>
+          <a:p>
+            <a:endParaRPr lang="en-US" dirty="0"/>
+          </a:p>
+        </p:txBody>
+      </p:sp>
+      <p:graphicFrame>
+        <p:nvGraphicFramePr>
+          <p:cNvPr id="6" name="Table 5"/>
+          <p:cNvGraphicFramePr>
+            <a:graphicFrameLocks noGrp="1"/>
+          </p:cNvGraphicFramePr>
+          <p:nvPr>
+            <p:extLst>
+              <p:ext uri="{D42A27DB-BD31-4B8C-83A1-F6EECF244321}">
+                <p14:modId xmlns:p14="http://schemas.microsoft.com/office/powerpoint/2010/main" val="2010496166"/>
+              </p:ext>
+            </p:extLst>
+          </p:nvPr>
+        </p:nvGraphicFramePr>
+        <p:xfrm>
+          <a:off x="533400" y="1219200"/>
+          <a:ext cx="6167438" cy="4800600"/>
+        </p:xfrm>
+        <a:graphic>
+          <a:graphicData uri="http://schemas.openxmlformats.org/drawingml/2006/table">
+            <a:tbl>
+              <a:tblPr>
+                <a:tableStyleId>{5C22544A-7EE6-4342-B048-85BDC9FD1C3A}</a:tableStyleId>
+              </a:tblPr>
+              <a:tblGrid>
+                <a:gridCol w="518583"/>
+                <a:gridCol w="1685396"/>
+                <a:gridCol w="657490"/>
+                <a:gridCol w="620448"/>
+                <a:gridCol w="657490"/>
+                <a:gridCol w="500062"/>
+                <a:gridCol w="796396"/>
+                <a:gridCol w="731573"/>
+              </a:tblGrid>
+              <a:tr h="133350">
+                <a:tc>
+                  <a:txBody>
+                    <a:bodyPr/>
+                    <a:lstStyle/>
+                    <a:p>
+                      <a:pPr algn="l" fontAlgn="ctr"/>
+                      <a:r>
+                        <a:rPr lang="en-US" sz="700" u="none" strike="noStrike" dirty="0">
+                          <a:effectLst/>
+                        </a:rPr>
+                        <a:t>Task Number</a:t>
+                      </a:r>
+                      <a:endParaRPr lang="en-US" sz="700" b="0" i="0" u="none" strike="noStrike" dirty="0">
+                        <a:solidFill>
+                          <a:srgbClr val="363636"/>
+                        </a:solidFill>
+                        <a:effectLst/>
+                        <a:latin typeface="Segoe UI"/>
+                      </a:endParaRPr>
+                    </a:p>
+                  </a:txBody>
+                  <a:tcPr marL="5556" marR="5556" marT="5556" marB="0" anchor="ctr"/>
+                </a:tc>
+                <a:tc>
+                  <a:txBody>
+                    <a:bodyPr/>
+                    <a:lstStyle/>
+                    <a:p>
+                      <a:pPr algn="l" fontAlgn="ctr"/>
+                      <a:r>
+                        <a:rPr lang="en-US" sz="700" u="none" strike="noStrike">
+                          <a:effectLst/>
+                        </a:rPr>
+                        <a:t>Task Name</a:t>
+                      </a:r>
+                      <a:endParaRPr lang="en-US" sz="700" b="0" i="0" u="none" strike="noStrike">
+                        <a:solidFill>
+                          <a:srgbClr val="363636"/>
+                        </a:solidFill>
+                        <a:effectLst/>
+                        <a:latin typeface="Segoe UI"/>
+                      </a:endParaRPr>
+                    </a:p>
+                  </a:txBody>
+                  <a:tcPr marL="5556" marR="5556" marT="5556" marB="0" anchor="ctr"/>
+                </a:tc>
+                <a:tc>
+                  <a:txBody>
+                    <a:bodyPr/>
+                    <a:lstStyle/>
+                    <a:p>
+                      <a:pPr algn="l" fontAlgn="ctr"/>
+                      <a:r>
+                        <a:rPr lang="en-US" sz="700" u="none" strike="noStrike">
+                          <a:effectLst/>
+                        </a:rPr>
+                        <a:t>Planned Start</a:t>
+                      </a:r>
+                      <a:endParaRPr lang="en-US" sz="700" b="0" i="0" u="none" strike="noStrike">
+                        <a:solidFill>
+                          <a:srgbClr val="363636"/>
+                        </a:solidFill>
+                        <a:effectLst/>
+                        <a:latin typeface="Segoe UI"/>
+                      </a:endParaRPr>
+                    </a:p>
+                  </a:txBody>
+                  <a:tcPr marL="5556" marR="5556" marT="5556" marB="0" anchor="ctr"/>
+                </a:tc>
+                <a:tc>
+                  <a:txBody>
+                    <a:bodyPr/>
+                    <a:lstStyle/>
+                    <a:p>
+                      <a:pPr algn="l" fontAlgn="ctr"/>
+                      <a:r>
+                        <a:rPr lang="en-US" sz="700" u="none" strike="noStrike">
+                          <a:effectLst/>
+                        </a:rPr>
+                        <a:t>Actual Start</a:t>
+                      </a:r>
+                      <a:endParaRPr lang="en-US" sz="700" b="0" i="0" u="none" strike="noStrike">
+                        <a:solidFill>
+                          <a:srgbClr val="363636"/>
+                        </a:solidFill>
+                        <a:effectLst/>
+                        <a:latin typeface="Segoe UI"/>
+                      </a:endParaRPr>
+                    </a:p>
+                  </a:txBody>
+                  <a:tcPr marL="5556" marR="5556" marT="5556" marB="0" anchor="ctr"/>
+                </a:tc>
+                <a:tc>
+                  <a:txBody>
+                    <a:bodyPr/>
+                    <a:lstStyle/>
+                    <a:p>
+                      <a:pPr algn="l" fontAlgn="ctr"/>
+                      <a:r>
+                        <a:rPr lang="en-US" sz="700" u="none" strike="noStrike">
+                          <a:effectLst/>
+                        </a:rPr>
+                        <a:t>Planned Finish</a:t>
+                      </a:r>
+                      <a:endParaRPr lang="en-US" sz="700" b="0" i="0" u="none" strike="noStrike">
+                        <a:solidFill>
+                          <a:srgbClr val="363636"/>
+                        </a:solidFill>
+                        <a:effectLst/>
+                        <a:latin typeface="Segoe UI"/>
+                      </a:endParaRPr>
+                    </a:p>
+                  </a:txBody>
+                  <a:tcPr marL="5556" marR="5556" marT="5556" marB="0" anchor="ctr"/>
+                </a:tc>
+                <a:tc>
+                  <a:txBody>
+                    <a:bodyPr/>
+                    <a:lstStyle/>
+                    <a:p>
+                      <a:pPr algn="l" fontAlgn="ctr"/>
+                      <a:r>
+                        <a:rPr lang="en-US" sz="700" u="none" strike="noStrike">
+                          <a:effectLst/>
+                        </a:rPr>
+                        <a:t>Actual Finish</a:t>
+                      </a:r>
+                      <a:endParaRPr lang="en-US" sz="700" b="0" i="0" u="none" strike="noStrike">
+                        <a:solidFill>
+                          <a:srgbClr val="363636"/>
+                        </a:solidFill>
+                        <a:effectLst/>
+                        <a:latin typeface="Segoe UI"/>
+                      </a:endParaRPr>
+                    </a:p>
+                  </a:txBody>
+                  <a:tcPr marL="5556" marR="5556" marT="5556" marB="0" anchor="ctr"/>
+                </a:tc>
+                <a:tc>
+                  <a:txBody>
+                    <a:bodyPr/>
+                    <a:lstStyle/>
+                    <a:p>
+                      <a:pPr algn="l" fontAlgn="ctr"/>
+                      <a:r>
+                        <a:rPr lang="en-US" sz="700" u="none" strike="noStrike">
+                          <a:effectLst/>
+                        </a:rPr>
+                        <a:t>Planned Work Hours</a:t>
+                      </a:r>
+                      <a:endParaRPr lang="en-US" sz="700" b="0" i="0" u="none" strike="noStrike">
+                        <a:solidFill>
+                          <a:srgbClr val="363636"/>
+                        </a:solidFill>
+                        <a:effectLst/>
+                        <a:latin typeface="Segoe UI"/>
+                      </a:endParaRPr>
+                    </a:p>
+                  </a:txBody>
+                  <a:tcPr marL="5556" marR="5556" marT="5556" marB="0" anchor="ctr"/>
+                </a:tc>
+                <a:tc>
+                  <a:txBody>
+                    <a:bodyPr/>
+                    <a:lstStyle/>
+                    <a:p>
+                      <a:pPr algn="l" fontAlgn="ctr"/>
+                      <a:r>
+                        <a:rPr lang="en-US" sz="700" u="none" strike="noStrike">
+                          <a:effectLst/>
+                        </a:rPr>
+                        <a:t>Actual Work Hours</a:t>
+                      </a:r>
+                      <a:endParaRPr lang="en-US" sz="700" b="0" i="0" u="none" strike="noStrike">
+                        <a:solidFill>
+                          <a:srgbClr val="363636"/>
+                        </a:solidFill>
+                        <a:effectLst/>
+                        <a:latin typeface="Segoe UI"/>
+                      </a:endParaRPr>
+                    </a:p>
+                  </a:txBody>
+                  <a:tcPr marL="5556" marR="5556" marT="5556" marB="0" anchor="ctr"/>
+                </a:tc>
+              </a:tr>
+              <a:tr h="133350">
+                <a:tc>
+                  <a:txBody>
+                    <a:bodyPr/>
+                    <a:lstStyle/>
+                    <a:p>
+                      <a:pPr algn="l" fontAlgn="ctr"/>
+                      <a:r>
+                        <a:rPr lang="en-US" sz="800" u="none" strike="noStrike">
+                          <a:effectLst/>
+                        </a:rPr>
+                        <a:t>1</a:t>
+                      </a:r>
+                      <a:endParaRPr lang="en-US" sz="800" b="1" i="0" u="none" strike="noStrike">
+                        <a:solidFill>
+                          <a:srgbClr val="000000"/>
+                        </a:solidFill>
+                        <a:effectLst/>
+                        <a:latin typeface="Calibri"/>
+                      </a:endParaRPr>
+                    </a:p>
+                  </a:txBody>
+                  <a:tcPr marL="5556" marR="5556" marT="5556" marB="0" anchor="ctr"/>
+                </a:tc>
+                <a:tc>
+                  <a:txBody>
+                    <a:bodyPr/>
+                    <a:lstStyle/>
+                    <a:p>
+                      <a:pPr algn="l" fontAlgn="ctr"/>
+                      <a:r>
+                        <a:rPr lang="en-US" sz="800" u="none" strike="noStrike">
+                          <a:effectLst/>
+                        </a:rPr>
+                        <a:t>Senior Design 1</a:t>
+                      </a:r>
+                      <a:endParaRPr lang="en-US" sz="800" b="1" i="0" u="none" strike="noStrike">
+                        <a:solidFill>
+                          <a:srgbClr val="000000"/>
+                        </a:solidFill>
+                        <a:effectLst/>
+                        <a:latin typeface="Calibri"/>
+                      </a:endParaRPr>
+                    </a:p>
+                  </a:txBody>
+                  <a:tcPr marL="5556" marR="5556" marT="5556" marB="0" anchor="ctr"/>
+                </a:tc>
+                <a:tc>
+                  <a:txBody>
+                    <a:bodyPr/>
+                    <a:lstStyle/>
+                    <a:p>
+                      <a:pPr algn="l" fontAlgn="ctr"/>
+                      <a:r>
+                        <a:rPr lang="en-US" sz="800" u="none" strike="noStrike">
+                          <a:effectLst/>
+                        </a:rPr>
+                        <a:t>Wed 9/11/13</a:t>
+                      </a:r>
+                      <a:endParaRPr lang="en-US" sz="800" b="1" i="0" u="none" strike="noStrike">
+                        <a:solidFill>
+                          <a:srgbClr val="000000"/>
+                        </a:solidFill>
+                        <a:effectLst/>
+                        <a:latin typeface="Calibri"/>
+                      </a:endParaRPr>
+                    </a:p>
+                  </a:txBody>
+                  <a:tcPr marL="5556" marR="5556" marT="5556" marB="0" anchor="ctr"/>
+                </a:tc>
+                <a:tc>
+                  <a:txBody>
+                    <a:bodyPr/>
+                    <a:lstStyle/>
+                    <a:p>
+                      <a:pPr algn="l" fontAlgn="ctr"/>
+                      <a:r>
+                        <a:rPr lang="en-US" sz="800" u="none" strike="noStrike">
+                          <a:effectLst/>
+                        </a:rPr>
+                        <a:t>Wed 9/11/13</a:t>
+                      </a:r>
+                      <a:endParaRPr lang="en-US" sz="800" b="1" i="0" u="none" strike="noStrike">
+                        <a:solidFill>
+                          <a:srgbClr val="000000"/>
+                        </a:solidFill>
+                        <a:effectLst/>
+                        <a:latin typeface="Calibri"/>
+                      </a:endParaRPr>
+                    </a:p>
+                  </a:txBody>
+                  <a:tcPr marL="5556" marR="5556" marT="5556" marB="0" anchor="ctr"/>
+                </a:tc>
+                <a:tc>
+                  <a:txBody>
+                    <a:bodyPr/>
+                    <a:lstStyle/>
+                    <a:p>
+                      <a:pPr algn="l" fontAlgn="ctr"/>
+                      <a:r>
+                        <a:rPr lang="en-US" sz="800" u="none" strike="noStrike">
+                          <a:effectLst/>
+                        </a:rPr>
+                        <a:t>Wed 12/11/13</a:t>
+                      </a:r>
+                      <a:endParaRPr lang="en-US" sz="800" b="1" i="0" u="none" strike="noStrike">
+                        <a:solidFill>
+                          <a:srgbClr val="000000"/>
+                        </a:solidFill>
+                        <a:effectLst/>
+                        <a:latin typeface="Calibri"/>
+                      </a:endParaRPr>
+                    </a:p>
+                  </a:txBody>
+                  <a:tcPr marL="5556" marR="5556" marT="5556" marB="0" anchor="ctr"/>
+                </a:tc>
+                <a:tc>
+                  <a:txBody>
+                    <a:bodyPr/>
+                    <a:lstStyle/>
+                    <a:p>
+                      <a:pPr algn="l" fontAlgn="ctr"/>
+                      <a:r>
+                        <a:rPr lang="en-US" sz="800" u="none" strike="noStrike">
+                          <a:effectLst/>
+                        </a:rPr>
+                        <a:t>NA</a:t>
+                      </a:r>
+                      <a:endParaRPr lang="en-US" sz="800" b="1" i="0" u="none" strike="noStrike">
+                        <a:solidFill>
+                          <a:srgbClr val="000000"/>
+                        </a:solidFill>
+                        <a:effectLst/>
+                        <a:latin typeface="Calibri"/>
+                      </a:endParaRPr>
+                    </a:p>
+                  </a:txBody>
+                  <a:tcPr marL="5556" marR="5556" marT="5556" marB="0" anchor="ctr"/>
+                </a:tc>
+                <a:tc>
+                  <a:txBody>
+                    <a:bodyPr/>
+                    <a:lstStyle/>
+                    <a:p>
+                      <a:pPr algn="r" fontAlgn="ctr"/>
+                      <a:r>
+                        <a:rPr lang="en-US" sz="800" u="none" strike="noStrike">
+                          <a:effectLst/>
+                        </a:rPr>
+                        <a:t>227</a:t>
+                      </a:r>
+                      <a:endParaRPr lang="en-US" sz="800" b="1" i="0" u="none" strike="noStrike">
+                        <a:solidFill>
+                          <a:srgbClr val="000000"/>
+                        </a:solidFill>
+                        <a:effectLst/>
+                        <a:latin typeface="Calibri"/>
+                      </a:endParaRPr>
+                    </a:p>
+                  </a:txBody>
+                  <a:tcPr marL="5556" marR="5556" marT="5556" marB="0" anchor="ctr"/>
+                </a:tc>
+                <a:tc>
+                  <a:txBody>
+                    <a:bodyPr/>
+                    <a:lstStyle/>
+                    <a:p>
+                      <a:pPr algn="r" fontAlgn="ctr"/>
+                      <a:r>
+                        <a:rPr lang="en-US" sz="800" u="none" strike="noStrike">
+                          <a:effectLst/>
+                        </a:rPr>
+                        <a:t>67.5</a:t>
+                      </a:r>
+                      <a:endParaRPr lang="en-US" sz="800" b="1" i="0" u="none" strike="noStrike">
+                        <a:solidFill>
+                          <a:srgbClr val="000000"/>
+                        </a:solidFill>
+                        <a:effectLst/>
+                        <a:latin typeface="Calibri"/>
+                      </a:endParaRPr>
+                    </a:p>
+                  </a:txBody>
+                  <a:tcPr marL="5556" marR="5556" marT="5556" marB="0" anchor="ctr"/>
+                </a:tc>
+              </a:tr>
+              <a:tr h="133350">
+                <a:tc>
+                  <a:txBody>
+                    <a:bodyPr/>
+                    <a:lstStyle/>
+                    <a:p>
+                      <a:pPr algn="l" fontAlgn="ctr"/>
+                      <a:r>
+                        <a:rPr lang="en-US" sz="800" u="none" strike="noStrike">
+                          <a:effectLst/>
+                        </a:rPr>
+                        <a:t>1.1</a:t>
+                      </a:r>
+                      <a:endParaRPr lang="en-US" sz="800" b="1" i="0" u="none" strike="noStrike">
+                        <a:solidFill>
+                          <a:srgbClr val="000000"/>
+                        </a:solidFill>
+                        <a:effectLst/>
+                        <a:latin typeface="Calibri"/>
+                      </a:endParaRPr>
+                    </a:p>
+                  </a:txBody>
+                  <a:tcPr marL="5556" marR="5556" marT="5556" marB="0" anchor="ctr"/>
+                </a:tc>
+                <a:tc>
+                  <a:txBody>
+                    <a:bodyPr/>
+                    <a:lstStyle/>
+                    <a:p>
+                      <a:pPr algn="l" fontAlgn="ctr"/>
+                      <a:r>
+                        <a:rPr lang="en-US" sz="800" u="none" strike="noStrike">
+                          <a:effectLst/>
+                        </a:rPr>
+                        <a:t>   Documents</a:t>
+                      </a:r>
+                      <a:endParaRPr lang="en-US" sz="800" b="1" i="0" u="none" strike="noStrike">
+                        <a:solidFill>
+                          <a:srgbClr val="000000"/>
+                        </a:solidFill>
+                        <a:effectLst/>
+                        <a:latin typeface="Calibri"/>
+                      </a:endParaRPr>
+                    </a:p>
+                  </a:txBody>
+                  <a:tcPr marL="5556" marR="5556" marT="5556" marB="0" anchor="ctr"/>
+                </a:tc>
+                <a:tc>
+                  <a:txBody>
+                    <a:bodyPr/>
+                    <a:lstStyle/>
+                    <a:p>
+                      <a:pPr algn="l" fontAlgn="ctr"/>
+                      <a:r>
+                        <a:rPr lang="en-US" sz="800" u="none" strike="noStrike">
+                          <a:effectLst/>
+                        </a:rPr>
+                        <a:t>Wed 9/11/13</a:t>
+                      </a:r>
+                      <a:endParaRPr lang="en-US" sz="800" b="1" i="0" u="none" strike="noStrike">
+                        <a:solidFill>
+                          <a:srgbClr val="000000"/>
+                        </a:solidFill>
+                        <a:effectLst/>
+                        <a:latin typeface="Calibri"/>
+                      </a:endParaRPr>
+                    </a:p>
+                  </a:txBody>
+                  <a:tcPr marL="5556" marR="5556" marT="5556" marB="0" anchor="ctr"/>
+                </a:tc>
+                <a:tc>
+                  <a:txBody>
+                    <a:bodyPr/>
+                    <a:lstStyle/>
+                    <a:p>
+                      <a:pPr algn="l" fontAlgn="ctr"/>
+                      <a:r>
+                        <a:rPr lang="en-US" sz="800" u="none" strike="noStrike">
+                          <a:effectLst/>
+                        </a:rPr>
+                        <a:t>Wed 9/11/13</a:t>
+                      </a:r>
+                      <a:endParaRPr lang="en-US" sz="800" b="1" i="0" u="none" strike="noStrike">
+                        <a:solidFill>
+                          <a:srgbClr val="000000"/>
+                        </a:solidFill>
+                        <a:effectLst/>
+                        <a:latin typeface="Calibri"/>
+                      </a:endParaRPr>
+                    </a:p>
+                  </a:txBody>
+                  <a:tcPr marL="5556" marR="5556" marT="5556" marB="0" anchor="ctr"/>
+                </a:tc>
+                <a:tc>
+                  <a:txBody>
+                    <a:bodyPr/>
+                    <a:lstStyle/>
+                    <a:p>
+                      <a:pPr algn="l" fontAlgn="ctr"/>
+                      <a:r>
+                        <a:rPr lang="en-US" sz="800" u="none" strike="noStrike">
+                          <a:effectLst/>
+                        </a:rPr>
+                        <a:t>Wed 12/11/13</a:t>
+                      </a:r>
+                      <a:endParaRPr lang="en-US" sz="800" b="1" i="0" u="none" strike="noStrike">
+                        <a:solidFill>
+                          <a:srgbClr val="000000"/>
+                        </a:solidFill>
+                        <a:effectLst/>
+                        <a:latin typeface="Calibri"/>
+                      </a:endParaRPr>
+                    </a:p>
+                  </a:txBody>
+                  <a:tcPr marL="5556" marR="5556" marT="5556" marB="0" anchor="ctr"/>
+                </a:tc>
+                <a:tc>
+                  <a:txBody>
+                    <a:bodyPr/>
+                    <a:lstStyle/>
+                    <a:p>
+                      <a:pPr algn="l" fontAlgn="ctr"/>
+                      <a:r>
+                        <a:rPr lang="en-US" sz="800" u="none" strike="noStrike">
+                          <a:effectLst/>
+                        </a:rPr>
+                        <a:t>NA</a:t>
+                      </a:r>
+                      <a:endParaRPr lang="en-US" sz="800" b="1" i="0" u="none" strike="noStrike">
+                        <a:solidFill>
+                          <a:srgbClr val="000000"/>
+                        </a:solidFill>
+                        <a:effectLst/>
+                        <a:latin typeface="Calibri"/>
+                      </a:endParaRPr>
+                    </a:p>
+                  </a:txBody>
+                  <a:tcPr marL="5556" marR="5556" marT="5556" marB="0" anchor="ctr"/>
+                </a:tc>
+                <a:tc>
+                  <a:txBody>
+                    <a:bodyPr/>
+                    <a:lstStyle/>
+                    <a:p>
+                      <a:pPr algn="r" fontAlgn="ctr"/>
+                      <a:r>
+                        <a:rPr lang="en-US" sz="800" u="none" strike="noStrike">
+                          <a:effectLst/>
+                        </a:rPr>
+                        <a:t>227</a:t>
+                      </a:r>
+                      <a:endParaRPr lang="en-US" sz="800" b="1" i="0" u="none" strike="noStrike">
+                        <a:solidFill>
+                          <a:srgbClr val="000000"/>
+                        </a:solidFill>
+                        <a:effectLst/>
+                        <a:latin typeface="Calibri"/>
+                      </a:endParaRPr>
+                    </a:p>
+                  </a:txBody>
+                  <a:tcPr marL="5556" marR="5556" marT="5556" marB="0" anchor="ctr"/>
+                </a:tc>
+                <a:tc>
+                  <a:txBody>
+                    <a:bodyPr/>
+                    <a:lstStyle/>
+                    <a:p>
+                      <a:pPr algn="r" fontAlgn="ctr"/>
+                      <a:r>
+                        <a:rPr lang="en-US" sz="800" u="none" strike="noStrike">
+                          <a:effectLst/>
+                        </a:rPr>
+                        <a:t>67.5</a:t>
+                      </a:r>
+                      <a:endParaRPr lang="en-US" sz="800" b="1" i="0" u="none" strike="noStrike">
+                        <a:solidFill>
+                          <a:srgbClr val="000000"/>
+                        </a:solidFill>
+                        <a:effectLst/>
+                        <a:latin typeface="Calibri"/>
+                      </a:endParaRPr>
+                    </a:p>
+                  </a:txBody>
+                  <a:tcPr marL="5556" marR="5556" marT="5556" marB="0" anchor="ctr"/>
+                </a:tc>
+              </a:tr>
+              <a:tr h="133350">
+                <a:tc>
+                  <a:txBody>
+                    <a:bodyPr/>
+                    <a:lstStyle/>
+                    <a:p>
+                      <a:pPr algn="l" fontAlgn="ctr"/>
+                      <a:r>
+                        <a:rPr lang="en-US" sz="800" u="none" strike="noStrike">
+                          <a:effectLst/>
+                        </a:rPr>
+                        <a:t>1.1.1</a:t>
+                      </a:r>
+                      <a:endParaRPr lang="en-US" sz="800" b="1" i="0" u="none" strike="noStrike">
+                        <a:solidFill>
+                          <a:srgbClr val="000000"/>
+                        </a:solidFill>
+                        <a:effectLst/>
+                        <a:latin typeface="Calibri"/>
+                      </a:endParaRPr>
+                    </a:p>
+                  </a:txBody>
+                  <a:tcPr marL="5556" marR="5556" marT="5556" marB="0" anchor="ctr"/>
+                </a:tc>
+                <a:tc>
+                  <a:txBody>
+                    <a:bodyPr/>
+                    <a:lstStyle/>
+                    <a:p>
+                      <a:pPr algn="l" fontAlgn="ctr"/>
+                      <a:r>
+                        <a:rPr lang="en-US" sz="800" u="none" strike="noStrike">
+                          <a:effectLst/>
+                        </a:rPr>
+                        <a:t>      System Requirements Specification</a:t>
+                      </a:r>
+                      <a:endParaRPr lang="en-US" sz="800" b="1" i="0" u="none" strike="noStrike">
+                        <a:solidFill>
+                          <a:srgbClr val="000000"/>
+                        </a:solidFill>
+                        <a:effectLst/>
+                        <a:latin typeface="Calibri"/>
+                      </a:endParaRPr>
+                    </a:p>
+                  </a:txBody>
+                  <a:tcPr marL="5556" marR="5556" marT="5556" marB="0" anchor="ctr"/>
+                </a:tc>
+                <a:tc>
+                  <a:txBody>
+                    <a:bodyPr/>
+                    <a:lstStyle/>
+                    <a:p>
+                      <a:pPr algn="l" fontAlgn="ctr"/>
+                      <a:r>
+                        <a:rPr lang="en-US" sz="800" u="none" strike="noStrike">
+                          <a:effectLst/>
+                        </a:rPr>
+                        <a:t>Wed 9/11/13</a:t>
+                      </a:r>
+                      <a:endParaRPr lang="en-US" sz="800" b="1" i="0" u="none" strike="noStrike">
+                        <a:solidFill>
+                          <a:srgbClr val="000000"/>
+                        </a:solidFill>
+                        <a:effectLst/>
+                        <a:latin typeface="Calibri"/>
+                      </a:endParaRPr>
+                    </a:p>
+                  </a:txBody>
+                  <a:tcPr marL="5556" marR="5556" marT="5556" marB="0" anchor="ctr"/>
+                </a:tc>
+                <a:tc>
+                  <a:txBody>
+                    <a:bodyPr/>
+                    <a:lstStyle/>
+                    <a:p>
+                      <a:pPr algn="l" fontAlgn="ctr"/>
+                      <a:r>
+                        <a:rPr lang="en-US" sz="800" u="none" strike="noStrike">
+                          <a:effectLst/>
+                        </a:rPr>
+                        <a:t>Wed 9/11/13</a:t>
+                      </a:r>
+                      <a:endParaRPr lang="en-US" sz="800" b="1" i="0" u="none" strike="noStrike">
+                        <a:solidFill>
+                          <a:srgbClr val="000000"/>
+                        </a:solidFill>
+                        <a:effectLst/>
+                        <a:latin typeface="Calibri"/>
+                      </a:endParaRPr>
+                    </a:p>
+                  </a:txBody>
+                  <a:tcPr marL="5556" marR="5556" marT="5556" marB="0" anchor="ctr"/>
+                </a:tc>
+                <a:tc>
+                  <a:txBody>
+                    <a:bodyPr/>
+                    <a:lstStyle/>
+                    <a:p>
+                      <a:pPr algn="l" fontAlgn="ctr"/>
+                      <a:r>
+                        <a:rPr lang="en-US" sz="800" u="none" strike="noStrike">
+                          <a:effectLst/>
+                        </a:rPr>
+                        <a:t>Fri 11/8/13</a:t>
+                      </a:r>
+                      <a:endParaRPr lang="en-US" sz="800" b="1" i="0" u="none" strike="noStrike">
+                        <a:solidFill>
+                          <a:srgbClr val="000000"/>
+                        </a:solidFill>
+                        <a:effectLst/>
+                        <a:latin typeface="Calibri"/>
+                      </a:endParaRPr>
+                    </a:p>
+                  </a:txBody>
+                  <a:tcPr marL="5556" marR="5556" marT="5556" marB="0" anchor="ctr"/>
+                </a:tc>
+                <a:tc>
+                  <a:txBody>
+                    <a:bodyPr/>
+                    <a:lstStyle/>
+                    <a:p>
+                      <a:pPr algn="l" fontAlgn="ctr"/>
+                      <a:r>
+                        <a:rPr lang="en-US" sz="800" u="none" strike="noStrike">
+                          <a:effectLst/>
+                        </a:rPr>
+                        <a:t>NA</a:t>
+                      </a:r>
+                      <a:endParaRPr lang="en-US" sz="800" b="1" i="0" u="none" strike="noStrike">
+                        <a:solidFill>
+                          <a:srgbClr val="000000"/>
+                        </a:solidFill>
+                        <a:effectLst/>
+                        <a:latin typeface="Calibri"/>
+                      </a:endParaRPr>
+                    </a:p>
+                  </a:txBody>
+                  <a:tcPr marL="5556" marR="5556" marT="5556" marB="0" anchor="ctr"/>
+                </a:tc>
+                <a:tc>
+                  <a:txBody>
+                    <a:bodyPr/>
+                    <a:lstStyle/>
+                    <a:p>
+                      <a:pPr algn="r" fontAlgn="ctr"/>
+                      <a:r>
+                        <a:rPr lang="en-US" sz="800" u="none" strike="noStrike">
+                          <a:effectLst/>
+                        </a:rPr>
+                        <a:t>88</a:t>
+                      </a:r>
+                      <a:endParaRPr lang="en-US" sz="800" b="1" i="0" u="none" strike="noStrike">
+                        <a:solidFill>
+                          <a:srgbClr val="000000"/>
+                        </a:solidFill>
+                        <a:effectLst/>
+                        <a:latin typeface="Calibri"/>
+                      </a:endParaRPr>
+                    </a:p>
+                  </a:txBody>
+                  <a:tcPr marL="5556" marR="5556" marT="5556" marB="0" anchor="ctr"/>
+                </a:tc>
+                <a:tc>
+                  <a:txBody>
+                    <a:bodyPr/>
+                    <a:lstStyle/>
+                    <a:p>
+                      <a:pPr algn="r" fontAlgn="ctr"/>
+                      <a:r>
+                        <a:rPr lang="en-US" sz="800" u="none" strike="noStrike">
+                          <a:effectLst/>
+                        </a:rPr>
+                        <a:t>45.5</a:t>
+                      </a:r>
+                      <a:endParaRPr lang="en-US" sz="800" b="1" i="0" u="none" strike="noStrike">
+                        <a:solidFill>
+                          <a:srgbClr val="000000"/>
+                        </a:solidFill>
+                        <a:effectLst/>
+                        <a:latin typeface="Calibri"/>
+                      </a:endParaRPr>
+                    </a:p>
+                  </a:txBody>
+                  <a:tcPr marL="5556" marR="5556" marT="5556" marB="0" anchor="ctr"/>
+                </a:tc>
+              </a:tr>
+              <a:tr h="133350">
+                <a:tc>
+                  <a:txBody>
+                    <a:bodyPr/>
+                    <a:lstStyle/>
+                    <a:p>
+                      <a:pPr algn="l" fontAlgn="ctr"/>
+                      <a:r>
+                        <a:rPr lang="en-US" sz="800" u="none" strike="noStrike">
+                          <a:effectLst/>
+                        </a:rPr>
+                        <a:t>1.1.1.1</a:t>
+                      </a:r>
+                      <a:endParaRPr lang="en-US" sz="800" b="1" i="0" u="none" strike="noStrike">
+                        <a:solidFill>
+                          <a:srgbClr val="000000"/>
+                        </a:solidFill>
+                        <a:effectLst/>
+                        <a:latin typeface="Calibri"/>
+                      </a:endParaRPr>
+                    </a:p>
+                  </a:txBody>
+                  <a:tcPr marL="5556" marR="5556" marT="5556" marB="0" anchor="ctr"/>
+                </a:tc>
+                <a:tc>
+                  <a:txBody>
+                    <a:bodyPr/>
+                    <a:lstStyle/>
+                    <a:p>
+                      <a:pPr algn="l" fontAlgn="ctr"/>
+                      <a:r>
+                        <a:rPr lang="en-US" sz="800" u="none" strike="noStrike">
+                          <a:effectLst/>
+                        </a:rPr>
+                        <a:t>         Version 1.0</a:t>
+                      </a:r>
+                      <a:endParaRPr lang="en-US" sz="800" b="1" i="0" u="none" strike="noStrike">
+                        <a:solidFill>
+                          <a:srgbClr val="000000"/>
+                        </a:solidFill>
+                        <a:effectLst/>
+                        <a:latin typeface="Calibri"/>
+                      </a:endParaRPr>
+                    </a:p>
+                  </a:txBody>
+                  <a:tcPr marL="5556" marR="5556" marT="5556" marB="0" anchor="ctr"/>
+                </a:tc>
+                <a:tc>
+                  <a:txBody>
+                    <a:bodyPr/>
+                    <a:lstStyle/>
+                    <a:p>
+                      <a:pPr algn="l" fontAlgn="ctr"/>
+                      <a:r>
+                        <a:rPr lang="en-US" sz="800" u="none" strike="noStrike">
+                          <a:effectLst/>
+                        </a:rPr>
+                        <a:t>Wed 9/11/13</a:t>
+                      </a:r>
+                      <a:endParaRPr lang="en-US" sz="800" b="1" i="0" u="none" strike="noStrike">
+                        <a:solidFill>
+                          <a:srgbClr val="000000"/>
+                        </a:solidFill>
+                        <a:effectLst/>
+                        <a:latin typeface="Calibri"/>
+                      </a:endParaRPr>
+                    </a:p>
+                  </a:txBody>
+                  <a:tcPr marL="5556" marR="5556" marT="5556" marB="0" anchor="ctr"/>
+                </a:tc>
+                <a:tc>
+                  <a:txBody>
+                    <a:bodyPr/>
+                    <a:lstStyle/>
+                    <a:p>
+                      <a:pPr algn="l" fontAlgn="ctr"/>
+                      <a:r>
+                        <a:rPr lang="en-US" sz="800" u="none" strike="noStrike">
+                          <a:effectLst/>
+                        </a:rPr>
+                        <a:t>Wed 9/11/13</a:t>
+                      </a:r>
+                      <a:endParaRPr lang="en-US" sz="800" b="1" i="0" u="none" strike="noStrike">
+                        <a:solidFill>
+                          <a:srgbClr val="000000"/>
+                        </a:solidFill>
+                        <a:effectLst/>
+                        <a:latin typeface="Calibri"/>
+                      </a:endParaRPr>
+                    </a:p>
+                  </a:txBody>
+                  <a:tcPr marL="5556" marR="5556" marT="5556" marB="0" anchor="ctr"/>
+                </a:tc>
+                <a:tc>
+                  <a:txBody>
+                    <a:bodyPr/>
+                    <a:lstStyle/>
+                    <a:p>
+                      <a:pPr algn="l" fontAlgn="ctr"/>
+                      <a:r>
+                        <a:rPr lang="en-US" sz="800" u="none" strike="noStrike">
+                          <a:effectLst/>
+                        </a:rPr>
+                        <a:t>Wed 10/9/13</a:t>
+                      </a:r>
+                      <a:endParaRPr lang="en-US" sz="800" b="1" i="0" u="none" strike="noStrike">
+                        <a:solidFill>
+                          <a:srgbClr val="000000"/>
+                        </a:solidFill>
+                        <a:effectLst/>
+                        <a:latin typeface="Calibri"/>
+                      </a:endParaRPr>
+                    </a:p>
+                  </a:txBody>
+                  <a:tcPr marL="5556" marR="5556" marT="5556" marB="0" anchor="ctr"/>
+                </a:tc>
+                <a:tc>
+                  <a:txBody>
+                    <a:bodyPr/>
+                    <a:lstStyle/>
+                    <a:p>
+                      <a:pPr algn="l" fontAlgn="ctr"/>
+                      <a:r>
+                        <a:rPr lang="en-US" sz="800" u="none" strike="noStrike">
+                          <a:effectLst/>
+                        </a:rPr>
+                        <a:t>NA</a:t>
+                      </a:r>
+                      <a:endParaRPr lang="en-US" sz="800" b="1" i="0" u="none" strike="noStrike">
+                        <a:solidFill>
+                          <a:srgbClr val="000000"/>
+                        </a:solidFill>
+                        <a:effectLst/>
+                        <a:latin typeface="Calibri"/>
+                      </a:endParaRPr>
+                    </a:p>
+                  </a:txBody>
+                  <a:tcPr marL="5556" marR="5556" marT="5556" marB="0" anchor="ctr"/>
+                </a:tc>
+                <a:tc>
+                  <a:txBody>
+                    <a:bodyPr/>
+                    <a:lstStyle/>
+                    <a:p>
+                      <a:pPr algn="r" fontAlgn="ctr"/>
+                      <a:r>
+                        <a:rPr lang="en-US" sz="800" u="none" strike="noStrike">
+                          <a:effectLst/>
+                        </a:rPr>
+                        <a:t>57</a:t>
+                      </a:r>
+                      <a:endParaRPr lang="en-US" sz="800" b="1" i="0" u="none" strike="noStrike">
+                        <a:solidFill>
+                          <a:srgbClr val="000000"/>
+                        </a:solidFill>
+                        <a:effectLst/>
+                        <a:latin typeface="Calibri"/>
+                      </a:endParaRPr>
+                    </a:p>
+                  </a:txBody>
+                  <a:tcPr marL="5556" marR="5556" marT="5556" marB="0" anchor="ctr"/>
+                </a:tc>
+                <a:tc>
+                  <a:txBody>
+                    <a:bodyPr/>
+                    <a:lstStyle/>
+                    <a:p>
+                      <a:pPr algn="r" fontAlgn="ctr"/>
+                      <a:r>
+                        <a:rPr lang="en-US" sz="800" u="none" strike="noStrike">
+                          <a:effectLst/>
+                        </a:rPr>
+                        <a:t>45.5</a:t>
+                      </a:r>
+                      <a:endParaRPr lang="en-US" sz="800" b="1" i="0" u="none" strike="noStrike">
+                        <a:solidFill>
+                          <a:srgbClr val="000000"/>
+                        </a:solidFill>
+                        <a:effectLst/>
+                        <a:latin typeface="Calibri"/>
+                      </a:endParaRPr>
+                    </a:p>
+                  </a:txBody>
+                  <a:tcPr marL="5556" marR="5556" marT="5556" marB="0" anchor="ctr"/>
+                </a:tc>
+              </a:tr>
+              <a:tr h="133350">
+                <a:tc>
+                  <a:txBody>
+                    <a:bodyPr/>
+                    <a:lstStyle/>
+                    <a:p>
+                      <a:pPr algn="l" fontAlgn="ctr"/>
+                      <a:r>
+                        <a:rPr lang="en-US" sz="800" u="none" strike="noStrike">
+                          <a:effectLst/>
+                        </a:rPr>
+                        <a:t>1.1.1.2</a:t>
+                      </a:r>
+                      <a:endParaRPr lang="en-US" sz="800" b="1" i="0" u="none" strike="noStrike">
+                        <a:solidFill>
+                          <a:srgbClr val="000000"/>
+                        </a:solidFill>
+                        <a:effectLst/>
+                        <a:latin typeface="Calibri"/>
+                      </a:endParaRPr>
+                    </a:p>
+                  </a:txBody>
+                  <a:tcPr marL="5556" marR="5556" marT="5556" marB="0" anchor="ctr"/>
+                </a:tc>
+                <a:tc>
+                  <a:txBody>
+                    <a:bodyPr/>
+                    <a:lstStyle/>
+                    <a:p>
+                      <a:pPr algn="l" fontAlgn="ctr"/>
+                      <a:r>
+                        <a:rPr lang="en-US" sz="800" u="none" strike="noStrike">
+                          <a:effectLst/>
+                        </a:rPr>
+                        <a:t>         Version 2.0</a:t>
+                      </a:r>
+                      <a:endParaRPr lang="en-US" sz="800" b="1" i="0" u="none" strike="noStrike">
+                        <a:solidFill>
+                          <a:srgbClr val="000000"/>
+                        </a:solidFill>
+                        <a:effectLst/>
+                        <a:latin typeface="Calibri"/>
+                      </a:endParaRPr>
+                    </a:p>
+                  </a:txBody>
+                  <a:tcPr marL="5556" marR="5556" marT="5556" marB="0" anchor="ctr"/>
+                </a:tc>
+                <a:tc>
+                  <a:txBody>
+                    <a:bodyPr/>
+                    <a:lstStyle/>
+                    <a:p>
+                      <a:pPr algn="l" fontAlgn="ctr"/>
+                      <a:r>
+                        <a:rPr lang="en-US" sz="800" u="none" strike="noStrike">
+                          <a:effectLst/>
+                        </a:rPr>
+                        <a:t>Wed 10/9/13</a:t>
+                      </a:r>
+                      <a:endParaRPr lang="en-US" sz="800" b="1" i="0" u="none" strike="noStrike">
+                        <a:solidFill>
+                          <a:srgbClr val="000000"/>
+                        </a:solidFill>
+                        <a:effectLst/>
+                        <a:latin typeface="Calibri"/>
+                      </a:endParaRPr>
+                    </a:p>
+                  </a:txBody>
+                  <a:tcPr marL="5556" marR="5556" marT="5556" marB="0" anchor="ctr"/>
+                </a:tc>
+                <a:tc>
+                  <a:txBody>
+                    <a:bodyPr/>
+                    <a:lstStyle/>
+                    <a:p>
+                      <a:pPr algn="l" fontAlgn="ctr"/>
+                      <a:r>
+                        <a:rPr lang="en-US" sz="800" u="none" strike="noStrike">
+                          <a:effectLst/>
+                        </a:rPr>
+                        <a:t>Wed 10/9/13</a:t>
+                      </a:r>
+                      <a:endParaRPr lang="en-US" sz="800" b="1" i="0" u="none" strike="noStrike">
+                        <a:solidFill>
+                          <a:srgbClr val="000000"/>
+                        </a:solidFill>
+                        <a:effectLst/>
+                        <a:latin typeface="Calibri"/>
+                      </a:endParaRPr>
+                    </a:p>
+                  </a:txBody>
+                  <a:tcPr marL="5556" marR="5556" marT="5556" marB="0" anchor="ctr"/>
+                </a:tc>
+                <a:tc>
+                  <a:txBody>
+                    <a:bodyPr/>
+                    <a:lstStyle/>
+                    <a:p>
+                      <a:pPr algn="l" fontAlgn="ctr"/>
+                      <a:r>
+                        <a:rPr lang="en-US" sz="800" u="none" strike="noStrike">
+                          <a:effectLst/>
+                        </a:rPr>
+                        <a:t>Fri 11/8/13</a:t>
+                      </a:r>
+                      <a:endParaRPr lang="en-US" sz="800" b="1" i="0" u="none" strike="noStrike">
+                        <a:solidFill>
+                          <a:srgbClr val="000000"/>
+                        </a:solidFill>
+                        <a:effectLst/>
+                        <a:latin typeface="Calibri"/>
+                      </a:endParaRPr>
+                    </a:p>
+                  </a:txBody>
+                  <a:tcPr marL="5556" marR="5556" marT="5556" marB="0" anchor="ctr"/>
+                </a:tc>
+                <a:tc>
+                  <a:txBody>
+                    <a:bodyPr/>
+                    <a:lstStyle/>
+                    <a:p>
+                      <a:pPr algn="l" fontAlgn="ctr"/>
+                      <a:r>
+                        <a:rPr lang="en-US" sz="800" u="none" strike="noStrike">
+                          <a:effectLst/>
+                        </a:rPr>
+                        <a:t>NA</a:t>
+                      </a:r>
+                      <a:endParaRPr lang="en-US" sz="800" b="1" i="0" u="none" strike="noStrike">
+                        <a:solidFill>
+                          <a:srgbClr val="000000"/>
+                        </a:solidFill>
+                        <a:effectLst/>
+                        <a:latin typeface="Calibri"/>
+                      </a:endParaRPr>
+                    </a:p>
+                  </a:txBody>
+                  <a:tcPr marL="5556" marR="5556" marT="5556" marB="0" anchor="ctr"/>
+                </a:tc>
+                <a:tc>
+                  <a:txBody>
+                    <a:bodyPr/>
+                    <a:lstStyle/>
+                    <a:p>
+                      <a:pPr algn="r" fontAlgn="ctr"/>
+                      <a:r>
+                        <a:rPr lang="en-US" sz="800" u="none" strike="noStrike">
+                          <a:effectLst/>
+                        </a:rPr>
+                        <a:t>31</a:t>
+                      </a:r>
+                      <a:endParaRPr lang="en-US" sz="800" b="1" i="0" u="none" strike="noStrike">
+                        <a:solidFill>
+                          <a:srgbClr val="000000"/>
+                        </a:solidFill>
+                        <a:effectLst/>
+                        <a:latin typeface="Calibri"/>
+                      </a:endParaRPr>
+                    </a:p>
+                  </a:txBody>
+                  <a:tcPr marL="5556" marR="5556" marT="5556" marB="0" anchor="ctr"/>
+                </a:tc>
+                <a:tc>
+                  <a:txBody>
+                    <a:bodyPr/>
+                    <a:lstStyle/>
+                    <a:p>
+                      <a:pPr algn="r" fontAlgn="ctr"/>
+                      <a:r>
+                        <a:rPr lang="en-US" sz="800" u="none" strike="noStrike">
+                          <a:effectLst/>
+                        </a:rPr>
+                        <a:t>0</a:t>
+                      </a:r>
+                      <a:endParaRPr lang="en-US" sz="800" b="1" i="0" u="none" strike="noStrike">
+                        <a:solidFill>
+                          <a:srgbClr val="000000"/>
+                        </a:solidFill>
+                        <a:effectLst/>
+                        <a:latin typeface="Calibri"/>
+                      </a:endParaRPr>
+                    </a:p>
+                  </a:txBody>
+                  <a:tcPr marL="5556" marR="5556" marT="5556" marB="0" anchor="ctr"/>
+                </a:tc>
+              </a:tr>
+              <a:tr h="133350">
+                <a:tc>
+                  <a:txBody>
+                    <a:bodyPr/>
+                    <a:lstStyle/>
+                    <a:p>
+                      <a:pPr algn="l" fontAlgn="ctr"/>
+                      <a:r>
+                        <a:rPr lang="en-US" sz="800" u="none" strike="noStrike">
+                          <a:effectLst/>
+                        </a:rPr>
+                        <a:t>1.1.2</a:t>
+                      </a:r>
+                      <a:endParaRPr lang="en-US" sz="800" b="1" i="0" u="none" strike="noStrike">
+                        <a:solidFill>
+                          <a:srgbClr val="000000"/>
+                        </a:solidFill>
+                        <a:effectLst/>
+                        <a:latin typeface="Calibri"/>
+                      </a:endParaRPr>
+                    </a:p>
+                  </a:txBody>
+                  <a:tcPr marL="5556" marR="5556" marT="5556" marB="0" anchor="ctr"/>
+                </a:tc>
+                <a:tc>
+                  <a:txBody>
+                    <a:bodyPr/>
+                    <a:lstStyle/>
+                    <a:p>
+                      <a:pPr algn="l" fontAlgn="ctr"/>
+                      <a:r>
+                        <a:rPr lang="en-US" sz="800" u="none" strike="noStrike">
+                          <a:effectLst/>
+                        </a:rPr>
+                        <a:t>      Team Charter</a:t>
+                      </a:r>
+                      <a:endParaRPr lang="en-US" sz="800" b="1" i="0" u="none" strike="noStrike">
+                        <a:solidFill>
+                          <a:srgbClr val="000000"/>
+                        </a:solidFill>
+                        <a:effectLst/>
+                        <a:latin typeface="Calibri"/>
+                      </a:endParaRPr>
+                    </a:p>
+                  </a:txBody>
+                  <a:tcPr marL="5556" marR="5556" marT="5556" marB="0" anchor="ctr"/>
+                </a:tc>
+                <a:tc>
+                  <a:txBody>
+                    <a:bodyPr/>
+                    <a:lstStyle/>
+                    <a:p>
+                      <a:pPr algn="l" fontAlgn="ctr"/>
+                      <a:r>
+                        <a:rPr lang="en-US" sz="800" u="none" strike="noStrike">
+                          <a:effectLst/>
+                        </a:rPr>
+                        <a:t>Thu 10/10/13</a:t>
+                      </a:r>
+                      <a:endParaRPr lang="en-US" sz="800" b="1" i="0" u="none" strike="noStrike">
+                        <a:solidFill>
+                          <a:srgbClr val="000000"/>
+                        </a:solidFill>
+                        <a:effectLst/>
+                        <a:latin typeface="Calibri"/>
+                      </a:endParaRPr>
+                    </a:p>
+                  </a:txBody>
+                  <a:tcPr marL="5556" marR="5556" marT="5556" marB="0" anchor="ctr"/>
+                </a:tc>
+                <a:tc>
+                  <a:txBody>
+                    <a:bodyPr/>
+                    <a:lstStyle/>
+                    <a:p>
+                      <a:pPr algn="l" fontAlgn="ctr"/>
+                      <a:r>
+                        <a:rPr lang="en-US" sz="800" u="none" strike="noStrike">
+                          <a:effectLst/>
+                        </a:rPr>
+                        <a:t>Thu 10/10/13</a:t>
+                      </a:r>
+                      <a:endParaRPr lang="en-US" sz="800" b="1" i="0" u="none" strike="noStrike">
+                        <a:solidFill>
+                          <a:srgbClr val="000000"/>
+                        </a:solidFill>
+                        <a:effectLst/>
+                        <a:latin typeface="Calibri"/>
+                      </a:endParaRPr>
+                    </a:p>
+                  </a:txBody>
+                  <a:tcPr marL="5556" marR="5556" marT="5556" marB="0" anchor="ctr"/>
+                </a:tc>
+                <a:tc>
+                  <a:txBody>
+                    <a:bodyPr/>
+                    <a:lstStyle/>
+                    <a:p>
+                      <a:pPr algn="l" fontAlgn="ctr"/>
+                      <a:r>
+                        <a:rPr lang="en-US" sz="800" u="none" strike="noStrike">
+                          <a:effectLst/>
+                        </a:rPr>
+                        <a:t>Wed 12/4/13</a:t>
+                      </a:r>
+                      <a:endParaRPr lang="en-US" sz="800" b="1" i="0" u="none" strike="noStrike">
+                        <a:solidFill>
+                          <a:srgbClr val="000000"/>
+                        </a:solidFill>
+                        <a:effectLst/>
+                        <a:latin typeface="Calibri"/>
+                      </a:endParaRPr>
+                    </a:p>
+                  </a:txBody>
+                  <a:tcPr marL="5556" marR="5556" marT="5556" marB="0" anchor="ctr"/>
+                </a:tc>
+                <a:tc>
+                  <a:txBody>
+                    <a:bodyPr/>
+                    <a:lstStyle/>
+                    <a:p>
+                      <a:pPr algn="l" fontAlgn="ctr"/>
+                      <a:r>
+                        <a:rPr lang="en-US" sz="800" u="none" strike="noStrike">
+                          <a:effectLst/>
+                        </a:rPr>
+                        <a:t>NA</a:t>
+                      </a:r>
+                      <a:endParaRPr lang="en-US" sz="800" b="1" i="0" u="none" strike="noStrike">
+                        <a:solidFill>
+                          <a:srgbClr val="000000"/>
+                        </a:solidFill>
+                        <a:effectLst/>
+                        <a:latin typeface="Calibri"/>
+                      </a:endParaRPr>
+                    </a:p>
+                  </a:txBody>
+                  <a:tcPr marL="5556" marR="5556" marT="5556" marB="0" anchor="ctr"/>
+                </a:tc>
+                <a:tc>
+                  <a:txBody>
+                    <a:bodyPr/>
+                    <a:lstStyle/>
+                    <a:p>
+                      <a:pPr algn="r" fontAlgn="ctr"/>
+                      <a:r>
+                        <a:rPr lang="en-US" sz="800" u="none" strike="noStrike">
+                          <a:effectLst/>
+                        </a:rPr>
+                        <a:t>74</a:t>
+                      </a:r>
+                      <a:endParaRPr lang="en-US" sz="800" b="1" i="0" u="none" strike="noStrike">
+                        <a:solidFill>
+                          <a:srgbClr val="000000"/>
+                        </a:solidFill>
+                        <a:effectLst/>
+                        <a:latin typeface="Calibri"/>
+                      </a:endParaRPr>
+                    </a:p>
+                  </a:txBody>
+                  <a:tcPr marL="5556" marR="5556" marT="5556" marB="0" anchor="ctr"/>
+                </a:tc>
+                <a:tc>
+                  <a:txBody>
+                    <a:bodyPr/>
+                    <a:lstStyle/>
+                    <a:p>
+                      <a:pPr algn="r" fontAlgn="ctr"/>
+                      <a:r>
+                        <a:rPr lang="en-US" sz="800" u="none" strike="noStrike">
+                          <a:effectLst/>
+                        </a:rPr>
+                        <a:t>22</a:t>
+                      </a:r>
+                      <a:endParaRPr lang="en-US" sz="800" b="1" i="0" u="none" strike="noStrike">
+                        <a:solidFill>
+                          <a:srgbClr val="000000"/>
+                        </a:solidFill>
+                        <a:effectLst/>
+                        <a:latin typeface="Calibri"/>
+                      </a:endParaRPr>
+                    </a:p>
+                  </a:txBody>
+                  <a:tcPr marL="5556" marR="5556" marT="5556" marB="0" anchor="ctr"/>
+                </a:tc>
+              </a:tr>
+              <a:tr h="133350">
+                <a:tc>
+                  <a:txBody>
+                    <a:bodyPr/>
+                    <a:lstStyle/>
+                    <a:p>
+                      <a:pPr algn="l" fontAlgn="ctr"/>
+                      <a:r>
+                        <a:rPr lang="en-US" sz="800" u="none" strike="noStrike">
+                          <a:effectLst/>
+                        </a:rPr>
+                        <a:t>1.1.2.1</a:t>
+                      </a:r>
+                      <a:endParaRPr lang="en-US" sz="800" b="1" i="0" u="none" strike="noStrike">
+                        <a:solidFill>
+                          <a:srgbClr val="000000"/>
+                        </a:solidFill>
+                        <a:effectLst/>
+                        <a:latin typeface="Calibri"/>
+                      </a:endParaRPr>
+                    </a:p>
+                  </a:txBody>
+                  <a:tcPr marL="5556" marR="5556" marT="5556" marB="0" anchor="ctr"/>
+                </a:tc>
+                <a:tc>
+                  <a:txBody>
+                    <a:bodyPr/>
+                    <a:lstStyle/>
+                    <a:p>
+                      <a:pPr algn="l" fontAlgn="ctr"/>
+                      <a:r>
+                        <a:rPr lang="en-US" sz="800" u="none" strike="noStrike">
+                          <a:effectLst/>
+                        </a:rPr>
+                        <a:t>         Version 1.0</a:t>
+                      </a:r>
+                      <a:endParaRPr lang="en-US" sz="800" b="1" i="0" u="none" strike="noStrike">
+                        <a:solidFill>
+                          <a:srgbClr val="000000"/>
+                        </a:solidFill>
+                        <a:effectLst/>
+                        <a:latin typeface="Calibri"/>
+                      </a:endParaRPr>
+                    </a:p>
+                  </a:txBody>
+                  <a:tcPr marL="5556" marR="5556" marT="5556" marB="0" anchor="ctr"/>
+                </a:tc>
+                <a:tc>
+                  <a:txBody>
+                    <a:bodyPr/>
+                    <a:lstStyle/>
+                    <a:p>
+                      <a:pPr algn="l" fontAlgn="ctr"/>
+                      <a:r>
+                        <a:rPr lang="en-US" sz="800" u="none" strike="noStrike">
+                          <a:effectLst/>
+                        </a:rPr>
+                        <a:t>Thu 10/10/13</a:t>
+                      </a:r>
+                      <a:endParaRPr lang="en-US" sz="800" b="1" i="0" u="none" strike="noStrike">
+                        <a:solidFill>
+                          <a:srgbClr val="000000"/>
+                        </a:solidFill>
+                        <a:effectLst/>
+                        <a:latin typeface="Calibri"/>
+                      </a:endParaRPr>
+                    </a:p>
+                  </a:txBody>
+                  <a:tcPr marL="5556" marR="5556" marT="5556" marB="0" anchor="ctr"/>
+                </a:tc>
+                <a:tc>
+                  <a:txBody>
+                    <a:bodyPr/>
+                    <a:lstStyle/>
+                    <a:p>
+                      <a:pPr algn="l" fontAlgn="ctr"/>
+                      <a:r>
+                        <a:rPr lang="en-US" sz="800" u="none" strike="noStrike">
+                          <a:effectLst/>
+                        </a:rPr>
+                        <a:t>Thu 10/10/13</a:t>
+                      </a:r>
+                      <a:endParaRPr lang="en-US" sz="800" b="1" i="0" u="none" strike="noStrike">
+                        <a:solidFill>
+                          <a:srgbClr val="000000"/>
+                        </a:solidFill>
+                        <a:effectLst/>
+                        <a:latin typeface="Calibri"/>
+                      </a:endParaRPr>
+                    </a:p>
+                  </a:txBody>
+                  <a:tcPr marL="5556" marR="5556" marT="5556" marB="0" anchor="ctr"/>
+                </a:tc>
+                <a:tc>
+                  <a:txBody>
+                    <a:bodyPr/>
+                    <a:lstStyle/>
+                    <a:p>
+                      <a:pPr algn="l" fontAlgn="ctr"/>
+                      <a:r>
+                        <a:rPr lang="en-US" sz="800" u="none" strike="noStrike">
+                          <a:effectLst/>
+                        </a:rPr>
+                        <a:t>Thu 10/17/13</a:t>
+                      </a:r>
+                      <a:endParaRPr lang="en-US" sz="800" b="1" i="0" u="none" strike="noStrike">
+                        <a:solidFill>
+                          <a:srgbClr val="000000"/>
+                        </a:solidFill>
+                        <a:effectLst/>
+                        <a:latin typeface="Calibri"/>
+                      </a:endParaRPr>
+                    </a:p>
+                  </a:txBody>
+                  <a:tcPr marL="5556" marR="5556" marT="5556" marB="0" anchor="ctr"/>
+                </a:tc>
+                <a:tc>
+                  <a:txBody>
+                    <a:bodyPr/>
+                    <a:lstStyle/>
+                    <a:p>
+                      <a:pPr algn="l" fontAlgn="ctr"/>
+                      <a:r>
+                        <a:rPr lang="en-US" sz="800" u="none" strike="noStrike">
+                          <a:effectLst/>
+                        </a:rPr>
+                        <a:t>NA</a:t>
+                      </a:r>
+                      <a:endParaRPr lang="en-US" sz="800" b="1" i="0" u="none" strike="noStrike">
+                        <a:solidFill>
+                          <a:srgbClr val="000000"/>
+                        </a:solidFill>
+                        <a:effectLst/>
+                        <a:latin typeface="Calibri"/>
+                      </a:endParaRPr>
+                    </a:p>
+                  </a:txBody>
+                  <a:tcPr marL="5556" marR="5556" marT="5556" marB="0" anchor="ctr"/>
+                </a:tc>
+                <a:tc>
+                  <a:txBody>
+                    <a:bodyPr/>
+                    <a:lstStyle/>
+                    <a:p>
+                      <a:pPr algn="r" fontAlgn="ctr"/>
+                      <a:r>
+                        <a:rPr lang="en-US" sz="800" u="none" strike="noStrike">
+                          <a:effectLst/>
+                        </a:rPr>
+                        <a:t>44</a:t>
+                      </a:r>
+                      <a:endParaRPr lang="en-US" sz="800" b="1" i="0" u="none" strike="noStrike">
+                        <a:solidFill>
+                          <a:srgbClr val="000000"/>
+                        </a:solidFill>
+                        <a:effectLst/>
+                        <a:latin typeface="Calibri"/>
+                      </a:endParaRPr>
+                    </a:p>
+                  </a:txBody>
+                  <a:tcPr marL="5556" marR="5556" marT="5556" marB="0" anchor="ctr"/>
+                </a:tc>
+                <a:tc>
+                  <a:txBody>
+                    <a:bodyPr/>
+                    <a:lstStyle/>
+                    <a:p>
+                      <a:pPr algn="r" fontAlgn="ctr"/>
+                      <a:r>
+                        <a:rPr lang="en-US" sz="800" u="none" strike="noStrike">
+                          <a:effectLst/>
+                        </a:rPr>
+                        <a:t>22</a:t>
+                      </a:r>
+                      <a:endParaRPr lang="en-US" sz="800" b="1" i="0" u="none" strike="noStrike">
+                        <a:solidFill>
+                          <a:srgbClr val="000000"/>
+                        </a:solidFill>
+                        <a:effectLst/>
+                        <a:latin typeface="Calibri"/>
+                      </a:endParaRPr>
+                    </a:p>
+                  </a:txBody>
+                  <a:tcPr marL="5556" marR="5556" marT="5556" marB="0" anchor="ctr"/>
+                </a:tc>
+              </a:tr>
+              <a:tr h="133350">
+                <a:tc>
+                  <a:txBody>
+                    <a:bodyPr/>
+                    <a:lstStyle/>
+                    <a:p>
+                      <a:pPr algn="l" fontAlgn="ctr"/>
+                      <a:r>
+                        <a:rPr lang="en-US" sz="800" u="none" strike="noStrike">
+                          <a:effectLst/>
+                        </a:rPr>
+                        <a:t>1.1.2.2</a:t>
+                      </a:r>
+                      <a:endParaRPr lang="en-US" sz="800" b="1" i="0" u="none" strike="noStrike">
+                        <a:solidFill>
+                          <a:srgbClr val="000000"/>
+                        </a:solidFill>
+                        <a:effectLst/>
+                        <a:latin typeface="Calibri"/>
+                      </a:endParaRPr>
+                    </a:p>
+                  </a:txBody>
+                  <a:tcPr marL="5556" marR="5556" marT="5556" marB="0" anchor="ctr"/>
+                </a:tc>
+                <a:tc>
+                  <a:txBody>
+                    <a:bodyPr/>
+                    <a:lstStyle/>
+                    <a:p>
+                      <a:pPr algn="l" fontAlgn="ctr"/>
+                      <a:r>
+                        <a:rPr lang="en-US" sz="800" u="none" strike="noStrike">
+                          <a:effectLst/>
+                        </a:rPr>
+                        <a:t>         Version 2.0</a:t>
+                      </a:r>
+                      <a:endParaRPr lang="en-US" sz="800" b="1" i="0" u="none" strike="noStrike">
+                        <a:solidFill>
+                          <a:srgbClr val="000000"/>
+                        </a:solidFill>
+                        <a:effectLst/>
+                        <a:latin typeface="Calibri"/>
+                      </a:endParaRPr>
+                    </a:p>
+                  </a:txBody>
+                  <a:tcPr marL="5556" marR="5556" marT="5556" marB="0" anchor="ctr"/>
+                </a:tc>
+                <a:tc>
+                  <a:txBody>
+                    <a:bodyPr/>
+                    <a:lstStyle/>
+                    <a:p>
+                      <a:pPr algn="l" fontAlgn="ctr"/>
+                      <a:r>
+                        <a:rPr lang="en-US" sz="800" u="none" strike="noStrike">
+                          <a:effectLst/>
+                        </a:rPr>
+                        <a:t>Thu 10/17/13</a:t>
+                      </a:r>
+                      <a:endParaRPr lang="en-US" sz="800" b="1" i="0" u="none" strike="noStrike">
+                        <a:solidFill>
+                          <a:srgbClr val="000000"/>
+                        </a:solidFill>
+                        <a:effectLst/>
+                        <a:latin typeface="Calibri"/>
+                      </a:endParaRPr>
+                    </a:p>
+                  </a:txBody>
+                  <a:tcPr marL="5556" marR="5556" marT="5556" marB="0" anchor="ctr"/>
+                </a:tc>
+                <a:tc>
+                  <a:txBody>
+                    <a:bodyPr/>
+                    <a:lstStyle/>
+                    <a:p>
+                      <a:pPr algn="l" fontAlgn="ctr"/>
+                      <a:r>
+                        <a:rPr lang="en-US" sz="800" u="none" strike="noStrike">
+                          <a:effectLst/>
+                        </a:rPr>
+                        <a:t>NA</a:t>
+                      </a:r>
+                      <a:endParaRPr lang="en-US" sz="800" b="1" i="0" u="none" strike="noStrike">
+                        <a:solidFill>
+                          <a:srgbClr val="000000"/>
+                        </a:solidFill>
+                        <a:effectLst/>
+                        <a:latin typeface="Calibri"/>
+                      </a:endParaRPr>
+                    </a:p>
+                  </a:txBody>
+                  <a:tcPr marL="5556" marR="5556" marT="5556" marB="0" anchor="ctr"/>
+                </a:tc>
+                <a:tc>
+                  <a:txBody>
+                    <a:bodyPr/>
+                    <a:lstStyle/>
+                    <a:p>
+                      <a:pPr algn="l" fontAlgn="ctr"/>
+                      <a:r>
+                        <a:rPr lang="en-US" sz="800" u="none" strike="noStrike">
+                          <a:effectLst/>
+                        </a:rPr>
+                        <a:t>Wed 12/4/13</a:t>
+                      </a:r>
+                      <a:endParaRPr lang="en-US" sz="800" b="1" i="0" u="none" strike="noStrike">
+                        <a:solidFill>
+                          <a:srgbClr val="000000"/>
+                        </a:solidFill>
+                        <a:effectLst/>
+                        <a:latin typeface="Calibri"/>
+                      </a:endParaRPr>
+                    </a:p>
+                  </a:txBody>
+                  <a:tcPr marL="5556" marR="5556" marT="5556" marB="0" anchor="ctr"/>
+                </a:tc>
+                <a:tc>
+                  <a:txBody>
+                    <a:bodyPr/>
+                    <a:lstStyle/>
+                    <a:p>
+                      <a:pPr algn="l" fontAlgn="ctr"/>
+                      <a:r>
+                        <a:rPr lang="en-US" sz="800" u="none" strike="noStrike">
+                          <a:effectLst/>
+                        </a:rPr>
+                        <a:t>NA</a:t>
+                      </a:r>
+                      <a:endParaRPr lang="en-US" sz="800" b="1" i="0" u="none" strike="noStrike">
+                        <a:solidFill>
+                          <a:srgbClr val="000000"/>
+                        </a:solidFill>
+                        <a:effectLst/>
+                        <a:latin typeface="Calibri"/>
+                      </a:endParaRPr>
+                    </a:p>
+                  </a:txBody>
+                  <a:tcPr marL="5556" marR="5556" marT="5556" marB="0" anchor="ctr"/>
+                </a:tc>
+                <a:tc>
+                  <a:txBody>
+                    <a:bodyPr/>
+                    <a:lstStyle/>
+                    <a:p>
+                      <a:pPr algn="r" fontAlgn="ctr"/>
+                      <a:r>
+                        <a:rPr lang="en-US" sz="800" u="none" strike="noStrike">
+                          <a:effectLst/>
+                        </a:rPr>
+                        <a:t>30</a:t>
+                      </a:r>
+                      <a:endParaRPr lang="en-US" sz="800" b="1" i="0" u="none" strike="noStrike">
+                        <a:solidFill>
+                          <a:srgbClr val="000000"/>
+                        </a:solidFill>
+                        <a:effectLst/>
+                        <a:latin typeface="Calibri"/>
+                      </a:endParaRPr>
+                    </a:p>
+                  </a:txBody>
+                  <a:tcPr marL="5556" marR="5556" marT="5556" marB="0" anchor="ctr"/>
+                </a:tc>
+                <a:tc>
+                  <a:txBody>
+                    <a:bodyPr/>
+                    <a:lstStyle/>
+                    <a:p>
+                      <a:pPr algn="r" fontAlgn="ctr"/>
+                      <a:r>
+                        <a:rPr lang="en-US" sz="800" u="none" strike="noStrike">
+                          <a:effectLst/>
+                        </a:rPr>
+                        <a:t>0</a:t>
+                      </a:r>
+                      <a:endParaRPr lang="en-US" sz="800" b="1" i="0" u="none" strike="noStrike">
+                        <a:solidFill>
+                          <a:srgbClr val="000000"/>
+                        </a:solidFill>
+                        <a:effectLst/>
+                        <a:latin typeface="Calibri"/>
+                      </a:endParaRPr>
+                    </a:p>
+                  </a:txBody>
+                  <a:tcPr marL="5556" marR="5556" marT="5556" marB="0" anchor="ctr"/>
+                </a:tc>
+              </a:tr>
+              <a:tr h="133350">
+                <a:tc>
+                  <a:txBody>
+                    <a:bodyPr/>
+                    <a:lstStyle/>
+                    <a:p>
+                      <a:pPr algn="l" fontAlgn="ctr"/>
+                      <a:r>
+                        <a:rPr lang="en-US" sz="800" u="none" strike="noStrike">
+                          <a:effectLst/>
+                        </a:rPr>
+                        <a:t>1.1.3</a:t>
+                      </a:r>
+                      <a:endParaRPr lang="en-US" sz="800" b="1" i="0" u="none" strike="noStrike">
+                        <a:solidFill>
+                          <a:srgbClr val="000000"/>
+                        </a:solidFill>
+                        <a:effectLst/>
+                        <a:latin typeface="Calibri"/>
+                      </a:endParaRPr>
+                    </a:p>
+                  </a:txBody>
+                  <a:tcPr marL="5556" marR="5556" marT="5556" marB="0" anchor="ctr"/>
+                </a:tc>
+                <a:tc>
+                  <a:txBody>
+                    <a:bodyPr/>
+                    <a:lstStyle/>
+                    <a:p>
+                      <a:pPr algn="l" fontAlgn="ctr"/>
+                      <a:r>
+                        <a:rPr lang="en-US" sz="800" u="none" strike="noStrike">
+                          <a:effectLst/>
+                        </a:rPr>
+                        <a:t>      Architecture Design Specification</a:t>
+                      </a:r>
+                      <a:endParaRPr lang="en-US" sz="800" b="1" i="0" u="none" strike="noStrike">
+                        <a:solidFill>
+                          <a:srgbClr val="000000"/>
+                        </a:solidFill>
+                        <a:effectLst/>
+                        <a:latin typeface="Calibri"/>
+                      </a:endParaRPr>
+                    </a:p>
+                  </a:txBody>
+                  <a:tcPr marL="5556" marR="5556" marT="5556" marB="0" anchor="ctr"/>
+                </a:tc>
+                <a:tc>
+                  <a:txBody>
+                    <a:bodyPr/>
+                    <a:lstStyle/>
+                    <a:p>
+                      <a:pPr algn="l" fontAlgn="ctr"/>
+                      <a:r>
+                        <a:rPr lang="en-US" sz="800" u="none" strike="noStrike">
+                          <a:effectLst/>
+                        </a:rPr>
+                        <a:t>Fri 11/1/13</a:t>
+                      </a:r>
+                      <a:endParaRPr lang="en-US" sz="800" b="1" i="0" u="none" strike="noStrike">
+                        <a:solidFill>
+                          <a:srgbClr val="000000"/>
+                        </a:solidFill>
+                        <a:effectLst/>
+                        <a:latin typeface="Calibri"/>
+                      </a:endParaRPr>
+                    </a:p>
+                  </a:txBody>
+                  <a:tcPr marL="5556" marR="5556" marT="5556" marB="0" anchor="ctr"/>
+                </a:tc>
+                <a:tc>
+                  <a:txBody>
+                    <a:bodyPr/>
+                    <a:lstStyle/>
+                    <a:p>
+                      <a:pPr algn="l" fontAlgn="ctr"/>
+                      <a:r>
+                        <a:rPr lang="en-US" sz="800" u="none" strike="noStrike">
+                          <a:effectLst/>
+                        </a:rPr>
+                        <a:t>NA</a:t>
+                      </a:r>
+                      <a:endParaRPr lang="en-US" sz="800" b="1" i="0" u="none" strike="noStrike">
+                        <a:solidFill>
+                          <a:srgbClr val="000000"/>
+                        </a:solidFill>
+                        <a:effectLst/>
+                        <a:latin typeface="Calibri"/>
+                      </a:endParaRPr>
+                    </a:p>
+                  </a:txBody>
+                  <a:tcPr marL="5556" marR="5556" marT="5556" marB="0" anchor="ctr"/>
+                </a:tc>
+                <a:tc>
+                  <a:txBody>
+                    <a:bodyPr/>
+                    <a:lstStyle/>
+                    <a:p>
+                      <a:pPr algn="l" fontAlgn="ctr"/>
+                      <a:r>
+                        <a:rPr lang="en-US" sz="800" u="none" strike="noStrike">
+                          <a:effectLst/>
+                        </a:rPr>
+                        <a:t>Wed 12/11/13</a:t>
+                      </a:r>
+                      <a:endParaRPr lang="en-US" sz="800" b="1" i="0" u="none" strike="noStrike">
+                        <a:solidFill>
+                          <a:srgbClr val="000000"/>
+                        </a:solidFill>
+                        <a:effectLst/>
+                        <a:latin typeface="Calibri"/>
+                      </a:endParaRPr>
+                    </a:p>
+                  </a:txBody>
+                  <a:tcPr marL="5556" marR="5556" marT="5556" marB="0" anchor="ctr"/>
+                </a:tc>
+                <a:tc>
+                  <a:txBody>
+                    <a:bodyPr/>
+                    <a:lstStyle/>
+                    <a:p>
+                      <a:pPr algn="l" fontAlgn="ctr"/>
+                      <a:r>
+                        <a:rPr lang="en-US" sz="800" u="none" strike="noStrike">
+                          <a:effectLst/>
+                        </a:rPr>
+                        <a:t>NA</a:t>
+                      </a:r>
+                      <a:endParaRPr lang="en-US" sz="800" b="1" i="0" u="none" strike="noStrike">
+                        <a:solidFill>
+                          <a:srgbClr val="000000"/>
+                        </a:solidFill>
+                        <a:effectLst/>
+                        <a:latin typeface="Calibri"/>
+                      </a:endParaRPr>
+                    </a:p>
+                  </a:txBody>
+                  <a:tcPr marL="5556" marR="5556" marT="5556" marB="0" anchor="ctr"/>
+                </a:tc>
+                <a:tc>
+                  <a:txBody>
+                    <a:bodyPr/>
+                    <a:lstStyle/>
+                    <a:p>
+                      <a:pPr algn="r" fontAlgn="ctr"/>
+                      <a:r>
+                        <a:rPr lang="en-US" sz="800" u="none" strike="noStrike">
+                          <a:effectLst/>
+                        </a:rPr>
+                        <a:t>65</a:t>
+                      </a:r>
+                      <a:endParaRPr lang="en-US" sz="800" b="1" i="0" u="none" strike="noStrike">
+                        <a:solidFill>
+                          <a:srgbClr val="000000"/>
+                        </a:solidFill>
+                        <a:effectLst/>
+                        <a:latin typeface="Calibri"/>
+                      </a:endParaRPr>
+                    </a:p>
+                  </a:txBody>
+                  <a:tcPr marL="5556" marR="5556" marT="5556" marB="0" anchor="ctr"/>
+                </a:tc>
+                <a:tc>
+                  <a:txBody>
+                    <a:bodyPr/>
+                    <a:lstStyle/>
+                    <a:p>
+                      <a:pPr algn="r" fontAlgn="ctr"/>
+                      <a:r>
+                        <a:rPr lang="en-US" sz="800" u="none" strike="noStrike">
+                          <a:effectLst/>
+                        </a:rPr>
+                        <a:t>0</a:t>
+                      </a:r>
+                      <a:endParaRPr lang="en-US" sz="800" b="1" i="0" u="none" strike="noStrike">
+                        <a:solidFill>
+                          <a:srgbClr val="000000"/>
+                        </a:solidFill>
+                        <a:effectLst/>
+                        <a:latin typeface="Calibri"/>
+                      </a:endParaRPr>
+                    </a:p>
+                  </a:txBody>
+                  <a:tcPr marL="5556" marR="5556" marT="5556" marB="0" anchor="ctr"/>
+                </a:tc>
+              </a:tr>
+              <a:tr h="133350">
+                <a:tc>
+                  <a:txBody>
+                    <a:bodyPr/>
+                    <a:lstStyle/>
+                    <a:p>
+                      <a:pPr algn="l" fontAlgn="ctr"/>
+                      <a:r>
+                        <a:rPr lang="en-US" sz="800" u="none" strike="noStrike">
+                          <a:effectLst/>
+                        </a:rPr>
+                        <a:t>1.1.3.1</a:t>
+                      </a:r>
+                      <a:endParaRPr lang="en-US" sz="800" b="1" i="0" u="none" strike="noStrike">
+                        <a:solidFill>
+                          <a:srgbClr val="000000"/>
+                        </a:solidFill>
+                        <a:effectLst/>
+                        <a:latin typeface="Calibri"/>
+                      </a:endParaRPr>
+                    </a:p>
+                  </a:txBody>
+                  <a:tcPr marL="5556" marR="5556" marT="5556" marB="0" anchor="ctr"/>
+                </a:tc>
+                <a:tc>
+                  <a:txBody>
+                    <a:bodyPr/>
+                    <a:lstStyle/>
+                    <a:p>
+                      <a:pPr algn="l" fontAlgn="ctr"/>
+                      <a:r>
+                        <a:rPr lang="en-US" sz="800" u="none" strike="noStrike">
+                          <a:effectLst/>
+                        </a:rPr>
+                        <a:t>         Version 1.0</a:t>
+                      </a:r>
+                      <a:endParaRPr lang="en-US" sz="800" b="1" i="0" u="none" strike="noStrike">
+                        <a:solidFill>
+                          <a:srgbClr val="000000"/>
+                        </a:solidFill>
+                        <a:effectLst/>
+                        <a:latin typeface="Calibri"/>
+                      </a:endParaRPr>
+                    </a:p>
+                  </a:txBody>
+                  <a:tcPr marL="5556" marR="5556" marT="5556" marB="0" anchor="ctr"/>
+                </a:tc>
+                <a:tc>
+                  <a:txBody>
+                    <a:bodyPr/>
+                    <a:lstStyle/>
+                    <a:p>
+                      <a:pPr algn="l" fontAlgn="ctr"/>
+                      <a:r>
+                        <a:rPr lang="en-US" sz="800" u="none" strike="noStrike">
+                          <a:effectLst/>
+                        </a:rPr>
+                        <a:t>Fri 11/1/13</a:t>
+                      </a:r>
+                      <a:endParaRPr lang="en-US" sz="800" b="1" i="0" u="none" strike="noStrike">
+                        <a:solidFill>
+                          <a:srgbClr val="000000"/>
+                        </a:solidFill>
+                        <a:effectLst/>
+                        <a:latin typeface="Calibri"/>
+                      </a:endParaRPr>
+                    </a:p>
+                  </a:txBody>
+                  <a:tcPr marL="5556" marR="5556" marT="5556" marB="0" anchor="ctr"/>
+                </a:tc>
+                <a:tc>
+                  <a:txBody>
+                    <a:bodyPr/>
+                    <a:lstStyle/>
+                    <a:p>
+                      <a:pPr algn="l" fontAlgn="ctr"/>
+                      <a:r>
+                        <a:rPr lang="en-US" sz="800" u="none" strike="noStrike">
+                          <a:effectLst/>
+                        </a:rPr>
+                        <a:t>NA</a:t>
+                      </a:r>
+                      <a:endParaRPr lang="en-US" sz="800" b="1" i="0" u="none" strike="noStrike">
+                        <a:solidFill>
+                          <a:srgbClr val="000000"/>
+                        </a:solidFill>
+                        <a:effectLst/>
+                        <a:latin typeface="Calibri"/>
+                      </a:endParaRPr>
+                    </a:p>
+                  </a:txBody>
+                  <a:tcPr marL="5556" marR="5556" marT="5556" marB="0" anchor="ctr"/>
+                </a:tc>
+                <a:tc>
+                  <a:txBody>
+                    <a:bodyPr/>
+                    <a:lstStyle/>
+                    <a:p>
+                      <a:pPr algn="l" fontAlgn="ctr"/>
+                      <a:r>
+                        <a:rPr lang="en-US" sz="800" u="none" strike="noStrike">
+                          <a:effectLst/>
+                        </a:rPr>
+                        <a:t>Mon 12/2/13</a:t>
+                      </a:r>
+                      <a:endParaRPr lang="en-US" sz="800" b="1" i="0" u="none" strike="noStrike">
+                        <a:solidFill>
+                          <a:srgbClr val="000000"/>
+                        </a:solidFill>
+                        <a:effectLst/>
+                        <a:latin typeface="Calibri"/>
+                      </a:endParaRPr>
+                    </a:p>
+                  </a:txBody>
+                  <a:tcPr marL="5556" marR="5556" marT="5556" marB="0" anchor="ctr"/>
+                </a:tc>
+                <a:tc>
+                  <a:txBody>
+                    <a:bodyPr/>
+                    <a:lstStyle/>
+                    <a:p>
+                      <a:pPr algn="l" fontAlgn="ctr"/>
+                      <a:r>
+                        <a:rPr lang="en-US" sz="800" u="none" strike="noStrike">
+                          <a:effectLst/>
+                        </a:rPr>
+                        <a:t>NA</a:t>
+                      </a:r>
+                      <a:endParaRPr lang="en-US" sz="800" b="1" i="0" u="none" strike="noStrike">
+                        <a:solidFill>
+                          <a:srgbClr val="000000"/>
+                        </a:solidFill>
+                        <a:effectLst/>
+                        <a:latin typeface="Calibri"/>
+                      </a:endParaRPr>
+                    </a:p>
+                  </a:txBody>
+                  <a:tcPr marL="5556" marR="5556" marT="5556" marB="0" anchor="ctr"/>
+                </a:tc>
+                <a:tc>
+                  <a:txBody>
+                    <a:bodyPr/>
+                    <a:lstStyle/>
+                    <a:p>
+                      <a:pPr algn="r" fontAlgn="ctr"/>
+                      <a:r>
+                        <a:rPr lang="en-US" sz="800" u="none" strike="noStrike">
+                          <a:effectLst/>
+                        </a:rPr>
+                        <a:t>35</a:t>
+                      </a:r>
+                      <a:endParaRPr lang="en-US" sz="800" b="1" i="0" u="none" strike="noStrike">
+                        <a:solidFill>
+                          <a:srgbClr val="000000"/>
+                        </a:solidFill>
+                        <a:effectLst/>
+                        <a:latin typeface="Calibri"/>
+                      </a:endParaRPr>
+                    </a:p>
+                  </a:txBody>
+                  <a:tcPr marL="5556" marR="5556" marT="5556" marB="0" anchor="ctr"/>
+                </a:tc>
+                <a:tc>
+                  <a:txBody>
+                    <a:bodyPr/>
+                    <a:lstStyle/>
+                    <a:p>
+                      <a:pPr algn="r" fontAlgn="ctr"/>
+                      <a:r>
+                        <a:rPr lang="en-US" sz="800" u="none" strike="noStrike">
+                          <a:effectLst/>
+                        </a:rPr>
+                        <a:t>0</a:t>
+                      </a:r>
+                      <a:endParaRPr lang="en-US" sz="800" b="1" i="0" u="none" strike="noStrike">
+                        <a:solidFill>
+                          <a:srgbClr val="000000"/>
+                        </a:solidFill>
+                        <a:effectLst/>
+                        <a:latin typeface="Calibri"/>
+                      </a:endParaRPr>
+                    </a:p>
+                  </a:txBody>
+                  <a:tcPr marL="5556" marR="5556" marT="5556" marB="0" anchor="ctr"/>
+                </a:tc>
+              </a:tr>
+              <a:tr h="133350">
+                <a:tc>
+                  <a:txBody>
+                    <a:bodyPr/>
+                    <a:lstStyle/>
+                    <a:p>
+                      <a:pPr algn="l" fontAlgn="ctr"/>
+                      <a:r>
+                        <a:rPr lang="en-US" sz="800" u="none" strike="noStrike">
+                          <a:effectLst/>
+                        </a:rPr>
+                        <a:t>1.1.3.2</a:t>
+                      </a:r>
+                      <a:endParaRPr lang="en-US" sz="800" b="1" i="0" u="none" strike="noStrike">
+                        <a:solidFill>
+                          <a:srgbClr val="000000"/>
+                        </a:solidFill>
+                        <a:effectLst/>
+                        <a:latin typeface="Calibri"/>
+                      </a:endParaRPr>
+                    </a:p>
+                  </a:txBody>
+                  <a:tcPr marL="5556" marR="5556" marT="5556" marB="0" anchor="ctr"/>
+                </a:tc>
+                <a:tc>
+                  <a:txBody>
+                    <a:bodyPr/>
+                    <a:lstStyle/>
+                    <a:p>
+                      <a:pPr algn="l" fontAlgn="ctr"/>
+                      <a:r>
+                        <a:rPr lang="en-US" sz="800" u="none" strike="noStrike">
+                          <a:effectLst/>
+                        </a:rPr>
+                        <a:t>         Version 2.0</a:t>
+                      </a:r>
+                      <a:endParaRPr lang="en-US" sz="800" b="1" i="0" u="none" strike="noStrike">
+                        <a:solidFill>
+                          <a:srgbClr val="000000"/>
+                        </a:solidFill>
+                        <a:effectLst/>
+                        <a:latin typeface="Calibri"/>
+                      </a:endParaRPr>
+                    </a:p>
+                  </a:txBody>
+                  <a:tcPr marL="5556" marR="5556" marT="5556" marB="0" anchor="ctr"/>
+                </a:tc>
+                <a:tc>
+                  <a:txBody>
+                    <a:bodyPr/>
+                    <a:lstStyle/>
+                    <a:p>
+                      <a:pPr algn="l" fontAlgn="ctr"/>
+                      <a:r>
+                        <a:rPr lang="en-US" sz="800" u="none" strike="noStrike">
+                          <a:effectLst/>
+                        </a:rPr>
+                        <a:t>Tue 12/3/13</a:t>
+                      </a:r>
+                      <a:endParaRPr lang="en-US" sz="800" b="1" i="0" u="none" strike="noStrike">
+                        <a:solidFill>
+                          <a:srgbClr val="000000"/>
+                        </a:solidFill>
+                        <a:effectLst/>
+                        <a:latin typeface="Calibri"/>
+                      </a:endParaRPr>
+                    </a:p>
+                  </a:txBody>
+                  <a:tcPr marL="5556" marR="5556" marT="5556" marB="0" anchor="ctr"/>
+                </a:tc>
+                <a:tc>
+                  <a:txBody>
+                    <a:bodyPr/>
+                    <a:lstStyle/>
+                    <a:p>
+                      <a:pPr algn="l" fontAlgn="ctr"/>
+                      <a:r>
+                        <a:rPr lang="en-US" sz="800" u="none" strike="noStrike">
+                          <a:effectLst/>
+                        </a:rPr>
+                        <a:t>NA</a:t>
+                      </a:r>
+                      <a:endParaRPr lang="en-US" sz="800" b="1" i="0" u="none" strike="noStrike">
+                        <a:solidFill>
+                          <a:srgbClr val="000000"/>
+                        </a:solidFill>
+                        <a:effectLst/>
+                        <a:latin typeface="Calibri"/>
+                      </a:endParaRPr>
+                    </a:p>
+                  </a:txBody>
+                  <a:tcPr marL="5556" marR="5556" marT="5556" marB="0" anchor="ctr"/>
+                </a:tc>
+                <a:tc>
+                  <a:txBody>
+                    <a:bodyPr/>
+                    <a:lstStyle/>
+                    <a:p>
+                      <a:pPr algn="l" fontAlgn="ctr"/>
+                      <a:r>
+                        <a:rPr lang="en-US" sz="800" u="none" strike="noStrike">
+                          <a:effectLst/>
+                        </a:rPr>
+                        <a:t>Wed 12/11/13</a:t>
+                      </a:r>
+                      <a:endParaRPr lang="en-US" sz="800" b="1" i="0" u="none" strike="noStrike">
+                        <a:solidFill>
+                          <a:srgbClr val="000000"/>
+                        </a:solidFill>
+                        <a:effectLst/>
+                        <a:latin typeface="Calibri"/>
+                      </a:endParaRPr>
+                    </a:p>
+                  </a:txBody>
+                  <a:tcPr marL="5556" marR="5556" marT="5556" marB="0" anchor="ctr"/>
+                </a:tc>
+                <a:tc>
+                  <a:txBody>
+                    <a:bodyPr/>
+                    <a:lstStyle/>
+                    <a:p>
+                      <a:pPr algn="l" fontAlgn="ctr"/>
+                      <a:r>
+                        <a:rPr lang="en-US" sz="800" u="none" strike="noStrike">
+                          <a:effectLst/>
+                        </a:rPr>
+                        <a:t>NA</a:t>
+                      </a:r>
+                      <a:endParaRPr lang="en-US" sz="800" b="1" i="0" u="none" strike="noStrike">
+                        <a:solidFill>
+                          <a:srgbClr val="000000"/>
+                        </a:solidFill>
+                        <a:effectLst/>
+                        <a:latin typeface="Calibri"/>
+                      </a:endParaRPr>
+                    </a:p>
+                  </a:txBody>
+                  <a:tcPr marL="5556" marR="5556" marT="5556" marB="0" anchor="ctr"/>
+                </a:tc>
+                <a:tc>
+                  <a:txBody>
+                    <a:bodyPr/>
+                    <a:lstStyle/>
+                    <a:p>
+                      <a:pPr algn="r" fontAlgn="ctr"/>
+                      <a:r>
+                        <a:rPr lang="en-US" sz="800" u="none" strike="noStrike">
+                          <a:effectLst/>
+                        </a:rPr>
+                        <a:t>30</a:t>
+                      </a:r>
+                      <a:endParaRPr lang="en-US" sz="800" b="1" i="0" u="none" strike="noStrike">
+                        <a:solidFill>
+                          <a:srgbClr val="000000"/>
+                        </a:solidFill>
+                        <a:effectLst/>
+                        <a:latin typeface="Calibri"/>
+                      </a:endParaRPr>
+                    </a:p>
+                  </a:txBody>
+                  <a:tcPr marL="5556" marR="5556" marT="5556" marB="0" anchor="ctr"/>
+                </a:tc>
+                <a:tc>
+                  <a:txBody>
+                    <a:bodyPr/>
+                    <a:lstStyle/>
+                    <a:p>
+                      <a:pPr algn="r" fontAlgn="ctr"/>
+                      <a:r>
+                        <a:rPr lang="en-US" sz="800" u="none" strike="noStrike">
+                          <a:effectLst/>
+                        </a:rPr>
+                        <a:t>0</a:t>
+                      </a:r>
+                      <a:endParaRPr lang="en-US" sz="800" b="1" i="0" u="none" strike="noStrike">
+                        <a:solidFill>
+                          <a:srgbClr val="000000"/>
+                        </a:solidFill>
+                        <a:effectLst/>
+                        <a:latin typeface="Calibri"/>
+                      </a:endParaRPr>
+                    </a:p>
+                  </a:txBody>
+                  <a:tcPr marL="5556" marR="5556" marT="5556" marB="0" anchor="ctr"/>
+                </a:tc>
+              </a:tr>
+              <a:tr h="133350">
+                <a:tc>
+                  <a:txBody>
+                    <a:bodyPr/>
+                    <a:lstStyle/>
+                    <a:p>
+                      <a:pPr algn="l" fontAlgn="ctr"/>
+                      <a:r>
+                        <a:rPr lang="en-US" sz="800" u="none" strike="noStrike">
+                          <a:effectLst/>
+                        </a:rPr>
+                        <a:t> </a:t>
+                      </a:r>
+                      <a:endParaRPr lang="en-US" sz="800" b="0" i="0" u="none" strike="noStrike">
+                        <a:solidFill>
+                          <a:srgbClr val="000000"/>
+                        </a:solidFill>
+                        <a:effectLst/>
+                        <a:latin typeface="Calibri"/>
+                      </a:endParaRPr>
+                    </a:p>
+                  </a:txBody>
+                  <a:tcPr marL="5556" marR="5556" marT="5556" marB="0" anchor="ctr"/>
+                </a:tc>
+                <a:tc>
+                  <a:txBody>
+                    <a:bodyPr/>
+                    <a:lstStyle/>
+                    <a:p>
+                      <a:pPr algn="l" fontAlgn="ctr"/>
+                      <a:r>
+                        <a:rPr lang="en-US" sz="800" u="none" strike="noStrike">
+                          <a:effectLst/>
+                        </a:rPr>
+                        <a:t> </a:t>
+                      </a:r>
+                      <a:endParaRPr lang="en-US" sz="800" b="0" i="0" u="none" strike="noStrike">
+                        <a:solidFill>
+                          <a:srgbClr val="000000"/>
+                        </a:solidFill>
+                        <a:effectLst/>
+                        <a:latin typeface="Calibri"/>
+                      </a:endParaRPr>
+                    </a:p>
+                  </a:txBody>
+                  <a:tcPr marL="5556" marR="5556" marT="5556" marB="0" anchor="ctr"/>
+                </a:tc>
+                <a:tc>
+                  <a:txBody>
+                    <a:bodyPr/>
+                    <a:lstStyle/>
+                    <a:p>
+                      <a:pPr algn="l" fontAlgn="ctr"/>
+                      <a:r>
+                        <a:rPr lang="en-US" sz="800" u="none" strike="noStrike">
+                          <a:effectLst/>
+                        </a:rPr>
+                        <a:t> </a:t>
+                      </a:r>
+                      <a:endParaRPr lang="en-US" sz="800" b="0" i="0" u="none" strike="noStrike">
+                        <a:solidFill>
+                          <a:srgbClr val="000000"/>
+                        </a:solidFill>
+                        <a:effectLst/>
+                        <a:latin typeface="Calibri"/>
+                      </a:endParaRPr>
+                    </a:p>
+                  </a:txBody>
+                  <a:tcPr marL="5556" marR="5556" marT="5556" marB="0" anchor="ctr"/>
+                </a:tc>
+                <a:tc>
+                  <a:txBody>
+                    <a:bodyPr/>
+                    <a:lstStyle/>
+                    <a:p>
+                      <a:pPr algn="l" fontAlgn="ctr"/>
+                      <a:r>
+                        <a:rPr lang="en-US" sz="800" u="none" strike="noStrike">
+                          <a:effectLst/>
+                        </a:rPr>
+                        <a:t> </a:t>
+                      </a:r>
+                      <a:endParaRPr lang="en-US" sz="800" b="0" i="0" u="none" strike="noStrike">
+                        <a:solidFill>
+                          <a:srgbClr val="000000"/>
+                        </a:solidFill>
+                        <a:effectLst/>
+                        <a:latin typeface="Calibri"/>
+                      </a:endParaRPr>
+                    </a:p>
+                  </a:txBody>
+                  <a:tcPr marL="5556" marR="5556" marT="5556" marB="0" anchor="ctr"/>
+                </a:tc>
+                <a:tc>
+                  <a:txBody>
+                    <a:bodyPr/>
+                    <a:lstStyle/>
+                    <a:p>
+                      <a:pPr algn="l" fontAlgn="ctr"/>
+                      <a:r>
+                        <a:rPr lang="en-US" sz="800" u="none" strike="noStrike">
+                          <a:effectLst/>
+                        </a:rPr>
+                        <a:t> </a:t>
+                      </a:r>
+                      <a:endParaRPr lang="en-US" sz="800" b="0" i="0" u="none" strike="noStrike">
+                        <a:solidFill>
+                          <a:srgbClr val="000000"/>
+                        </a:solidFill>
+                        <a:effectLst/>
+                        <a:latin typeface="Calibri"/>
+                      </a:endParaRPr>
+                    </a:p>
+                  </a:txBody>
+                  <a:tcPr marL="5556" marR="5556" marT="5556" marB="0" anchor="ctr"/>
+                </a:tc>
+                <a:tc>
+                  <a:txBody>
+                    <a:bodyPr/>
+                    <a:lstStyle/>
+                    <a:p>
+                      <a:pPr algn="l" fontAlgn="ctr"/>
+                      <a:r>
+                        <a:rPr lang="en-US" sz="800" u="none" strike="noStrike">
+                          <a:effectLst/>
+                        </a:rPr>
+                        <a:t> </a:t>
+                      </a:r>
+                      <a:endParaRPr lang="en-US" sz="800" b="0" i="0" u="none" strike="noStrike">
+                        <a:solidFill>
+                          <a:srgbClr val="000000"/>
+                        </a:solidFill>
+                        <a:effectLst/>
+                        <a:latin typeface="Calibri"/>
+                      </a:endParaRPr>
+                    </a:p>
+                  </a:txBody>
+                  <a:tcPr marL="5556" marR="5556" marT="5556" marB="0" anchor="ctr"/>
+                </a:tc>
+                <a:tc>
+                  <a:txBody>
+                    <a:bodyPr/>
+                    <a:lstStyle/>
+                    <a:p>
+                      <a:pPr algn="l" fontAlgn="ctr"/>
+                      <a:r>
+                        <a:rPr lang="en-US" sz="800" u="none" strike="noStrike">
+                          <a:effectLst/>
+                        </a:rPr>
+                        <a:t> </a:t>
+                      </a:r>
+                      <a:endParaRPr lang="en-US" sz="800" b="0" i="0" u="none" strike="noStrike">
+                        <a:solidFill>
+                          <a:srgbClr val="000000"/>
+                        </a:solidFill>
+                        <a:effectLst/>
+                        <a:latin typeface="Calibri"/>
+                      </a:endParaRPr>
+                    </a:p>
+                  </a:txBody>
+                  <a:tcPr marL="5556" marR="5556" marT="5556" marB="0" anchor="ctr"/>
+                </a:tc>
+                <a:tc>
+                  <a:txBody>
+                    <a:bodyPr/>
+                    <a:lstStyle/>
+                    <a:p>
+                      <a:pPr algn="r" fontAlgn="ctr"/>
+                      <a:r>
+                        <a:rPr lang="en-US" sz="800" u="none" strike="noStrike">
+                          <a:effectLst/>
+                        </a:rPr>
+                        <a:t> </a:t>
+                      </a:r>
+                      <a:endParaRPr lang="en-US" sz="800" b="0" i="0" u="none" strike="noStrike">
+                        <a:solidFill>
+                          <a:srgbClr val="000000"/>
+                        </a:solidFill>
+                        <a:effectLst/>
+                        <a:latin typeface="Calibri"/>
+                      </a:endParaRPr>
+                    </a:p>
+                  </a:txBody>
+                  <a:tcPr marL="5556" marR="5556" marT="5556" marB="0" anchor="ctr"/>
+                </a:tc>
+              </a:tr>
+              <a:tr h="133350">
+                <a:tc>
+                  <a:txBody>
+                    <a:bodyPr/>
+                    <a:lstStyle/>
+                    <a:p>
+                      <a:pPr algn="l" fontAlgn="ctr"/>
+                      <a:r>
+                        <a:rPr lang="en-US" sz="800" u="none" strike="noStrike">
+                          <a:effectLst/>
+                        </a:rPr>
+                        <a:t>2</a:t>
+                      </a:r>
+                      <a:endParaRPr lang="en-US" sz="800" b="1" i="0" u="none" strike="noStrike">
+                        <a:solidFill>
+                          <a:srgbClr val="000000"/>
+                        </a:solidFill>
+                        <a:effectLst/>
+                        <a:latin typeface="Calibri"/>
+                      </a:endParaRPr>
+                    </a:p>
+                  </a:txBody>
+                  <a:tcPr marL="5556" marR="5556" marT="5556" marB="0" anchor="ctr"/>
+                </a:tc>
+                <a:tc>
+                  <a:txBody>
+                    <a:bodyPr/>
+                    <a:lstStyle/>
+                    <a:p>
+                      <a:pPr algn="l" fontAlgn="ctr"/>
+                      <a:r>
+                        <a:rPr lang="en-US" sz="800" u="none" strike="noStrike">
+                          <a:effectLst/>
+                        </a:rPr>
+                        <a:t>Senior Design 2</a:t>
+                      </a:r>
+                      <a:endParaRPr lang="en-US" sz="800" b="1" i="0" u="none" strike="noStrike">
+                        <a:solidFill>
+                          <a:srgbClr val="000000"/>
+                        </a:solidFill>
+                        <a:effectLst/>
+                        <a:latin typeface="Calibri"/>
+                      </a:endParaRPr>
+                    </a:p>
+                  </a:txBody>
+                  <a:tcPr marL="5556" marR="5556" marT="5556" marB="0" anchor="ctr"/>
+                </a:tc>
+                <a:tc>
+                  <a:txBody>
+                    <a:bodyPr/>
+                    <a:lstStyle/>
+                    <a:p>
+                      <a:pPr algn="l" fontAlgn="ctr"/>
+                      <a:r>
+                        <a:rPr lang="en-US" sz="800" u="none" strike="noStrike">
+                          <a:effectLst/>
+                        </a:rPr>
+                        <a:t>Wed 1/15/14</a:t>
+                      </a:r>
+                      <a:endParaRPr lang="en-US" sz="800" b="1" i="0" u="none" strike="noStrike">
+                        <a:solidFill>
+                          <a:srgbClr val="000000"/>
+                        </a:solidFill>
+                        <a:effectLst/>
+                        <a:latin typeface="Calibri"/>
+                      </a:endParaRPr>
+                    </a:p>
+                  </a:txBody>
+                  <a:tcPr marL="5556" marR="5556" marT="5556" marB="0" anchor="ctr"/>
+                </a:tc>
+                <a:tc>
+                  <a:txBody>
+                    <a:bodyPr/>
+                    <a:lstStyle/>
+                    <a:p>
+                      <a:pPr algn="l" fontAlgn="ctr"/>
+                      <a:r>
+                        <a:rPr lang="en-US" sz="800" u="none" strike="noStrike">
+                          <a:effectLst/>
+                        </a:rPr>
+                        <a:t>NA</a:t>
+                      </a:r>
+                      <a:endParaRPr lang="en-US" sz="800" b="1" i="0" u="none" strike="noStrike">
+                        <a:solidFill>
+                          <a:srgbClr val="000000"/>
+                        </a:solidFill>
+                        <a:effectLst/>
+                        <a:latin typeface="Calibri"/>
+                      </a:endParaRPr>
+                    </a:p>
+                  </a:txBody>
+                  <a:tcPr marL="5556" marR="5556" marT="5556" marB="0" anchor="ctr"/>
+                </a:tc>
+                <a:tc>
+                  <a:txBody>
+                    <a:bodyPr/>
+                    <a:lstStyle/>
+                    <a:p>
+                      <a:pPr algn="l" fontAlgn="ctr"/>
+                      <a:r>
+                        <a:rPr lang="en-US" sz="800" u="none" strike="noStrike">
+                          <a:effectLst/>
+                        </a:rPr>
+                        <a:t>Fri 5/23/14</a:t>
+                      </a:r>
+                      <a:endParaRPr lang="en-US" sz="800" b="1" i="0" u="none" strike="noStrike">
+                        <a:solidFill>
+                          <a:srgbClr val="000000"/>
+                        </a:solidFill>
+                        <a:effectLst/>
+                        <a:latin typeface="Calibri"/>
+                      </a:endParaRPr>
+                    </a:p>
+                  </a:txBody>
+                  <a:tcPr marL="5556" marR="5556" marT="5556" marB="0" anchor="ctr"/>
+                </a:tc>
+                <a:tc>
+                  <a:txBody>
+                    <a:bodyPr/>
+                    <a:lstStyle/>
+                    <a:p>
+                      <a:pPr algn="l" fontAlgn="ctr"/>
+                      <a:r>
+                        <a:rPr lang="en-US" sz="800" u="none" strike="noStrike">
+                          <a:effectLst/>
+                        </a:rPr>
+                        <a:t>NA</a:t>
+                      </a:r>
+                      <a:endParaRPr lang="en-US" sz="800" b="1" i="0" u="none" strike="noStrike">
+                        <a:solidFill>
+                          <a:srgbClr val="000000"/>
+                        </a:solidFill>
+                        <a:effectLst/>
+                        <a:latin typeface="Calibri"/>
+                      </a:endParaRPr>
+                    </a:p>
+                  </a:txBody>
+                  <a:tcPr marL="5556" marR="5556" marT="5556" marB="0" anchor="ctr"/>
+                </a:tc>
+                <a:tc>
+                  <a:txBody>
+                    <a:bodyPr/>
+                    <a:lstStyle/>
+                    <a:p>
+                      <a:pPr algn="r" fontAlgn="ctr"/>
+                      <a:r>
+                        <a:rPr lang="en-US" sz="800" u="none" strike="noStrike">
+                          <a:effectLst/>
+                        </a:rPr>
+                        <a:t>261</a:t>
+                      </a:r>
+                      <a:endParaRPr lang="en-US" sz="800" b="1" i="0" u="none" strike="noStrike">
+                        <a:solidFill>
+                          <a:srgbClr val="000000"/>
+                        </a:solidFill>
+                        <a:effectLst/>
+                        <a:latin typeface="Calibri"/>
+                      </a:endParaRPr>
+                    </a:p>
+                  </a:txBody>
+                  <a:tcPr marL="5556" marR="5556" marT="5556" marB="0" anchor="ctr"/>
+                </a:tc>
+                <a:tc>
+                  <a:txBody>
+                    <a:bodyPr/>
+                    <a:lstStyle/>
+                    <a:p>
+                      <a:pPr algn="r" fontAlgn="ctr"/>
+                      <a:r>
+                        <a:rPr lang="en-US" sz="800" u="none" strike="noStrike">
+                          <a:effectLst/>
+                        </a:rPr>
+                        <a:t>0</a:t>
+                      </a:r>
+                      <a:endParaRPr lang="en-US" sz="800" b="1" i="0" u="none" strike="noStrike">
+                        <a:solidFill>
+                          <a:srgbClr val="000000"/>
+                        </a:solidFill>
+                        <a:effectLst/>
+                        <a:latin typeface="Calibri"/>
+                      </a:endParaRPr>
+                    </a:p>
+                  </a:txBody>
+                  <a:tcPr marL="5556" marR="5556" marT="5556" marB="0" anchor="ctr"/>
+                </a:tc>
+              </a:tr>
+              <a:tr h="133350">
+                <a:tc>
+                  <a:txBody>
+                    <a:bodyPr/>
+                    <a:lstStyle/>
+                    <a:p>
+                      <a:pPr algn="l" fontAlgn="ctr"/>
+                      <a:r>
+                        <a:rPr lang="en-US" sz="800" u="none" strike="noStrike">
+                          <a:effectLst/>
+                        </a:rPr>
+                        <a:t>2.1</a:t>
+                      </a:r>
+                      <a:endParaRPr lang="en-US" sz="800" b="1" i="0" u="none" strike="noStrike">
+                        <a:solidFill>
+                          <a:srgbClr val="000000"/>
+                        </a:solidFill>
+                        <a:effectLst/>
+                        <a:latin typeface="Calibri"/>
+                      </a:endParaRPr>
+                    </a:p>
+                  </a:txBody>
+                  <a:tcPr marL="5556" marR="5556" marT="5556" marB="0" anchor="ctr"/>
+                </a:tc>
+                <a:tc>
+                  <a:txBody>
+                    <a:bodyPr/>
+                    <a:lstStyle/>
+                    <a:p>
+                      <a:pPr algn="l" fontAlgn="ctr"/>
+                      <a:r>
+                        <a:rPr lang="en-US" sz="800" u="none" strike="noStrike">
+                          <a:effectLst/>
+                        </a:rPr>
+                        <a:t>   Documents</a:t>
+                      </a:r>
+                      <a:endParaRPr lang="en-US" sz="800" b="1" i="0" u="none" strike="noStrike">
+                        <a:solidFill>
+                          <a:srgbClr val="000000"/>
+                        </a:solidFill>
+                        <a:effectLst/>
+                        <a:latin typeface="Calibri"/>
+                      </a:endParaRPr>
+                    </a:p>
+                  </a:txBody>
+                  <a:tcPr marL="5556" marR="5556" marT="5556" marB="0" anchor="ctr"/>
+                </a:tc>
+                <a:tc>
+                  <a:txBody>
+                    <a:bodyPr/>
+                    <a:lstStyle/>
+                    <a:p>
+                      <a:pPr algn="l" fontAlgn="ctr"/>
+                      <a:r>
+                        <a:rPr lang="en-US" sz="800" u="none" strike="noStrike">
+                          <a:effectLst/>
+                        </a:rPr>
+                        <a:t>Wed 1/15/14</a:t>
+                      </a:r>
+                      <a:endParaRPr lang="en-US" sz="800" b="1" i="0" u="none" strike="noStrike">
+                        <a:solidFill>
+                          <a:srgbClr val="000000"/>
+                        </a:solidFill>
+                        <a:effectLst/>
+                        <a:latin typeface="Calibri"/>
+                      </a:endParaRPr>
+                    </a:p>
+                  </a:txBody>
+                  <a:tcPr marL="5556" marR="5556" marT="5556" marB="0" anchor="ctr"/>
+                </a:tc>
+                <a:tc>
+                  <a:txBody>
+                    <a:bodyPr/>
+                    <a:lstStyle/>
+                    <a:p>
+                      <a:pPr algn="l" fontAlgn="ctr"/>
+                      <a:r>
+                        <a:rPr lang="en-US" sz="800" u="none" strike="noStrike">
+                          <a:effectLst/>
+                        </a:rPr>
+                        <a:t>NA</a:t>
+                      </a:r>
+                      <a:endParaRPr lang="en-US" sz="800" b="1" i="0" u="none" strike="noStrike">
+                        <a:solidFill>
+                          <a:srgbClr val="000000"/>
+                        </a:solidFill>
+                        <a:effectLst/>
+                        <a:latin typeface="Calibri"/>
+                      </a:endParaRPr>
+                    </a:p>
+                  </a:txBody>
+                  <a:tcPr marL="5556" marR="5556" marT="5556" marB="0" anchor="ctr"/>
+                </a:tc>
+                <a:tc>
+                  <a:txBody>
+                    <a:bodyPr/>
+                    <a:lstStyle/>
+                    <a:p>
+                      <a:pPr algn="l" fontAlgn="ctr"/>
+                      <a:r>
+                        <a:rPr lang="en-US" sz="800" u="none" strike="noStrike">
+                          <a:effectLst/>
+                        </a:rPr>
+                        <a:t>Fri 5/23/14</a:t>
+                      </a:r>
+                      <a:endParaRPr lang="en-US" sz="800" b="1" i="0" u="none" strike="noStrike">
+                        <a:solidFill>
+                          <a:srgbClr val="000000"/>
+                        </a:solidFill>
+                        <a:effectLst/>
+                        <a:latin typeface="Calibri"/>
+                      </a:endParaRPr>
+                    </a:p>
+                  </a:txBody>
+                  <a:tcPr marL="5556" marR="5556" marT="5556" marB="0" anchor="ctr"/>
+                </a:tc>
+                <a:tc>
+                  <a:txBody>
+                    <a:bodyPr/>
+                    <a:lstStyle/>
+                    <a:p>
+                      <a:pPr algn="l" fontAlgn="ctr"/>
+                      <a:r>
+                        <a:rPr lang="en-US" sz="800" u="none" strike="noStrike">
+                          <a:effectLst/>
+                        </a:rPr>
+                        <a:t>NA</a:t>
+                      </a:r>
+                      <a:endParaRPr lang="en-US" sz="800" b="1" i="0" u="none" strike="noStrike">
+                        <a:solidFill>
+                          <a:srgbClr val="000000"/>
+                        </a:solidFill>
+                        <a:effectLst/>
+                        <a:latin typeface="Calibri"/>
+                      </a:endParaRPr>
+                    </a:p>
+                  </a:txBody>
+                  <a:tcPr marL="5556" marR="5556" marT="5556" marB="0" anchor="ctr"/>
+                </a:tc>
+                <a:tc>
+                  <a:txBody>
+                    <a:bodyPr/>
+                    <a:lstStyle/>
+                    <a:p>
+                      <a:pPr algn="r" fontAlgn="ctr"/>
+                      <a:r>
+                        <a:rPr lang="en-US" sz="800" u="none" strike="noStrike">
+                          <a:effectLst/>
+                        </a:rPr>
+                        <a:t>111</a:t>
+                      </a:r>
+                      <a:endParaRPr lang="en-US" sz="800" b="1" i="0" u="none" strike="noStrike">
+                        <a:solidFill>
+                          <a:srgbClr val="000000"/>
+                        </a:solidFill>
+                        <a:effectLst/>
+                        <a:latin typeface="Calibri"/>
+                      </a:endParaRPr>
+                    </a:p>
+                  </a:txBody>
+                  <a:tcPr marL="5556" marR="5556" marT="5556" marB="0" anchor="ctr"/>
+                </a:tc>
+                <a:tc>
+                  <a:txBody>
+                    <a:bodyPr/>
+                    <a:lstStyle/>
+                    <a:p>
+                      <a:pPr algn="r" fontAlgn="ctr"/>
+                      <a:r>
+                        <a:rPr lang="en-US" sz="800" u="none" strike="noStrike">
+                          <a:effectLst/>
+                        </a:rPr>
+                        <a:t>0</a:t>
+                      </a:r>
+                      <a:endParaRPr lang="en-US" sz="800" b="1" i="0" u="none" strike="noStrike">
+                        <a:solidFill>
+                          <a:srgbClr val="000000"/>
+                        </a:solidFill>
+                        <a:effectLst/>
+                        <a:latin typeface="Calibri"/>
+                      </a:endParaRPr>
+                    </a:p>
+                  </a:txBody>
+                  <a:tcPr marL="5556" marR="5556" marT="5556" marB="0" anchor="ctr"/>
+                </a:tc>
+              </a:tr>
+              <a:tr h="133350">
+                <a:tc>
+                  <a:txBody>
+                    <a:bodyPr/>
+                    <a:lstStyle/>
+                    <a:p>
+                      <a:pPr algn="l" fontAlgn="ctr"/>
+                      <a:r>
+                        <a:rPr lang="en-US" sz="800" u="none" strike="noStrike">
+                          <a:effectLst/>
+                        </a:rPr>
+                        <a:t>2.1.1</a:t>
+                      </a:r>
+                      <a:endParaRPr lang="en-US" sz="800" b="1" i="0" u="none" strike="noStrike">
+                        <a:solidFill>
+                          <a:srgbClr val="000000"/>
+                        </a:solidFill>
+                        <a:effectLst/>
+                        <a:latin typeface="Calibri"/>
+                      </a:endParaRPr>
+                    </a:p>
+                  </a:txBody>
+                  <a:tcPr marL="5556" marR="5556" marT="5556" marB="0" anchor="ctr"/>
+                </a:tc>
+                <a:tc>
+                  <a:txBody>
+                    <a:bodyPr/>
+                    <a:lstStyle/>
+                    <a:p>
+                      <a:pPr algn="l" fontAlgn="ctr"/>
+                      <a:r>
+                        <a:rPr lang="en-US" sz="800" u="none" strike="noStrike">
+                          <a:effectLst/>
+                        </a:rPr>
+                        <a:t>      Detailed Design Documnetation</a:t>
+                      </a:r>
+                      <a:endParaRPr lang="en-US" sz="800" b="1" i="0" u="none" strike="noStrike">
+                        <a:solidFill>
+                          <a:srgbClr val="000000"/>
+                        </a:solidFill>
+                        <a:effectLst/>
+                        <a:latin typeface="Calibri"/>
+                      </a:endParaRPr>
+                    </a:p>
+                  </a:txBody>
+                  <a:tcPr marL="5556" marR="5556" marT="5556" marB="0" anchor="ctr"/>
+                </a:tc>
+                <a:tc>
+                  <a:txBody>
+                    <a:bodyPr/>
+                    <a:lstStyle/>
+                    <a:p>
+                      <a:pPr algn="l" fontAlgn="ctr"/>
+                      <a:r>
+                        <a:rPr lang="en-US" sz="800" u="none" strike="noStrike">
+                          <a:effectLst/>
+                        </a:rPr>
+                        <a:t>Wed 1/15/14</a:t>
+                      </a:r>
+                      <a:endParaRPr lang="en-US" sz="800" b="1" i="0" u="none" strike="noStrike">
+                        <a:solidFill>
+                          <a:srgbClr val="000000"/>
+                        </a:solidFill>
+                        <a:effectLst/>
+                        <a:latin typeface="Calibri"/>
+                      </a:endParaRPr>
+                    </a:p>
+                  </a:txBody>
+                  <a:tcPr marL="5556" marR="5556" marT="5556" marB="0" anchor="ctr"/>
+                </a:tc>
+                <a:tc>
+                  <a:txBody>
+                    <a:bodyPr/>
+                    <a:lstStyle/>
+                    <a:p>
+                      <a:pPr algn="l" fontAlgn="ctr"/>
+                      <a:r>
+                        <a:rPr lang="en-US" sz="800" u="none" strike="noStrike">
+                          <a:effectLst/>
+                        </a:rPr>
+                        <a:t>NA</a:t>
+                      </a:r>
+                      <a:endParaRPr lang="en-US" sz="800" b="1" i="0" u="none" strike="noStrike">
+                        <a:solidFill>
+                          <a:srgbClr val="000000"/>
+                        </a:solidFill>
+                        <a:effectLst/>
+                        <a:latin typeface="Calibri"/>
+                      </a:endParaRPr>
+                    </a:p>
+                  </a:txBody>
+                  <a:tcPr marL="5556" marR="5556" marT="5556" marB="0" anchor="ctr"/>
+                </a:tc>
+                <a:tc>
+                  <a:txBody>
+                    <a:bodyPr/>
+                    <a:lstStyle/>
+                    <a:p>
+                      <a:pPr algn="l" fontAlgn="ctr"/>
+                      <a:r>
+                        <a:rPr lang="en-US" sz="800" u="none" strike="noStrike">
+                          <a:effectLst/>
+                        </a:rPr>
+                        <a:t>Tue 2/18/14</a:t>
+                      </a:r>
+                      <a:endParaRPr lang="en-US" sz="800" b="1" i="0" u="none" strike="noStrike">
+                        <a:solidFill>
+                          <a:srgbClr val="000000"/>
+                        </a:solidFill>
+                        <a:effectLst/>
+                        <a:latin typeface="Calibri"/>
+                      </a:endParaRPr>
+                    </a:p>
+                  </a:txBody>
+                  <a:tcPr marL="5556" marR="5556" marT="5556" marB="0" anchor="ctr"/>
+                </a:tc>
+                <a:tc>
+                  <a:txBody>
+                    <a:bodyPr/>
+                    <a:lstStyle/>
+                    <a:p>
+                      <a:pPr algn="l" fontAlgn="ctr"/>
+                      <a:r>
+                        <a:rPr lang="en-US" sz="800" u="none" strike="noStrike">
+                          <a:effectLst/>
+                        </a:rPr>
+                        <a:t>NA</a:t>
+                      </a:r>
+                      <a:endParaRPr lang="en-US" sz="800" b="1" i="0" u="none" strike="noStrike">
+                        <a:solidFill>
+                          <a:srgbClr val="000000"/>
+                        </a:solidFill>
+                        <a:effectLst/>
+                        <a:latin typeface="Calibri"/>
+                      </a:endParaRPr>
+                    </a:p>
+                  </a:txBody>
+                  <a:tcPr marL="5556" marR="5556" marT="5556" marB="0" anchor="ctr"/>
+                </a:tc>
+                <a:tc>
+                  <a:txBody>
+                    <a:bodyPr/>
+                    <a:lstStyle/>
+                    <a:p>
+                      <a:pPr algn="r" fontAlgn="ctr"/>
+                      <a:r>
+                        <a:rPr lang="en-US" sz="800" u="none" strike="noStrike">
+                          <a:effectLst/>
+                        </a:rPr>
+                        <a:t>71</a:t>
+                      </a:r>
+                      <a:endParaRPr lang="en-US" sz="800" b="1" i="0" u="none" strike="noStrike">
+                        <a:solidFill>
+                          <a:srgbClr val="000000"/>
+                        </a:solidFill>
+                        <a:effectLst/>
+                        <a:latin typeface="Calibri"/>
+                      </a:endParaRPr>
+                    </a:p>
+                  </a:txBody>
+                  <a:tcPr marL="5556" marR="5556" marT="5556" marB="0" anchor="ctr"/>
+                </a:tc>
+                <a:tc>
+                  <a:txBody>
+                    <a:bodyPr/>
+                    <a:lstStyle/>
+                    <a:p>
+                      <a:pPr algn="r" fontAlgn="ctr"/>
+                      <a:r>
+                        <a:rPr lang="en-US" sz="800" u="none" strike="noStrike">
+                          <a:effectLst/>
+                        </a:rPr>
+                        <a:t>0</a:t>
+                      </a:r>
+                      <a:endParaRPr lang="en-US" sz="800" b="1" i="0" u="none" strike="noStrike">
+                        <a:solidFill>
+                          <a:srgbClr val="000000"/>
+                        </a:solidFill>
+                        <a:effectLst/>
+                        <a:latin typeface="Calibri"/>
+                      </a:endParaRPr>
+                    </a:p>
+                  </a:txBody>
+                  <a:tcPr marL="5556" marR="5556" marT="5556" marB="0" anchor="ctr"/>
+                </a:tc>
+              </a:tr>
+              <a:tr h="133350">
+                <a:tc>
+                  <a:txBody>
+                    <a:bodyPr/>
+                    <a:lstStyle/>
+                    <a:p>
+                      <a:pPr algn="l" fontAlgn="ctr"/>
+                      <a:r>
+                        <a:rPr lang="en-US" sz="800" u="none" strike="noStrike">
+                          <a:effectLst/>
+                        </a:rPr>
+                        <a:t>2.1.1.1</a:t>
+                      </a:r>
+                      <a:endParaRPr lang="en-US" sz="800" b="1" i="0" u="none" strike="noStrike">
+                        <a:solidFill>
+                          <a:srgbClr val="000000"/>
+                        </a:solidFill>
+                        <a:effectLst/>
+                        <a:latin typeface="Calibri"/>
+                      </a:endParaRPr>
+                    </a:p>
+                  </a:txBody>
+                  <a:tcPr marL="5556" marR="5556" marT="5556" marB="0" anchor="ctr"/>
+                </a:tc>
+                <a:tc>
+                  <a:txBody>
+                    <a:bodyPr/>
+                    <a:lstStyle/>
+                    <a:p>
+                      <a:pPr algn="l" fontAlgn="ctr"/>
+                      <a:r>
+                        <a:rPr lang="en-US" sz="800" u="none" strike="noStrike">
+                          <a:effectLst/>
+                        </a:rPr>
+                        <a:t>         Version 1.0</a:t>
+                      </a:r>
+                      <a:endParaRPr lang="en-US" sz="800" b="1" i="0" u="none" strike="noStrike">
+                        <a:solidFill>
+                          <a:srgbClr val="000000"/>
+                        </a:solidFill>
+                        <a:effectLst/>
+                        <a:latin typeface="Calibri"/>
+                      </a:endParaRPr>
+                    </a:p>
+                  </a:txBody>
+                  <a:tcPr marL="5556" marR="5556" marT="5556" marB="0" anchor="ctr"/>
+                </a:tc>
+                <a:tc>
+                  <a:txBody>
+                    <a:bodyPr/>
+                    <a:lstStyle/>
+                    <a:p>
+                      <a:pPr algn="l" fontAlgn="ctr"/>
+                      <a:r>
+                        <a:rPr lang="en-US" sz="800" u="none" strike="noStrike">
+                          <a:effectLst/>
+                        </a:rPr>
+                        <a:t>Wed 1/15/14</a:t>
+                      </a:r>
+                      <a:endParaRPr lang="en-US" sz="800" b="1" i="0" u="none" strike="noStrike">
+                        <a:solidFill>
+                          <a:srgbClr val="000000"/>
+                        </a:solidFill>
+                        <a:effectLst/>
+                        <a:latin typeface="Calibri"/>
+                      </a:endParaRPr>
+                    </a:p>
+                  </a:txBody>
+                  <a:tcPr marL="5556" marR="5556" marT="5556" marB="0" anchor="ctr"/>
+                </a:tc>
+                <a:tc>
+                  <a:txBody>
+                    <a:bodyPr/>
+                    <a:lstStyle/>
+                    <a:p>
+                      <a:pPr algn="l" fontAlgn="ctr"/>
+                      <a:r>
+                        <a:rPr lang="en-US" sz="800" u="none" strike="noStrike">
+                          <a:effectLst/>
+                        </a:rPr>
+                        <a:t>NA</a:t>
+                      </a:r>
+                      <a:endParaRPr lang="en-US" sz="800" b="1" i="0" u="none" strike="noStrike">
+                        <a:solidFill>
+                          <a:srgbClr val="000000"/>
+                        </a:solidFill>
+                        <a:effectLst/>
+                        <a:latin typeface="Calibri"/>
+                      </a:endParaRPr>
+                    </a:p>
+                  </a:txBody>
+                  <a:tcPr marL="5556" marR="5556" marT="5556" marB="0" anchor="ctr"/>
+                </a:tc>
+                <a:tc>
+                  <a:txBody>
+                    <a:bodyPr/>
+                    <a:lstStyle/>
+                    <a:p>
+                      <a:pPr algn="l" fontAlgn="ctr"/>
+                      <a:r>
+                        <a:rPr lang="en-US" sz="800" u="none" strike="noStrike">
+                          <a:effectLst/>
+                        </a:rPr>
+                        <a:t>Wed 2/12/14</a:t>
+                      </a:r>
+                      <a:endParaRPr lang="en-US" sz="800" b="1" i="0" u="none" strike="noStrike">
+                        <a:solidFill>
+                          <a:srgbClr val="000000"/>
+                        </a:solidFill>
+                        <a:effectLst/>
+                        <a:latin typeface="Calibri"/>
+                      </a:endParaRPr>
+                    </a:p>
+                  </a:txBody>
+                  <a:tcPr marL="5556" marR="5556" marT="5556" marB="0" anchor="ctr"/>
+                </a:tc>
+                <a:tc>
+                  <a:txBody>
+                    <a:bodyPr/>
+                    <a:lstStyle/>
+                    <a:p>
+                      <a:pPr algn="l" fontAlgn="ctr"/>
+                      <a:r>
+                        <a:rPr lang="en-US" sz="800" u="none" strike="noStrike">
+                          <a:effectLst/>
+                        </a:rPr>
+                        <a:t>NA</a:t>
+                      </a:r>
+                      <a:endParaRPr lang="en-US" sz="800" b="1" i="0" u="none" strike="noStrike">
+                        <a:solidFill>
+                          <a:srgbClr val="000000"/>
+                        </a:solidFill>
+                        <a:effectLst/>
+                        <a:latin typeface="Calibri"/>
+                      </a:endParaRPr>
+                    </a:p>
+                  </a:txBody>
+                  <a:tcPr marL="5556" marR="5556" marT="5556" marB="0" anchor="ctr"/>
+                </a:tc>
+                <a:tc>
+                  <a:txBody>
+                    <a:bodyPr/>
+                    <a:lstStyle/>
+                    <a:p>
+                      <a:pPr algn="r" fontAlgn="ctr"/>
+                      <a:r>
+                        <a:rPr lang="en-US" sz="800" u="none" strike="noStrike">
+                          <a:effectLst/>
+                        </a:rPr>
+                        <a:t>36</a:t>
+                      </a:r>
+                      <a:endParaRPr lang="en-US" sz="800" b="1" i="0" u="none" strike="noStrike">
+                        <a:solidFill>
+                          <a:srgbClr val="000000"/>
+                        </a:solidFill>
+                        <a:effectLst/>
+                        <a:latin typeface="Calibri"/>
+                      </a:endParaRPr>
+                    </a:p>
+                  </a:txBody>
+                  <a:tcPr marL="5556" marR="5556" marT="5556" marB="0" anchor="ctr"/>
+                </a:tc>
+                <a:tc>
+                  <a:txBody>
+                    <a:bodyPr/>
+                    <a:lstStyle/>
+                    <a:p>
+                      <a:pPr algn="r" fontAlgn="ctr"/>
+                      <a:r>
+                        <a:rPr lang="en-US" sz="800" u="none" strike="noStrike">
+                          <a:effectLst/>
+                        </a:rPr>
+                        <a:t>0</a:t>
+                      </a:r>
+                      <a:endParaRPr lang="en-US" sz="800" b="1" i="0" u="none" strike="noStrike">
+                        <a:solidFill>
+                          <a:srgbClr val="000000"/>
+                        </a:solidFill>
+                        <a:effectLst/>
+                        <a:latin typeface="Calibri"/>
+                      </a:endParaRPr>
+                    </a:p>
+                  </a:txBody>
+                  <a:tcPr marL="5556" marR="5556" marT="5556" marB="0" anchor="ctr"/>
+                </a:tc>
+              </a:tr>
+              <a:tr h="133350">
+                <a:tc>
+                  <a:txBody>
+                    <a:bodyPr/>
+                    <a:lstStyle/>
+                    <a:p>
+                      <a:pPr algn="l" fontAlgn="ctr"/>
+                      <a:r>
+                        <a:rPr lang="en-US" sz="800" u="none" strike="noStrike">
+                          <a:effectLst/>
+                        </a:rPr>
+                        <a:t>2.1.1.2</a:t>
+                      </a:r>
+                      <a:endParaRPr lang="en-US" sz="800" b="1" i="0" u="none" strike="noStrike">
+                        <a:solidFill>
+                          <a:srgbClr val="000000"/>
+                        </a:solidFill>
+                        <a:effectLst/>
+                        <a:latin typeface="Calibri"/>
+                      </a:endParaRPr>
+                    </a:p>
+                  </a:txBody>
+                  <a:tcPr marL="5556" marR="5556" marT="5556" marB="0" anchor="ctr"/>
+                </a:tc>
+                <a:tc>
+                  <a:txBody>
+                    <a:bodyPr/>
+                    <a:lstStyle/>
+                    <a:p>
+                      <a:pPr algn="l" fontAlgn="ctr"/>
+                      <a:r>
+                        <a:rPr lang="en-US" sz="800" u="none" strike="noStrike">
+                          <a:effectLst/>
+                        </a:rPr>
+                        <a:t>         Version 2.0</a:t>
+                      </a:r>
+                      <a:endParaRPr lang="en-US" sz="800" b="1" i="0" u="none" strike="noStrike">
+                        <a:solidFill>
+                          <a:srgbClr val="000000"/>
+                        </a:solidFill>
+                        <a:effectLst/>
+                        <a:latin typeface="Calibri"/>
+                      </a:endParaRPr>
+                    </a:p>
+                  </a:txBody>
+                  <a:tcPr marL="5556" marR="5556" marT="5556" marB="0" anchor="ctr"/>
+                </a:tc>
+                <a:tc>
+                  <a:txBody>
+                    <a:bodyPr/>
+                    <a:lstStyle/>
+                    <a:p>
+                      <a:pPr algn="l" fontAlgn="ctr"/>
+                      <a:r>
+                        <a:rPr lang="en-US" sz="800" u="none" strike="noStrike">
+                          <a:effectLst/>
+                        </a:rPr>
+                        <a:t>Wed 2/12/14</a:t>
+                      </a:r>
+                      <a:endParaRPr lang="en-US" sz="800" b="1" i="0" u="none" strike="noStrike">
+                        <a:solidFill>
+                          <a:srgbClr val="000000"/>
+                        </a:solidFill>
+                        <a:effectLst/>
+                        <a:latin typeface="Calibri"/>
+                      </a:endParaRPr>
+                    </a:p>
+                  </a:txBody>
+                  <a:tcPr marL="5556" marR="5556" marT="5556" marB="0" anchor="ctr"/>
+                </a:tc>
+                <a:tc>
+                  <a:txBody>
+                    <a:bodyPr/>
+                    <a:lstStyle/>
+                    <a:p>
+                      <a:pPr algn="l" fontAlgn="ctr"/>
+                      <a:r>
+                        <a:rPr lang="en-US" sz="800" u="none" strike="noStrike">
+                          <a:effectLst/>
+                        </a:rPr>
+                        <a:t>NA</a:t>
+                      </a:r>
+                      <a:endParaRPr lang="en-US" sz="800" b="1" i="0" u="none" strike="noStrike">
+                        <a:solidFill>
+                          <a:srgbClr val="000000"/>
+                        </a:solidFill>
+                        <a:effectLst/>
+                        <a:latin typeface="Calibri"/>
+                      </a:endParaRPr>
+                    </a:p>
+                  </a:txBody>
+                  <a:tcPr marL="5556" marR="5556" marT="5556" marB="0" anchor="ctr"/>
+                </a:tc>
+                <a:tc>
+                  <a:txBody>
+                    <a:bodyPr/>
+                    <a:lstStyle/>
+                    <a:p>
+                      <a:pPr algn="l" fontAlgn="ctr"/>
+                      <a:r>
+                        <a:rPr lang="en-US" sz="800" u="none" strike="noStrike">
+                          <a:effectLst/>
+                        </a:rPr>
+                        <a:t>Tue 2/18/14</a:t>
+                      </a:r>
+                      <a:endParaRPr lang="en-US" sz="800" b="1" i="0" u="none" strike="noStrike">
+                        <a:solidFill>
+                          <a:srgbClr val="000000"/>
+                        </a:solidFill>
+                        <a:effectLst/>
+                        <a:latin typeface="Calibri"/>
+                      </a:endParaRPr>
+                    </a:p>
+                  </a:txBody>
+                  <a:tcPr marL="5556" marR="5556" marT="5556" marB="0" anchor="ctr"/>
+                </a:tc>
+                <a:tc>
+                  <a:txBody>
+                    <a:bodyPr/>
+                    <a:lstStyle/>
+                    <a:p>
+                      <a:pPr algn="l" fontAlgn="ctr"/>
+                      <a:r>
+                        <a:rPr lang="en-US" sz="800" u="none" strike="noStrike">
+                          <a:effectLst/>
+                        </a:rPr>
+                        <a:t>NA</a:t>
+                      </a:r>
+                      <a:endParaRPr lang="en-US" sz="800" b="1" i="0" u="none" strike="noStrike">
+                        <a:solidFill>
+                          <a:srgbClr val="000000"/>
+                        </a:solidFill>
+                        <a:effectLst/>
+                        <a:latin typeface="Calibri"/>
+                      </a:endParaRPr>
+                    </a:p>
+                  </a:txBody>
+                  <a:tcPr marL="5556" marR="5556" marT="5556" marB="0" anchor="ctr"/>
+                </a:tc>
+                <a:tc>
+                  <a:txBody>
+                    <a:bodyPr/>
+                    <a:lstStyle/>
+                    <a:p>
+                      <a:pPr algn="r" fontAlgn="ctr"/>
+                      <a:r>
+                        <a:rPr lang="en-US" sz="800" u="none" strike="noStrike">
+                          <a:effectLst/>
+                        </a:rPr>
+                        <a:t>35</a:t>
+                      </a:r>
+                      <a:endParaRPr lang="en-US" sz="800" b="1" i="0" u="none" strike="noStrike">
+                        <a:solidFill>
+                          <a:srgbClr val="000000"/>
+                        </a:solidFill>
+                        <a:effectLst/>
+                        <a:latin typeface="Calibri"/>
+                      </a:endParaRPr>
+                    </a:p>
+                  </a:txBody>
+                  <a:tcPr marL="5556" marR="5556" marT="5556" marB="0" anchor="ctr"/>
+                </a:tc>
+                <a:tc>
+                  <a:txBody>
+                    <a:bodyPr/>
+                    <a:lstStyle/>
+                    <a:p>
+                      <a:pPr algn="r" fontAlgn="ctr"/>
+                      <a:r>
+                        <a:rPr lang="en-US" sz="800" u="none" strike="noStrike">
+                          <a:effectLst/>
+                        </a:rPr>
+                        <a:t>0</a:t>
+                      </a:r>
+                      <a:endParaRPr lang="en-US" sz="800" b="1" i="0" u="none" strike="noStrike">
+                        <a:solidFill>
+                          <a:srgbClr val="000000"/>
+                        </a:solidFill>
+                        <a:effectLst/>
+                        <a:latin typeface="Calibri"/>
+                      </a:endParaRPr>
+                    </a:p>
+                  </a:txBody>
+                  <a:tcPr marL="5556" marR="5556" marT="5556" marB="0" anchor="ctr"/>
+                </a:tc>
+              </a:tr>
+              <a:tr h="133350">
+                <a:tc>
+                  <a:txBody>
+                    <a:bodyPr/>
+                    <a:lstStyle/>
+                    <a:p>
+                      <a:pPr algn="l" fontAlgn="ctr"/>
+                      <a:r>
+                        <a:rPr lang="en-US" sz="800" u="none" strike="noStrike">
+                          <a:effectLst/>
+                        </a:rPr>
+                        <a:t>2.1.2</a:t>
+                      </a:r>
+                      <a:endParaRPr lang="en-US" sz="800" b="0" i="0" u="none" strike="noStrike">
+                        <a:solidFill>
+                          <a:srgbClr val="000000"/>
+                        </a:solidFill>
+                        <a:effectLst/>
+                        <a:latin typeface="Calibri"/>
+                      </a:endParaRPr>
+                    </a:p>
+                  </a:txBody>
+                  <a:tcPr marL="5556" marR="5556" marT="5556" marB="0" anchor="ctr"/>
+                </a:tc>
+                <a:tc>
+                  <a:txBody>
+                    <a:bodyPr/>
+                    <a:lstStyle/>
+                    <a:p>
+                      <a:pPr algn="l" fontAlgn="ctr"/>
+                      <a:r>
+                        <a:rPr lang="en-US" sz="800" u="none" strike="noStrike">
+                          <a:effectLst/>
+                        </a:rPr>
+                        <a:t>      Test Plan</a:t>
+                      </a:r>
+                      <a:endParaRPr lang="en-US" sz="800" b="0" i="0" u="none" strike="noStrike">
+                        <a:solidFill>
+                          <a:srgbClr val="000000"/>
+                        </a:solidFill>
+                        <a:effectLst/>
+                        <a:latin typeface="Calibri"/>
+                      </a:endParaRPr>
+                    </a:p>
+                  </a:txBody>
+                  <a:tcPr marL="5556" marR="5556" marT="5556" marB="0" anchor="ctr"/>
+                </a:tc>
+                <a:tc>
+                  <a:txBody>
+                    <a:bodyPr/>
+                    <a:lstStyle/>
+                    <a:p>
+                      <a:pPr algn="l" fontAlgn="ctr"/>
+                      <a:r>
+                        <a:rPr lang="en-US" sz="800" u="none" strike="noStrike">
+                          <a:effectLst/>
+                        </a:rPr>
+                        <a:t> </a:t>
+                      </a:r>
+                      <a:endParaRPr lang="en-US" sz="800" b="0" i="0" u="none" strike="noStrike">
+                        <a:solidFill>
+                          <a:srgbClr val="000000"/>
+                        </a:solidFill>
+                        <a:effectLst/>
+                        <a:latin typeface="Calibri"/>
+                      </a:endParaRPr>
+                    </a:p>
+                  </a:txBody>
+                  <a:tcPr marL="5556" marR="5556" marT="5556" marB="0" anchor="ctr"/>
+                </a:tc>
+                <a:tc>
+                  <a:txBody>
+                    <a:bodyPr/>
+                    <a:lstStyle/>
+                    <a:p>
+                      <a:pPr algn="l" fontAlgn="ctr"/>
+                      <a:r>
+                        <a:rPr lang="en-US" sz="800" u="none" strike="noStrike">
+                          <a:effectLst/>
+                        </a:rPr>
+                        <a:t>NA</a:t>
+                      </a:r>
+                      <a:endParaRPr lang="en-US" sz="800" b="0" i="0" u="none" strike="noStrike">
+                        <a:solidFill>
+                          <a:srgbClr val="000000"/>
+                        </a:solidFill>
+                        <a:effectLst/>
+                        <a:latin typeface="Calibri"/>
+                      </a:endParaRPr>
+                    </a:p>
+                  </a:txBody>
+                  <a:tcPr marL="5556" marR="5556" marT="5556" marB="0" anchor="ctr"/>
+                </a:tc>
+                <a:tc>
+                  <a:txBody>
+                    <a:bodyPr/>
+                    <a:lstStyle/>
+                    <a:p>
+                      <a:pPr algn="l" fontAlgn="ctr"/>
+                      <a:r>
+                        <a:rPr lang="en-US" sz="800" u="none" strike="noStrike">
+                          <a:effectLst/>
+                        </a:rPr>
+                        <a:t> </a:t>
+                      </a:r>
+                      <a:endParaRPr lang="en-US" sz="800" b="0" i="0" u="none" strike="noStrike">
+                        <a:solidFill>
+                          <a:srgbClr val="000000"/>
+                        </a:solidFill>
+                        <a:effectLst/>
+                        <a:latin typeface="Calibri"/>
+                      </a:endParaRPr>
+                    </a:p>
+                  </a:txBody>
+                  <a:tcPr marL="5556" marR="5556" marT="5556" marB="0" anchor="ctr"/>
+                </a:tc>
+                <a:tc>
+                  <a:txBody>
+                    <a:bodyPr/>
+                    <a:lstStyle/>
+                    <a:p>
+                      <a:pPr algn="l" fontAlgn="ctr"/>
+                      <a:r>
+                        <a:rPr lang="en-US" sz="800" u="none" strike="noStrike">
+                          <a:effectLst/>
+                        </a:rPr>
+                        <a:t>NA</a:t>
+                      </a:r>
+                      <a:endParaRPr lang="en-US" sz="800" b="0" i="0" u="none" strike="noStrike">
+                        <a:solidFill>
+                          <a:srgbClr val="000000"/>
+                        </a:solidFill>
+                        <a:effectLst/>
+                        <a:latin typeface="Calibri"/>
+                      </a:endParaRPr>
+                    </a:p>
+                  </a:txBody>
+                  <a:tcPr marL="5556" marR="5556" marT="5556" marB="0" anchor="ctr"/>
+                </a:tc>
+                <a:tc>
+                  <a:txBody>
+                    <a:bodyPr/>
+                    <a:lstStyle/>
+                    <a:p>
+                      <a:pPr algn="r" fontAlgn="ctr"/>
+                      <a:r>
+                        <a:rPr lang="en-US" sz="800" u="none" strike="noStrike">
+                          <a:effectLst/>
+                        </a:rPr>
+                        <a:t>40</a:t>
+                      </a:r>
+                      <a:endParaRPr lang="en-US" sz="800" b="0" i="0" u="none" strike="noStrike">
+                        <a:solidFill>
+                          <a:srgbClr val="000000"/>
+                        </a:solidFill>
+                        <a:effectLst/>
+                        <a:latin typeface="Calibri"/>
+                      </a:endParaRPr>
+                    </a:p>
+                  </a:txBody>
+                  <a:tcPr marL="5556" marR="5556" marT="5556" marB="0" anchor="ctr"/>
+                </a:tc>
+                <a:tc>
+                  <a:txBody>
+                    <a:bodyPr/>
+                    <a:lstStyle/>
+                    <a:p>
+                      <a:pPr algn="r" fontAlgn="ctr"/>
+                      <a:r>
+                        <a:rPr lang="en-US" sz="800" u="none" strike="noStrike">
+                          <a:effectLst/>
+                        </a:rPr>
+                        <a:t>0</a:t>
+                      </a:r>
+                      <a:endParaRPr lang="en-US" sz="800" b="0" i="0" u="none" strike="noStrike">
+                        <a:solidFill>
+                          <a:srgbClr val="000000"/>
+                        </a:solidFill>
+                        <a:effectLst/>
+                        <a:latin typeface="Calibri"/>
+                      </a:endParaRPr>
+                    </a:p>
+                  </a:txBody>
+                  <a:tcPr marL="5556" marR="5556" marT="5556" marB="0" anchor="ctr"/>
+                </a:tc>
+              </a:tr>
+              <a:tr h="133350">
+                <a:tc>
+                  <a:txBody>
+                    <a:bodyPr/>
+                    <a:lstStyle/>
+                    <a:p>
+                      <a:pPr algn="l" fontAlgn="ctr"/>
+                      <a:r>
+                        <a:rPr lang="en-US" sz="800" u="none" strike="noStrike">
+                          <a:effectLst/>
+                        </a:rPr>
+                        <a:t>2.2</a:t>
+                      </a:r>
+                      <a:endParaRPr lang="en-US" sz="800" b="1" i="0" u="none" strike="noStrike">
+                        <a:solidFill>
+                          <a:srgbClr val="000000"/>
+                        </a:solidFill>
+                        <a:effectLst/>
+                        <a:latin typeface="Calibri"/>
+                      </a:endParaRPr>
+                    </a:p>
+                  </a:txBody>
+                  <a:tcPr marL="5556" marR="5556" marT="5556" marB="0" anchor="ctr"/>
+                </a:tc>
+                <a:tc>
+                  <a:txBody>
+                    <a:bodyPr/>
+                    <a:lstStyle/>
+                    <a:p>
+                      <a:pPr algn="l" fontAlgn="ctr"/>
+                      <a:r>
+                        <a:rPr lang="en-US" sz="800" u="none" strike="noStrike">
+                          <a:effectLst/>
+                        </a:rPr>
+                        <a:t>   Prototype Implementation</a:t>
+                      </a:r>
+                      <a:endParaRPr lang="en-US" sz="800" b="1" i="0" u="none" strike="noStrike">
+                        <a:solidFill>
+                          <a:srgbClr val="000000"/>
+                        </a:solidFill>
+                        <a:effectLst/>
+                        <a:latin typeface="Calibri"/>
+                      </a:endParaRPr>
+                    </a:p>
+                  </a:txBody>
+                  <a:tcPr marL="5556" marR="5556" marT="5556" marB="0" anchor="ctr"/>
+                </a:tc>
+                <a:tc>
+                  <a:txBody>
+                    <a:bodyPr/>
+                    <a:lstStyle/>
+                    <a:p>
+                      <a:pPr algn="l" fontAlgn="ctr"/>
+                      <a:r>
+                        <a:rPr lang="en-US" sz="800" u="none" strike="noStrike">
+                          <a:effectLst/>
+                        </a:rPr>
+                        <a:t>Tue 2/18/14</a:t>
+                      </a:r>
+                      <a:endParaRPr lang="en-US" sz="800" b="1" i="0" u="none" strike="noStrike">
+                        <a:solidFill>
+                          <a:srgbClr val="000000"/>
+                        </a:solidFill>
+                        <a:effectLst/>
+                        <a:latin typeface="Calibri"/>
+                      </a:endParaRPr>
+                    </a:p>
+                  </a:txBody>
+                  <a:tcPr marL="5556" marR="5556" marT="5556" marB="0" anchor="ctr"/>
+                </a:tc>
+                <a:tc>
+                  <a:txBody>
+                    <a:bodyPr/>
+                    <a:lstStyle/>
+                    <a:p>
+                      <a:pPr algn="l" fontAlgn="ctr"/>
+                      <a:r>
+                        <a:rPr lang="en-US" sz="800" u="none" strike="noStrike">
+                          <a:effectLst/>
+                        </a:rPr>
+                        <a:t>NA</a:t>
+                      </a:r>
+                      <a:endParaRPr lang="en-US" sz="800" b="1" i="0" u="none" strike="noStrike">
+                        <a:solidFill>
+                          <a:srgbClr val="000000"/>
+                        </a:solidFill>
+                        <a:effectLst/>
+                        <a:latin typeface="Calibri"/>
+                      </a:endParaRPr>
+                    </a:p>
+                  </a:txBody>
+                  <a:tcPr marL="5556" marR="5556" marT="5556" marB="0" anchor="ctr"/>
+                </a:tc>
+                <a:tc>
+                  <a:txBody>
+                    <a:bodyPr/>
+                    <a:lstStyle/>
+                    <a:p>
+                      <a:pPr algn="l" fontAlgn="ctr"/>
+                      <a:r>
+                        <a:rPr lang="en-US" sz="800" u="none" strike="noStrike">
+                          <a:effectLst/>
+                        </a:rPr>
+                        <a:t>Thu 5/15/14</a:t>
+                      </a:r>
+                      <a:endParaRPr lang="en-US" sz="800" b="1" i="0" u="none" strike="noStrike">
+                        <a:solidFill>
+                          <a:srgbClr val="000000"/>
+                        </a:solidFill>
+                        <a:effectLst/>
+                        <a:latin typeface="Calibri"/>
+                      </a:endParaRPr>
+                    </a:p>
+                  </a:txBody>
+                  <a:tcPr marL="5556" marR="5556" marT="5556" marB="0" anchor="ctr"/>
+                </a:tc>
+                <a:tc>
+                  <a:txBody>
+                    <a:bodyPr/>
+                    <a:lstStyle/>
+                    <a:p>
+                      <a:pPr algn="l" fontAlgn="ctr"/>
+                      <a:r>
+                        <a:rPr lang="en-US" sz="800" u="none" strike="noStrike">
+                          <a:effectLst/>
+                        </a:rPr>
+                        <a:t>NA</a:t>
+                      </a:r>
+                      <a:endParaRPr lang="en-US" sz="800" b="1" i="0" u="none" strike="noStrike">
+                        <a:solidFill>
+                          <a:srgbClr val="000000"/>
+                        </a:solidFill>
+                        <a:effectLst/>
+                        <a:latin typeface="Calibri"/>
+                      </a:endParaRPr>
+                    </a:p>
+                  </a:txBody>
+                  <a:tcPr marL="5556" marR="5556" marT="5556" marB="0" anchor="ctr"/>
+                </a:tc>
+                <a:tc>
+                  <a:txBody>
+                    <a:bodyPr/>
+                    <a:lstStyle/>
+                    <a:p>
+                      <a:pPr algn="r" fontAlgn="ctr"/>
+                      <a:r>
+                        <a:rPr lang="en-US" sz="800" u="none" strike="noStrike">
+                          <a:effectLst/>
+                        </a:rPr>
+                        <a:t>150</a:t>
+                      </a:r>
+                      <a:endParaRPr lang="en-US" sz="800" b="1" i="0" u="none" strike="noStrike">
+                        <a:solidFill>
+                          <a:srgbClr val="000000"/>
+                        </a:solidFill>
+                        <a:effectLst/>
+                        <a:latin typeface="Calibri"/>
+                      </a:endParaRPr>
+                    </a:p>
+                  </a:txBody>
+                  <a:tcPr marL="5556" marR="5556" marT="5556" marB="0" anchor="ctr"/>
+                </a:tc>
+                <a:tc>
+                  <a:txBody>
+                    <a:bodyPr/>
+                    <a:lstStyle/>
+                    <a:p>
+                      <a:pPr algn="r" fontAlgn="ctr"/>
+                      <a:r>
+                        <a:rPr lang="en-US" sz="800" u="none" strike="noStrike">
+                          <a:effectLst/>
+                        </a:rPr>
+                        <a:t>0</a:t>
+                      </a:r>
+                      <a:endParaRPr lang="en-US" sz="800" b="1" i="0" u="none" strike="noStrike">
+                        <a:solidFill>
+                          <a:srgbClr val="000000"/>
+                        </a:solidFill>
+                        <a:effectLst/>
+                        <a:latin typeface="Calibri"/>
+                      </a:endParaRPr>
+                    </a:p>
+                  </a:txBody>
+                  <a:tcPr marL="5556" marR="5556" marT="5556" marB="0" anchor="ctr"/>
+                </a:tc>
+              </a:tr>
+              <a:tr h="133350">
+                <a:tc>
+                  <a:txBody>
+                    <a:bodyPr/>
+                    <a:lstStyle/>
+                    <a:p>
+                      <a:pPr algn="l" fontAlgn="ctr"/>
+                      <a:r>
+                        <a:rPr lang="en-US" sz="800" u="none" strike="noStrike">
+                          <a:effectLst/>
+                        </a:rPr>
+                        <a:t>2.2.1</a:t>
+                      </a:r>
+                      <a:endParaRPr lang="en-US" sz="800" b="0" i="0" u="none" strike="noStrike">
+                        <a:solidFill>
+                          <a:srgbClr val="000000"/>
+                        </a:solidFill>
+                        <a:effectLst/>
+                        <a:latin typeface="Calibri"/>
+                      </a:endParaRPr>
+                    </a:p>
+                  </a:txBody>
+                  <a:tcPr marL="5556" marR="5556" marT="5556" marB="0" anchor="ctr"/>
+                </a:tc>
+                <a:tc>
+                  <a:txBody>
+                    <a:bodyPr/>
+                    <a:lstStyle/>
+                    <a:p>
+                      <a:pPr algn="l" fontAlgn="ctr"/>
+                      <a:r>
+                        <a:rPr lang="en-US" sz="800" u="none" strike="noStrike">
+                          <a:effectLst/>
+                        </a:rPr>
+                        <a:t>      Version 1.0</a:t>
+                      </a:r>
+                      <a:endParaRPr lang="en-US" sz="800" b="0" i="0" u="none" strike="noStrike">
+                        <a:solidFill>
+                          <a:srgbClr val="000000"/>
+                        </a:solidFill>
+                        <a:effectLst/>
+                        <a:latin typeface="Calibri"/>
+                      </a:endParaRPr>
+                    </a:p>
+                  </a:txBody>
+                  <a:tcPr marL="5556" marR="5556" marT="5556" marB="0" anchor="ctr"/>
+                </a:tc>
+                <a:tc>
+                  <a:txBody>
+                    <a:bodyPr/>
+                    <a:lstStyle/>
+                    <a:p>
+                      <a:pPr algn="l" fontAlgn="ctr"/>
+                      <a:r>
+                        <a:rPr lang="en-US" sz="800" u="none" strike="noStrike">
+                          <a:effectLst/>
+                        </a:rPr>
+                        <a:t>Tue 2/18/14</a:t>
+                      </a:r>
+                      <a:endParaRPr lang="en-US" sz="800" b="0" i="0" u="none" strike="noStrike">
+                        <a:solidFill>
+                          <a:srgbClr val="000000"/>
+                        </a:solidFill>
+                        <a:effectLst/>
+                        <a:latin typeface="Calibri"/>
+                      </a:endParaRPr>
+                    </a:p>
+                  </a:txBody>
+                  <a:tcPr marL="5556" marR="5556" marT="5556" marB="0" anchor="ctr"/>
+                </a:tc>
+                <a:tc>
+                  <a:txBody>
+                    <a:bodyPr/>
+                    <a:lstStyle/>
+                    <a:p>
+                      <a:pPr algn="l" fontAlgn="ctr"/>
+                      <a:r>
+                        <a:rPr lang="en-US" sz="800" u="none" strike="noStrike">
+                          <a:effectLst/>
+                        </a:rPr>
+                        <a:t>NA</a:t>
+                      </a:r>
+                      <a:endParaRPr lang="en-US" sz="800" b="0" i="0" u="none" strike="noStrike">
+                        <a:solidFill>
+                          <a:srgbClr val="000000"/>
+                        </a:solidFill>
+                        <a:effectLst/>
+                        <a:latin typeface="Calibri"/>
+                      </a:endParaRPr>
+                    </a:p>
+                  </a:txBody>
+                  <a:tcPr marL="5556" marR="5556" marT="5556" marB="0" anchor="ctr"/>
+                </a:tc>
+                <a:tc>
+                  <a:txBody>
+                    <a:bodyPr/>
+                    <a:lstStyle/>
+                    <a:p>
+                      <a:pPr algn="l" fontAlgn="ctr"/>
+                      <a:r>
+                        <a:rPr lang="en-US" sz="800" u="none" strike="noStrike">
+                          <a:effectLst/>
+                        </a:rPr>
+                        <a:t>Tue 3/18/14</a:t>
+                      </a:r>
+                      <a:endParaRPr lang="en-US" sz="800" b="0" i="0" u="none" strike="noStrike">
+                        <a:solidFill>
+                          <a:srgbClr val="000000"/>
+                        </a:solidFill>
+                        <a:effectLst/>
+                        <a:latin typeface="Calibri"/>
+                      </a:endParaRPr>
+                    </a:p>
+                  </a:txBody>
+                  <a:tcPr marL="5556" marR="5556" marT="5556" marB="0" anchor="ctr"/>
+                </a:tc>
+                <a:tc>
+                  <a:txBody>
+                    <a:bodyPr/>
+                    <a:lstStyle/>
+                    <a:p>
+                      <a:pPr algn="l" fontAlgn="ctr"/>
+                      <a:r>
+                        <a:rPr lang="en-US" sz="800" u="none" strike="noStrike">
+                          <a:effectLst/>
+                        </a:rPr>
+                        <a:t>NA</a:t>
+                      </a:r>
+                      <a:endParaRPr lang="en-US" sz="800" b="0" i="0" u="none" strike="noStrike">
+                        <a:solidFill>
+                          <a:srgbClr val="000000"/>
+                        </a:solidFill>
+                        <a:effectLst/>
+                        <a:latin typeface="Calibri"/>
+                      </a:endParaRPr>
+                    </a:p>
+                  </a:txBody>
+                  <a:tcPr marL="5556" marR="5556" marT="5556" marB="0" anchor="ctr"/>
+                </a:tc>
+                <a:tc>
+                  <a:txBody>
+                    <a:bodyPr/>
+                    <a:lstStyle/>
+                    <a:p>
+                      <a:pPr algn="r" fontAlgn="ctr"/>
+                      <a:r>
+                        <a:rPr lang="en-US" sz="800" u="none" strike="noStrike">
+                          <a:effectLst/>
+                        </a:rPr>
+                        <a:t>50</a:t>
+                      </a:r>
+                      <a:endParaRPr lang="en-US" sz="800" b="0" i="0" u="none" strike="noStrike">
+                        <a:solidFill>
+                          <a:srgbClr val="000000"/>
+                        </a:solidFill>
+                        <a:effectLst/>
+                        <a:latin typeface="Calibri"/>
+                      </a:endParaRPr>
+                    </a:p>
+                  </a:txBody>
+                  <a:tcPr marL="5556" marR="5556" marT="5556" marB="0" anchor="ctr"/>
+                </a:tc>
+                <a:tc>
+                  <a:txBody>
+                    <a:bodyPr/>
+                    <a:lstStyle/>
+                    <a:p>
+                      <a:pPr algn="r" fontAlgn="ctr"/>
+                      <a:r>
+                        <a:rPr lang="en-US" sz="800" u="none" strike="noStrike">
+                          <a:effectLst/>
+                        </a:rPr>
+                        <a:t>0</a:t>
+                      </a:r>
+                      <a:endParaRPr lang="en-US" sz="800" b="0" i="0" u="none" strike="noStrike">
+                        <a:solidFill>
+                          <a:srgbClr val="000000"/>
+                        </a:solidFill>
+                        <a:effectLst/>
+                        <a:latin typeface="Calibri"/>
+                      </a:endParaRPr>
+                    </a:p>
+                  </a:txBody>
+                  <a:tcPr marL="5556" marR="5556" marT="5556" marB="0" anchor="ctr"/>
+                </a:tc>
+              </a:tr>
+              <a:tr h="133350">
+                <a:tc>
+                  <a:txBody>
+                    <a:bodyPr/>
+                    <a:lstStyle/>
+                    <a:p>
+                      <a:pPr algn="l" fontAlgn="ctr"/>
+                      <a:r>
+                        <a:rPr lang="en-US" sz="800" u="none" strike="noStrike">
+                          <a:effectLst/>
+                        </a:rPr>
+                        <a:t>2.2.2</a:t>
+                      </a:r>
+                      <a:endParaRPr lang="en-US" sz="800" b="0" i="0" u="none" strike="noStrike">
+                        <a:solidFill>
+                          <a:srgbClr val="000000"/>
+                        </a:solidFill>
+                        <a:effectLst/>
+                        <a:latin typeface="Calibri"/>
+                      </a:endParaRPr>
+                    </a:p>
+                  </a:txBody>
+                  <a:tcPr marL="5556" marR="5556" marT="5556" marB="0" anchor="ctr"/>
+                </a:tc>
+                <a:tc>
+                  <a:txBody>
+                    <a:bodyPr/>
+                    <a:lstStyle/>
+                    <a:p>
+                      <a:pPr algn="l" fontAlgn="ctr"/>
+                      <a:r>
+                        <a:rPr lang="en-US" sz="800" u="none" strike="noStrike">
+                          <a:effectLst/>
+                        </a:rPr>
+                        <a:t>      Version 2.0</a:t>
+                      </a:r>
+                      <a:endParaRPr lang="en-US" sz="800" b="0" i="0" u="none" strike="noStrike">
+                        <a:solidFill>
+                          <a:srgbClr val="000000"/>
+                        </a:solidFill>
+                        <a:effectLst/>
+                        <a:latin typeface="Calibri"/>
+                      </a:endParaRPr>
+                    </a:p>
+                  </a:txBody>
+                  <a:tcPr marL="5556" marR="5556" marT="5556" marB="0" anchor="ctr"/>
+                </a:tc>
+                <a:tc>
+                  <a:txBody>
+                    <a:bodyPr/>
+                    <a:lstStyle/>
+                    <a:p>
+                      <a:pPr algn="l" fontAlgn="ctr"/>
+                      <a:r>
+                        <a:rPr lang="en-US" sz="800" u="none" strike="noStrike">
+                          <a:effectLst/>
+                        </a:rPr>
+                        <a:t>Tue 3/18/14</a:t>
+                      </a:r>
+                      <a:endParaRPr lang="en-US" sz="800" b="0" i="0" u="none" strike="noStrike">
+                        <a:solidFill>
+                          <a:srgbClr val="000000"/>
+                        </a:solidFill>
+                        <a:effectLst/>
+                        <a:latin typeface="Calibri"/>
+                      </a:endParaRPr>
+                    </a:p>
+                  </a:txBody>
+                  <a:tcPr marL="5556" marR="5556" marT="5556" marB="0" anchor="ctr"/>
+                </a:tc>
+                <a:tc>
+                  <a:txBody>
+                    <a:bodyPr/>
+                    <a:lstStyle/>
+                    <a:p>
+                      <a:pPr algn="l" fontAlgn="ctr"/>
+                      <a:r>
+                        <a:rPr lang="en-US" sz="800" u="none" strike="noStrike">
+                          <a:effectLst/>
+                        </a:rPr>
+                        <a:t>NA</a:t>
+                      </a:r>
+                      <a:endParaRPr lang="en-US" sz="800" b="0" i="0" u="none" strike="noStrike">
+                        <a:solidFill>
+                          <a:srgbClr val="000000"/>
+                        </a:solidFill>
+                        <a:effectLst/>
+                        <a:latin typeface="Calibri"/>
+                      </a:endParaRPr>
+                    </a:p>
+                  </a:txBody>
+                  <a:tcPr marL="5556" marR="5556" marT="5556" marB="0" anchor="ctr"/>
+                </a:tc>
+                <a:tc>
+                  <a:txBody>
+                    <a:bodyPr/>
+                    <a:lstStyle/>
+                    <a:p>
+                      <a:pPr algn="l" fontAlgn="ctr"/>
+                      <a:r>
+                        <a:rPr lang="en-US" sz="800" u="none" strike="noStrike">
+                          <a:effectLst/>
+                        </a:rPr>
+                        <a:t>Fri 4/18/14</a:t>
+                      </a:r>
+                      <a:endParaRPr lang="en-US" sz="800" b="0" i="0" u="none" strike="noStrike">
+                        <a:solidFill>
+                          <a:srgbClr val="000000"/>
+                        </a:solidFill>
+                        <a:effectLst/>
+                        <a:latin typeface="Calibri"/>
+                      </a:endParaRPr>
+                    </a:p>
+                  </a:txBody>
+                  <a:tcPr marL="5556" marR="5556" marT="5556" marB="0" anchor="ctr"/>
+                </a:tc>
+                <a:tc>
+                  <a:txBody>
+                    <a:bodyPr/>
+                    <a:lstStyle/>
+                    <a:p>
+                      <a:pPr algn="l" fontAlgn="ctr"/>
+                      <a:r>
+                        <a:rPr lang="en-US" sz="800" u="none" strike="noStrike">
+                          <a:effectLst/>
+                        </a:rPr>
+                        <a:t>NA</a:t>
+                      </a:r>
+                      <a:endParaRPr lang="en-US" sz="800" b="0" i="0" u="none" strike="noStrike">
+                        <a:solidFill>
+                          <a:srgbClr val="000000"/>
+                        </a:solidFill>
+                        <a:effectLst/>
+                        <a:latin typeface="Calibri"/>
+                      </a:endParaRPr>
+                    </a:p>
+                  </a:txBody>
+                  <a:tcPr marL="5556" marR="5556" marT="5556" marB="0" anchor="ctr"/>
+                </a:tc>
+                <a:tc>
+                  <a:txBody>
+                    <a:bodyPr/>
+                    <a:lstStyle/>
+                    <a:p>
+                      <a:pPr algn="r" fontAlgn="ctr"/>
+                      <a:r>
+                        <a:rPr lang="en-US" sz="800" u="none" strike="noStrike">
+                          <a:effectLst/>
+                        </a:rPr>
+                        <a:t>50</a:t>
+                      </a:r>
+                      <a:endParaRPr lang="en-US" sz="800" b="0" i="0" u="none" strike="noStrike">
+                        <a:solidFill>
+                          <a:srgbClr val="000000"/>
+                        </a:solidFill>
+                        <a:effectLst/>
+                        <a:latin typeface="Calibri"/>
+                      </a:endParaRPr>
+                    </a:p>
+                  </a:txBody>
+                  <a:tcPr marL="5556" marR="5556" marT="5556" marB="0" anchor="ctr"/>
+                </a:tc>
+                <a:tc>
+                  <a:txBody>
+                    <a:bodyPr/>
+                    <a:lstStyle/>
+                    <a:p>
+                      <a:pPr algn="r" fontAlgn="ctr"/>
+                      <a:r>
+                        <a:rPr lang="en-US" sz="800" u="none" strike="noStrike">
+                          <a:effectLst/>
+                        </a:rPr>
+                        <a:t>0</a:t>
+                      </a:r>
+                      <a:endParaRPr lang="en-US" sz="800" b="0" i="0" u="none" strike="noStrike">
+                        <a:solidFill>
+                          <a:srgbClr val="000000"/>
+                        </a:solidFill>
+                        <a:effectLst/>
+                        <a:latin typeface="Calibri"/>
+                      </a:endParaRPr>
+                    </a:p>
+                  </a:txBody>
+                  <a:tcPr marL="5556" marR="5556" marT="5556" marB="0" anchor="ctr"/>
+                </a:tc>
+              </a:tr>
+              <a:tr h="133350">
+                <a:tc>
+                  <a:txBody>
+                    <a:bodyPr/>
+                    <a:lstStyle/>
+                    <a:p>
+                      <a:pPr algn="l" fontAlgn="ctr"/>
+                      <a:r>
+                        <a:rPr lang="en-US" sz="800" u="none" strike="noStrike">
+                          <a:effectLst/>
+                        </a:rPr>
+                        <a:t>2.2.3</a:t>
+                      </a:r>
+                      <a:endParaRPr lang="en-US" sz="800" b="0" i="0" u="none" strike="noStrike">
+                        <a:solidFill>
+                          <a:srgbClr val="000000"/>
+                        </a:solidFill>
+                        <a:effectLst/>
+                        <a:latin typeface="Calibri"/>
+                      </a:endParaRPr>
+                    </a:p>
+                  </a:txBody>
+                  <a:tcPr marL="5556" marR="5556" marT="5556" marB="0" anchor="ctr"/>
+                </a:tc>
+                <a:tc>
+                  <a:txBody>
+                    <a:bodyPr/>
+                    <a:lstStyle/>
+                    <a:p>
+                      <a:pPr algn="l" fontAlgn="ctr"/>
+                      <a:r>
+                        <a:rPr lang="en-US" sz="800" u="none" strike="noStrike">
+                          <a:effectLst/>
+                        </a:rPr>
+                        <a:t>      Final Product</a:t>
+                      </a:r>
+                      <a:endParaRPr lang="en-US" sz="800" b="0" i="0" u="none" strike="noStrike">
+                        <a:solidFill>
+                          <a:srgbClr val="000000"/>
+                        </a:solidFill>
+                        <a:effectLst/>
+                        <a:latin typeface="Calibri"/>
+                      </a:endParaRPr>
+                    </a:p>
+                  </a:txBody>
+                  <a:tcPr marL="5556" marR="5556" marT="5556" marB="0" anchor="ctr"/>
+                </a:tc>
+                <a:tc>
+                  <a:txBody>
+                    <a:bodyPr/>
+                    <a:lstStyle/>
+                    <a:p>
+                      <a:pPr algn="l" fontAlgn="ctr"/>
+                      <a:r>
+                        <a:rPr lang="en-US" sz="800" u="none" strike="noStrike">
+                          <a:effectLst/>
+                        </a:rPr>
+                        <a:t>Fri 4/18/14</a:t>
+                      </a:r>
+                      <a:endParaRPr lang="en-US" sz="800" b="0" i="0" u="none" strike="noStrike">
+                        <a:solidFill>
+                          <a:srgbClr val="000000"/>
+                        </a:solidFill>
+                        <a:effectLst/>
+                        <a:latin typeface="Calibri"/>
+                      </a:endParaRPr>
+                    </a:p>
+                  </a:txBody>
+                  <a:tcPr marL="5556" marR="5556" marT="5556" marB="0" anchor="ctr"/>
+                </a:tc>
+                <a:tc>
+                  <a:txBody>
+                    <a:bodyPr/>
+                    <a:lstStyle/>
+                    <a:p>
+                      <a:pPr algn="l" fontAlgn="ctr"/>
+                      <a:r>
+                        <a:rPr lang="en-US" sz="800" u="none" strike="noStrike">
+                          <a:effectLst/>
+                        </a:rPr>
+                        <a:t>NA</a:t>
+                      </a:r>
+                      <a:endParaRPr lang="en-US" sz="800" b="0" i="0" u="none" strike="noStrike">
+                        <a:solidFill>
+                          <a:srgbClr val="000000"/>
+                        </a:solidFill>
+                        <a:effectLst/>
+                        <a:latin typeface="Calibri"/>
+                      </a:endParaRPr>
+                    </a:p>
+                  </a:txBody>
+                  <a:tcPr marL="5556" marR="5556" marT="5556" marB="0" anchor="ctr"/>
+                </a:tc>
+                <a:tc>
+                  <a:txBody>
+                    <a:bodyPr/>
+                    <a:lstStyle/>
+                    <a:p>
+                      <a:pPr algn="l" fontAlgn="ctr"/>
+                      <a:r>
+                        <a:rPr lang="en-US" sz="800" u="none" strike="noStrike">
+                          <a:effectLst/>
+                        </a:rPr>
+                        <a:t>Thu 5/15/14</a:t>
+                      </a:r>
+                      <a:endParaRPr lang="en-US" sz="800" b="0" i="0" u="none" strike="noStrike">
+                        <a:solidFill>
+                          <a:srgbClr val="000000"/>
+                        </a:solidFill>
+                        <a:effectLst/>
+                        <a:latin typeface="Calibri"/>
+                      </a:endParaRPr>
+                    </a:p>
+                  </a:txBody>
+                  <a:tcPr marL="5556" marR="5556" marT="5556" marB="0" anchor="ctr"/>
+                </a:tc>
+                <a:tc>
+                  <a:txBody>
+                    <a:bodyPr/>
+                    <a:lstStyle/>
+                    <a:p>
+                      <a:pPr algn="l" fontAlgn="ctr"/>
+                      <a:r>
+                        <a:rPr lang="en-US" sz="800" u="none" strike="noStrike">
+                          <a:effectLst/>
+                        </a:rPr>
+                        <a:t>NA</a:t>
+                      </a:r>
+                      <a:endParaRPr lang="en-US" sz="800" b="0" i="0" u="none" strike="noStrike">
+                        <a:solidFill>
+                          <a:srgbClr val="000000"/>
+                        </a:solidFill>
+                        <a:effectLst/>
+                        <a:latin typeface="Calibri"/>
+                      </a:endParaRPr>
+                    </a:p>
+                  </a:txBody>
+                  <a:tcPr marL="5556" marR="5556" marT="5556" marB="0" anchor="ctr"/>
+                </a:tc>
+                <a:tc>
+                  <a:txBody>
+                    <a:bodyPr/>
+                    <a:lstStyle/>
+                    <a:p>
+                      <a:pPr algn="r" fontAlgn="ctr"/>
+                      <a:r>
+                        <a:rPr lang="en-US" sz="800" u="none" strike="noStrike">
+                          <a:effectLst/>
+                        </a:rPr>
+                        <a:t>50</a:t>
+                      </a:r>
+                      <a:endParaRPr lang="en-US" sz="800" b="0" i="0" u="none" strike="noStrike">
+                        <a:solidFill>
+                          <a:srgbClr val="000000"/>
+                        </a:solidFill>
+                        <a:effectLst/>
+                        <a:latin typeface="Calibri"/>
+                      </a:endParaRPr>
+                    </a:p>
+                  </a:txBody>
+                  <a:tcPr marL="5556" marR="5556" marT="5556" marB="0" anchor="ctr"/>
+                </a:tc>
+                <a:tc>
+                  <a:txBody>
+                    <a:bodyPr/>
+                    <a:lstStyle/>
+                    <a:p>
+                      <a:pPr algn="r" fontAlgn="ctr"/>
+                      <a:r>
+                        <a:rPr lang="en-US" sz="800" u="none" strike="noStrike">
+                          <a:effectLst/>
+                        </a:rPr>
+                        <a:t>0</a:t>
+                      </a:r>
+                      <a:endParaRPr lang="en-US" sz="800" b="0" i="0" u="none" strike="noStrike">
+                        <a:solidFill>
+                          <a:srgbClr val="000000"/>
+                        </a:solidFill>
+                        <a:effectLst/>
+                        <a:latin typeface="Calibri"/>
+                      </a:endParaRPr>
+                    </a:p>
+                  </a:txBody>
+                  <a:tcPr marL="5556" marR="5556" marT="5556" marB="0" anchor="ctr"/>
+                </a:tc>
+              </a:tr>
+              <a:tr h="133350">
+                <a:tc>
+                  <a:txBody>
+                    <a:bodyPr/>
+                    <a:lstStyle/>
+                    <a:p>
+                      <a:pPr algn="l" fontAlgn="ctr"/>
+                      <a:r>
+                        <a:rPr lang="en-US" sz="800" u="none" strike="noStrike">
+                          <a:effectLst/>
+                        </a:rPr>
+                        <a:t> </a:t>
+                      </a:r>
+                      <a:endParaRPr lang="en-US" sz="800" b="0" i="0" u="none" strike="noStrike">
+                        <a:solidFill>
+                          <a:srgbClr val="000000"/>
+                        </a:solidFill>
+                        <a:effectLst/>
+                        <a:latin typeface="Calibri"/>
+                      </a:endParaRPr>
+                    </a:p>
+                  </a:txBody>
+                  <a:tcPr marL="5556" marR="5556" marT="5556" marB="0" anchor="ctr"/>
+                </a:tc>
+                <a:tc>
+                  <a:txBody>
+                    <a:bodyPr/>
+                    <a:lstStyle/>
+                    <a:p>
+                      <a:pPr algn="l" fontAlgn="ctr"/>
+                      <a:r>
+                        <a:rPr lang="en-US" sz="800" u="none" strike="noStrike">
+                          <a:effectLst/>
+                        </a:rPr>
+                        <a:t> </a:t>
+                      </a:r>
+                      <a:endParaRPr lang="en-US" sz="800" b="0" i="0" u="none" strike="noStrike">
+                        <a:solidFill>
+                          <a:srgbClr val="000000"/>
+                        </a:solidFill>
+                        <a:effectLst/>
+                        <a:latin typeface="Calibri"/>
+                      </a:endParaRPr>
+                    </a:p>
+                  </a:txBody>
+                  <a:tcPr marL="5556" marR="5556" marT="5556" marB="0" anchor="ctr"/>
+                </a:tc>
+                <a:tc>
+                  <a:txBody>
+                    <a:bodyPr/>
+                    <a:lstStyle/>
+                    <a:p>
+                      <a:pPr algn="l" fontAlgn="ctr"/>
+                      <a:r>
+                        <a:rPr lang="en-US" sz="800" u="none" strike="noStrike">
+                          <a:effectLst/>
+                        </a:rPr>
+                        <a:t> </a:t>
+                      </a:r>
+                      <a:endParaRPr lang="en-US" sz="800" b="0" i="0" u="none" strike="noStrike">
+                        <a:solidFill>
+                          <a:srgbClr val="000000"/>
+                        </a:solidFill>
+                        <a:effectLst/>
+                        <a:latin typeface="Calibri"/>
+                      </a:endParaRPr>
+                    </a:p>
+                  </a:txBody>
+                  <a:tcPr marL="5556" marR="5556" marT="5556" marB="0" anchor="ctr"/>
+                </a:tc>
+                <a:tc>
+                  <a:txBody>
+                    <a:bodyPr/>
+                    <a:lstStyle/>
+                    <a:p>
+                      <a:pPr algn="l" fontAlgn="ctr"/>
+                      <a:r>
+                        <a:rPr lang="en-US" sz="800" u="none" strike="noStrike">
+                          <a:effectLst/>
+                        </a:rPr>
+                        <a:t> </a:t>
+                      </a:r>
+                      <a:endParaRPr lang="en-US" sz="800" b="0" i="0" u="none" strike="noStrike">
+                        <a:solidFill>
+                          <a:srgbClr val="000000"/>
+                        </a:solidFill>
+                        <a:effectLst/>
+                        <a:latin typeface="Calibri"/>
+                      </a:endParaRPr>
+                    </a:p>
+                  </a:txBody>
+                  <a:tcPr marL="5556" marR="5556" marT="5556" marB="0" anchor="ctr"/>
+                </a:tc>
+                <a:tc>
+                  <a:txBody>
+                    <a:bodyPr/>
+                    <a:lstStyle/>
+                    <a:p>
+                      <a:pPr algn="l" fontAlgn="ctr"/>
+                      <a:r>
+                        <a:rPr lang="en-US" sz="800" u="none" strike="noStrike">
+                          <a:effectLst/>
+                        </a:rPr>
+                        <a:t> </a:t>
+                      </a:r>
+                      <a:endParaRPr lang="en-US" sz="800" b="0" i="0" u="none" strike="noStrike">
+                        <a:solidFill>
+                          <a:srgbClr val="000000"/>
+                        </a:solidFill>
+                        <a:effectLst/>
+                        <a:latin typeface="Calibri"/>
+                      </a:endParaRPr>
+                    </a:p>
+                  </a:txBody>
+                  <a:tcPr marL="5556" marR="5556" marT="5556" marB="0" anchor="ctr"/>
+                </a:tc>
+                <a:tc>
+                  <a:txBody>
+                    <a:bodyPr/>
+                    <a:lstStyle/>
+                    <a:p>
+                      <a:pPr algn="l" fontAlgn="ctr"/>
+                      <a:r>
+                        <a:rPr lang="en-US" sz="800" u="none" strike="noStrike">
+                          <a:effectLst/>
+                        </a:rPr>
+                        <a:t> </a:t>
+                      </a:r>
+                      <a:endParaRPr lang="en-US" sz="800" b="0" i="0" u="none" strike="noStrike">
+                        <a:solidFill>
+                          <a:srgbClr val="000000"/>
+                        </a:solidFill>
+                        <a:effectLst/>
+                        <a:latin typeface="Calibri"/>
+                      </a:endParaRPr>
+                    </a:p>
+                  </a:txBody>
+                  <a:tcPr marL="5556" marR="5556" marT="5556" marB="0" anchor="ctr"/>
+                </a:tc>
+                <a:tc>
+                  <a:txBody>
+                    <a:bodyPr/>
+                    <a:lstStyle/>
+                    <a:p>
+                      <a:pPr algn="l" fontAlgn="ctr"/>
+                      <a:r>
+                        <a:rPr lang="en-US" sz="800" u="none" strike="noStrike">
+                          <a:effectLst/>
+                        </a:rPr>
+                        <a:t> </a:t>
+                      </a:r>
+                      <a:endParaRPr lang="en-US" sz="800" b="0" i="0" u="none" strike="noStrike">
+                        <a:solidFill>
+                          <a:srgbClr val="000000"/>
+                        </a:solidFill>
+                        <a:effectLst/>
+                        <a:latin typeface="Calibri"/>
+                      </a:endParaRPr>
+                    </a:p>
+                  </a:txBody>
+                  <a:tcPr marL="5556" marR="5556" marT="5556" marB="0" anchor="ctr"/>
+                </a:tc>
+                <a:tc>
+                  <a:txBody>
+                    <a:bodyPr/>
+                    <a:lstStyle/>
+                    <a:p>
+                      <a:pPr algn="r" fontAlgn="ctr"/>
+                      <a:r>
+                        <a:rPr lang="en-US" sz="800" u="none" strike="noStrike">
+                          <a:effectLst/>
+                        </a:rPr>
+                        <a:t> </a:t>
+                      </a:r>
+                      <a:endParaRPr lang="en-US" sz="800" b="0" i="0" u="none" strike="noStrike">
+                        <a:solidFill>
+                          <a:srgbClr val="000000"/>
+                        </a:solidFill>
+                        <a:effectLst/>
+                        <a:latin typeface="Calibri"/>
+                      </a:endParaRPr>
+                    </a:p>
+                  </a:txBody>
+                  <a:tcPr marL="5556" marR="5556" marT="5556" marB="0" anchor="ctr"/>
+                </a:tc>
+              </a:tr>
+              <a:tr h="133350">
+                <a:tc>
+                  <a:txBody>
+                    <a:bodyPr/>
+                    <a:lstStyle/>
+                    <a:p>
+                      <a:pPr algn="l" fontAlgn="ctr"/>
+                      <a:r>
+                        <a:rPr lang="en-US" sz="800" u="none" strike="noStrike">
+                          <a:effectLst/>
+                        </a:rPr>
+                        <a:t>3</a:t>
+                      </a:r>
+                      <a:endParaRPr lang="en-US" sz="800" b="1" i="0" u="none" strike="noStrike">
+                        <a:solidFill>
+                          <a:srgbClr val="000000"/>
+                        </a:solidFill>
+                        <a:effectLst/>
+                        <a:latin typeface="Calibri"/>
+                      </a:endParaRPr>
+                    </a:p>
+                  </a:txBody>
+                  <a:tcPr marL="5556" marR="5556" marT="5556" marB="0" anchor="ctr"/>
+                </a:tc>
+                <a:tc>
+                  <a:txBody>
+                    <a:bodyPr/>
+                    <a:lstStyle/>
+                    <a:p>
+                      <a:pPr algn="l" fontAlgn="ctr"/>
+                      <a:r>
+                        <a:rPr lang="en-US" sz="800" u="none" strike="noStrike">
+                          <a:effectLst/>
+                        </a:rPr>
+                        <a:t>Presentations</a:t>
+                      </a:r>
+                      <a:endParaRPr lang="en-US" sz="800" b="1" i="0" u="none" strike="noStrike">
+                        <a:solidFill>
+                          <a:srgbClr val="000000"/>
+                        </a:solidFill>
+                        <a:effectLst/>
+                        <a:latin typeface="Calibri"/>
+                      </a:endParaRPr>
+                    </a:p>
+                  </a:txBody>
+                  <a:tcPr marL="5556" marR="5556" marT="5556" marB="0" anchor="ctr"/>
+                </a:tc>
+                <a:tc>
+                  <a:txBody>
+                    <a:bodyPr/>
+                    <a:lstStyle/>
+                    <a:p>
+                      <a:pPr algn="l" fontAlgn="ctr"/>
+                      <a:r>
+                        <a:rPr lang="en-US" sz="800" u="none" strike="noStrike">
+                          <a:effectLst/>
+                        </a:rPr>
+                        <a:t>Fri 9/13/13</a:t>
+                      </a:r>
+                      <a:endParaRPr lang="en-US" sz="800" b="1" i="0" u="none" strike="noStrike">
+                        <a:solidFill>
+                          <a:srgbClr val="000000"/>
+                        </a:solidFill>
+                        <a:effectLst/>
+                        <a:latin typeface="Calibri"/>
+                      </a:endParaRPr>
+                    </a:p>
+                  </a:txBody>
+                  <a:tcPr marL="5556" marR="5556" marT="5556" marB="0" anchor="ctr"/>
+                </a:tc>
+                <a:tc>
+                  <a:txBody>
+                    <a:bodyPr/>
+                    <a:lstStyle/>
+                    <a:p>
+                      <a:pPr algn="l" fontAlgn="ctr"/>
+                      <a:r>
+                        <a:rPr lang="en-US" sz="800" u="none" strike="noStrike">
+                          <a:effectLst/>
+                        </a:rPr>
+                        <a:t>NA</a:t>
+                      </a:r>
+                      <a:endParaRPr lang="en-US" sz="800" b="1" i="0" u="none" strike="noStrike">
+                        <a:solidFill>
+                          <a:srgbClr val="000000"/>
+                        </a:solidFill>
+                        <a:effectLst/>
+                        <a:latin typeface="Calibri"/>
+                      </a:endParaRPr>
+                    </a:p>
+                  </a:txBody>
+                  <a:tcPr marL="5556" marR="5556" marT="5556" marB="0" anchor="ctr"/>
+                </a:tc>
+                <a:tc>
+                  <a:txBody>
+                    <a:bodyPr/>
+                    <a:lstStyle/>
+                    <a:p>
+                      <a:pPr algn="l" fontAlgn="ctr"/>
+                      <a:r>
+                        <a:rPr lang="en-US" sz="800" u="none" strike="noStrike">
+                          <a:effectLst/>
+                        </a:rPr>
+                        <a:t>Wed 12/11/13</a:t>
+                      </a:r>
+                      <a:endParaRPr lang="en-US" sz="800" b="1" i="0" u="none" strike="noStrike">
+                        <a:solidFill>
+                          <a:srgbClr val="000000"/>
+                        </a:solidFill>
+                        <a:effectLst/>
+                        <a:latin typeface="Calibri"/>
+                      </a:endParaRPr>
+                    </a:p>
+                  </a:txBody>
+                  <a:tcPr marL="5556" marR="5556" marT="5556" marB="0" anchor="ctr"/>
+                </a:tc>
+                <a:tc>
+                  <a:txBody>
+                    <a:bodyPr/>
+                    <a:lstStyle/>
+                    <a:p>
+                      <a:pPr algn="l" fontAlgn="ctr"/>
+                      <a:r>
+                        <a:rPr lang="en-US" sz="800" u="none" strike="noStrike">
+                          <a:effectLst/>
+                        </a:rPr>
+                        <a:t>NA</a:t>
+                      </a:r>
+                      <a:endParaRPr lang="en-US" sz="800" b="1" i="0" u="none" strike="noStrike">
+                        <a:solidFill>
+                          <a:srgbClr val="000000"/>
+                        </a:solidFill>
+                        <a:effectLst/>
+                        <a:latin typeface="Calibri"/>
+                      </a:endParaRPr>
+                    </a:p>
+                  </a:txBody>
+                  <a:tcPr marL="5556" marR="5556" marT="5556" marB="0" anchor="ctr"/>
+                </a:tc>
+                <a:tc>
+                  <a:txBody>
+                    <a:bodyPr/>
+                    <a:lstStyle/>
+                    <a:p>
+                      <a:pPr algn="r" fontAlgn="ctr"/>
+                      <a:r>
+                        <a:rPr lang="en-US" sz="800" u="none" strike="noStrike">
+                          <a:effectLst/>
+                        </a:rPr>
+                        <a:t>28</a:t>
+                      </a:r>
+                      <a:endParaRPr lang="en-US" sz="800" b="1" i="0" u="none" strike="noStrike">
+                        <a:solidFill>
+                          <a:srgbClr val="000000"/>
+                        </a:solidFill>
+                        <a:effectLst/>
+                        <a:latin typeface="Calibri"/>
+                      </a:endParaRPr>
+                    </a:p>
+                  </a:txBody>
+                  <a:tcPr marL="5556" marR="5556" marT="5556" marB="0" anchor="ctr"/>
+                </a:tc>
+                <a:tc>
+                  <a:txBody>
+                    <a:bodyPr/>
+                    <a:lstStyle/>
+                    <a:p>
+                      <a:pPr algn="r" fontAlgn="ctr"/>
+                      <a:r>
+                        <a:rPr lang="en-US" sz="800" u="none" strike="noStrike">
+                          <a:effectLst/>
+                        </a:rPr>
+                        <a:t>2</a:t>
+                      </a:r>
+                      <a:endParaRPr lang="en-US" sz="800" b="1" i="0" u="none" strike="noStrike">
+                        <a:solidFill>
+                          <a:srgbClr val="000000"/>
+                        </a:solidFill>
+                        <a:effectLst/>
+                        <a:latin typeface="Calibri"/>
+                      </a:endParaRPr>
+                    </a:p>
+                  </a:txBody>
+                  <a:tcPr marL="5556" marR="5556" marT="5556" marB="0" anchor="ctr"/>
+                </a:tc>
+              </a:tr>
+              <a:tr h="133350">
+                <a:tc>
+                  <a:txBody>
+                    <a:bodyPr/>
+                    <a:lstStyle/>
+                    <a:p>
+                      <a:pPr algn="l" fontAlgn="ctr"/>
+                      <a:r>
+                        <a:rPr lang="en-US" sz="800" u="none" strike="noStrike">
+                          <a:effectLst/>
+                        </a:rPr>
+                        <a:t>3.1</a:t>
+                      </a:r>
+                      <a:endParaRPr lang="en-US" sz="800" b="1" i="0" u="none" strike="noStrike">
+                        <a:solidFill>
+                          <a:srgbClr val="000000"/>
+                        </a:solidFill>
+                        <a:effectLst/>
+                        <a:latin typeface="Calibri"/>
+                      </a:endParaRPr>
+                    </a:p>
+                  </a:txBody>
+                  <a:tcPr marL="5556" marR="5556" marT="5556" marB="0" anchor="ctr"/>
+                </a:tc>
+                <a:tc>
+                  <a:txBody>
+                    <a:bodyPr/>
+                    <a:lstStyle/>
+                    <a:p>
+                      <a:pPr algn="l" fontAlgn="ctr"/>
+                      <a:r>
+                        <a:rPr lang="en-US" sz="800" u="none" strike="noStrike">
+                          <a:effectLst/>
+                        </a:rPr>
+                        <a:t>   SRS Gate Review</a:t>
+                      </a:r>
+                      <a:endParaRPr lang="en-US" sz="800" b="1" i="0" u="none" strike="noStrike">
+                        <a:solidFill>
+                          <a:srgbClr val="000000"/>
+                        </a:solidFill>
+                        <a:effectLst/>
+                        <a:latin typeface="Calibri"/>
+                      </a:endParaRPr>
+                    </a:p>
+                  </a:txBody>
+                  <a:tcPr marL="5556" marR="5556" marT="5556" marB="0" anchor="ctr"/>
+                </a:tc>
+                <a:tc>
+                  <a:txBody>
+                    <a:bodyPr/>
+                    <a:lstStyle/>
+                    <a:p>
+                      <a:pPr algn="l" fontAlgn="ctr"/>
+                      <a:r>
+                        <a:rPr lang="en-US" sz="800" u="none" strike="noStrike">
+                          <a:effectLst/>
+                        </a:rPr>
+                        <a:t>Wed 10/9/13</a:t>
+                      </a:r>
+                      <a:endParaRPr lang="en-US" sz="800" b="1" i="0" u="none" strike="noStrike">
+                        <a:solidFill>
+                          <a:srgbClr val="000000"/>
+                        </a:solidFill>
+                        <a:effectLst/>
+                        <a:latin typeface="Calibri"/>
+                      </a:endParaRPr>
+                    </a:p>
+                  </a:txBody>
+                  <a:tcPr marL="5556" marR="5556" marT="5556" marB="0" anchor="ctr"/>
+                </a:tc>
+                <a:tc>
+                  <a:txBody>
+                    <a:bodyPr/>
+                    <a:lstStyle/>
+                    <a:p>
+                      <a:pPr algn="l" fontAlgn="ctr"/>
+                      <a:r>
+                        <a:rPr lang="en-US" sz="800" u="none" strike="noStrike">
+                          <a:effectLst/>
+                        </a:rPr>
+                        <a:t>NA</a:t>
+                      </a:r>
+                      <a:endParaRPr lang="en-US" sz="800" b="1" i="0" u="none" strike="noStrike">
+                        <a:solidFill>
+                          <a:srgbClr val="000000"/>
+                        </a:solidFill>
+                        <a:effectLst/>
+                        <a:latin typeface="Calibri"/>
+                      </a:endParaRPr>
+                    </a:p>
+                  </a:txBody>
+                  <a:tcPr marL="5556" marR="5556" marT="5556" marB="0" anchor="ctr"/>
+                </a:tc>
+                <a:tc>
+                  <a:txBody>
+                    <a:bodyPr/>
+                    <a:lstStyle/>
+                    <a:p>
+                      <a:pPr algn="l" fontAlgn="ctr"/>
+                      <a:r>
+                        <a:rPr lang="en-US" sz="800" u="none" strike="noStrike">
+                          <a:effectLst/>
+                        </a:rPr>
+                        <a:t>Fri 11/8/13</a:t>
+                      </a:r>
+                      <a:endParaRPr lang="en-US" sz="800" b="1" i="0" u="none" strike="noStrike">
+                        <a:solidFill>
+                          <a:srgbClr val="000000"/>
+                        </a:solidFill>
+                        <a:effectLst/>
+                        <a:latin typeface="Calibri"/>
+                      </a:endParaRPr>
+                    </a:p>
+                  </a:txBody>
+                  <a:tcPr marL="5556" marR="5556" marT="5556" marB="0" anchor="ctr"/>
+                </a:tc>
+                <a:tc>
+                  <a:txBody>
+                    <a:bodyPr/>
+                    <a:lstStyle/>
+                    <a:p>
+                      <a:pPr algn="l" fontAlgn="ctr"/>
+                      <a:r>
+                        <a:rPr lang="en-US" sz="800" u="none" strike="noStrike">
+                          <a:effectLst/>
+                        </a:rPr>
+                        <a:t>NA</a:t>
+                      </a:r>
+                      <a:endParaRPr lang="en-US" sz="800" b="1" i="0" u="none" strike="noStrike">
+                        <a:solidFill>
+                          <a:srgbClr val="000000"/>
+                        </a:solidFill>
+                        <a:effectLst/>
+                        <a:latin typeface="Calibri"/>
+                      </a:endParaRPr>
+                    </a:p>
+                  </a:txBody>
+                  <a:tcPr marL="5556" marR="5556" marT="5556" marB="0" anchor="ctr"/>
+                </a:tc>
+                <a:tc>
+                  <a:txBody>
+                    <a:bodyPr/>
+                    <a:lstStyle/>
+                    <a:p>
+                      <a:pPr algn="r" fontAlgn="ctr"/>
+                      <a:r>
+                        <a:rPr lang="en-US" sz="800" u="none" strike="noStrike">
+                          <a:effectLst/>
+                        </a:rPr>
+                        <a:t>7</a:t>
+                      </a:r>
+                      <a:endParaRPr lang="en-US" sz="800" b="1" i="0" u="none" strike="noStrike">
+                        <a:solidFill>
+                          <a:srgbClr val="000000"/>
+                        </a:solidFill>
+                        <a:effectLst/>
+                        <a:latin typeface="Calibri"/>
+                      </a:endParaRPr>
+                    </a:p>
+                  </a:txBody>
+                  <a:tcPr marL="5556" marR="5556" marT="5556" marB="0" anchor="ctr"/>
+                </a:tc>
+                <a:tc>
+                  <a:txBody>
+                    <a:bodyPr/>
+                    <a:lstStyle/>
+                    <a:p>
+                      <a:pPr algn="r" fontAlgn="ctr"/>
+                      <a:r>
+                        <a:rPr lang="en-US" sz="800" u="none" strike="noStrike">
+                          <a:effectLst/>
+                        </a:rPr>
+                        <a:t>0</a:t>
+                      </a:r>
+                      <a:endParaRPr lang="en-US" sz="800" b="1" i="0" u="none" strike="noStrike">
+                        <a:solidFill>
+                          <a:srgbClr val="000000"/>
+                        </a:solidFill>
+                        <a:effectLst/>
+                        <a:latin typeface="Calibri"/>
+                      </a:endParaRPr>
+                    </a:p>
+                  </a:txBody>
+                  <a:tcPr marL="5556" marR="5556" marT="5556" marB="0" anchor="ctr"/>
+                </a:tc>
+              </a:tr>
+              <a:tr h="133350">
+                <a:tc>
+                  <a:txBody>
+                    <a:bodyPr/>
+                    <a:lstStyle/>
+                    <a:p>
+                      <a:pPr algn="l" fontAlgn="ctr"/>
+                      <a:r>
+                        <a:rPr lang="en-US" sz="800" u="none" strike="noStrike">
+                          <a:effectLst/>
+                        </a:rPr>
+                        <a:t>3.2</a:t>
+                      </a:r>
+                      <a:endParaRPr lang="en-US" sz="800" b="1" i="0" u="none" strike="noStrike">
+                        <a:solidFill>
+                          <a:srgbClr val="000000"/>
+                        </a:solidFill>
+                        <a:effectLst/>
+                        <a:latin typeface="Calibri"/>
+                      </a:endParaRPr>
+                    </a:p>
+                  </a:txBody>
+                  <a:tcPr marL="5556" marR="5556" marT="5556" marB="0" anchor="ctr"/>
+                </a:tc>
+                <a:tc>
+                  <a:txBody>
+                    <a:bodyPr/>
+                    <a:lstStyle/>
+                    <a:p>
+                      <a:pPr algn="l" fontAlgn="ctr"/>
+                      <a:r>
+                        <a:rPr lang="en-US" sz="800" u="none" strike="noStrike">
+                          <a:effectLst/>
+                        </a:rPr>
+                        <a:t>   Charter and Plan Review</a:t>
+                      </a:r>
+                      <a:endParaRPr lang="en-US" sz="800" b="1" i="0" u="none" strike="noStrike">
+                        <a:solidFill>
+                          <a:srgbClr val="000000"/>
+                        </a:solidFill>
+                        <a:effectLst/>
+                        <a:latin typeface="Calibri"/>
+                      </a:endParaRPr>
+                    </a:p>
+                  </a:txBody>
+                  <a:tcPr marL="5556" marR="5556" marT="5556" marB="0" anchor="ctr"/>
+                </a:tc>
+                <a:tc>
+                  <a:txBody>
+                    <a:bodyPr/>
+                    <a:lstStyle/>
+                    <a:p>
+                      <a:pPr algn="l" fontAlgn="ctr"/>
+                      <a:r>
+                        <a:rPr lang="en-US" sz="800" u="none" strike="noStrike">
+                          <a:effectLst/>
+                        </a:rPr>
+                        <a:t>Wed 10/16/13</a:t>
+                      </a:r>
+                      <a:endParaRPr lang="en-US" sz="800" b="1" i="0" u="none" strike="noStrike">
+                        <a:solidFill>
+                          <a:srgbClr val="000000"/>
+                        </a:solidFill>
+                        <a:effectLst/>
+                        <a:latin typeface="Calibri"/>
+                      </a:endParaRPr>
+                    </a:p>
+                  </a:txBody>
+                  <a:tcPr marL="5556" marR="5556" marT="5556" marB="0" anchor="ctr"/>
+                </a:tc>
+                <a:tc>
+                  <a:txBody>
+                    <a:bodyPr/>
+                    <a:lstStyle/>
+                    <a:p>
+                      <a:pPr algn="l" fontAlgn="ctr"/>
+                      <a:r>
+                        <a:rPr lang="en-US" sz="800" u="none" strike="noStrike">
+                          <a:effectLst/>
+                        </a:rPr>
+                        <a:t>NA</a:t>
+                      </a:r>
+                      <a:endParaRPr lang="en-US" sz="800" b="1" i="0" u="none" strike="noStrike">
+                        <a:solidFill>
+                          <a:srgbClr val="000000"/>
+                        </a:solidFill>
+                        <a:effectLst/>
+                        <a:latin typeface="Calibri"/>
+                      </a:endParaRPr>
+                    </a:p>
+                  </a:txBody>
+                  <a:tcPr marL="5556" marR="5556" marT="5556" marB="0" anchor="ctr"/>
+                </a:tc>
+                <a:tc>
+                  <a:txBody>
+                    <a:bodyPr/>
+                    <a:lstStyle/>
+                    <a:p>
+                      <a:pPr algn="l" fontAlgn="ctr"/>
+                      <a:r>
+                        <a:rPr lang="en-US" sz="800" u="none" strike="noStrike">
+                          <a:effectLst/>
+                        </a:rPr>
+                        <a:t>Wed 12/4/13</a:t>
+                      </a:r>
+                      <a:endParaRPr lang="en-US" sz="800" b="1" i="0" u="none" strike="noStrike">
+                        <a:solidFill>
+                          <a:srgbClr val="000000"/>
+                        </a:solidFill>
+                        <a:effectLst/>
+                        <a:latin typeface="Calibri"/>
+                      </a:endParaRPr>
+                    </a:p>
+                  </a:txBody>
+                  <a:tcPr marL="5556" marR="5556" marT="5556" marB="0" anchor="ctr"/>
+                </a:tc>
+                <a:tc>
+                  <a:txBody>
+                    <a:bodyPr/>
+                    <a:lstStyle/>
+                    <a:p>
+                      <a:pPr algn="l" fontAlgn="ctr"/>
+                      <a:r>
+                        <a:rPr lang="en-US" sz="800" u="none" strike="noStrike">
+                          <a:effectLst/>
+                        </a:rPr>
+                        <a:t>NA</a:t>
+                      </a:r>
+                      <a:endParaRPr lang="en-US" sz="800" b="1" i="0" u="none" strike="noStrike">
+                        <a:solidFill>
+                          <a:srgbClr val="000000"/>
+                        </a:solidFill>
+                        <a:effectLst/>
+                        <a:latin typeface="Calibri"/>
+                      </a:endParaRPr>
+                    </a:p>
+                  </a:txBody>
+                  <a:tcPr marL="5556" marR="5556" marT="5556" marB="0" anchor="ctr"/>
+                </a:tc>
+                <a:tc>
+                  <a:txBody>
+                    <a:bodyPr/>
+                    <a:lstStyle/>
+                    <a:p>
+                      <a:pPr algn="r" fontAlgn="ctr"/>
+                      <a:r>
+                        <a:rPr lang="en-US" sz="800" u="none" strike="noStrike">
+                          <a:effectLst/>
+                        </a:rPr>
+                        <a:t>7</a:t>
+                      </a:r>
+                      <a:endParaRPr lang="en-US" sz="800" b="1" i="0" u="none" strike="noStrike">
+                        <a:solidFill>
+                          <a:srgbClr val="000000"/>
+                        </a:solidFill>
+                        <a:effectLst/>
+                        <a:latin typeface="Calibri"/>
+                      </a:endParaRPr>
+                    </a:p>
+                  </a:txBody>
+                  <a:tcPr marL="5556" marR="5556" marT="5556" marB="0" anchor="ctr"/>
+                </a:tc>
+                <a:tc>
+                  <a:txBody>
+                    <a:bodyPr/>
+                    <a:lstStyle/>
+                    <a:p>
+                      <a:pPr algn="r" fontAlgn="ctr"/>
+                      <a:r>
+                        <a:rPr lang="en-US" sz="800" u="none" strike="noStrike">
+                          <a:effectLst/>
+                        </a:rPr>
+                        <a:t>0</a:t>
+                      </a:r>
+                      <a:endParaRPr lang="en-US" sz="800" b="1" i="0" u="none" strike="noStrike">
+                        <a:solidFill>
+                          <a:srgbClr val="000000"/>
+                        </a:solidFill>
+                        <a:effectLst/>
+                        <a:latin typeface="Calibri"/>
+                      </a:endParaRPr>
+                    </a:p>
+                  </a:txBody>
+                  <a:tcPr marL="5556" marR="5556" marT="5556" marB="0" anchor="ctr"/>
+                </a:tc>
+              </a:tr>
+              <a:tr h="133350">
+                <a:tc>
+                  <a:txBody>
+                    <a:bodyPr/>
+                    <a:lstStyle/>
+                    <a:p>
+                      <a:pPr algn="l" fontAlgn="ctr"/>
+                      <a:r>
+                        <a:rPr lang="en-US" sz="800" u="none" strike="noStrike">
+                          <a:effectLst/>
+                        </a:rPr>
+                        <a:t>3.3</a:t>
+                      </a:r>
+                      <a:endParaRPr lang="en-US" sz="800" b="1" i="0" u="none" strike="noStrike">
+                        <a:solidFill>
+                          <a:srgbClr val="000000"/>
+                        </a:solidFill>
+                        <a:effectLst/>
+                        <a:latin typeface="Calibri"/>
+                      </a:endParaRPr>
+                    </a:p>
+                  </a:txBody>
+                  <a:tcPr marL="5556" marR="5556" marT="5556" marB="0" anchor="ctr"/>
+                </a:tc>
+                <a:tc>
+                  <a:txBody>
+                    <a:bodyPr/>
+                    <a:lstStyle/>
+                    <a:p>
+                      <a:pPr algn="l" fontAlgn="ctr"/>
+                      <a:r>
+                        <a:rPr lang="en-US" sz="800" u="none" strike="noStrike">
+                          <a:effectLst/>
+                        </a:rPr>
+                        <a:t>   Architecture Design Review</a:t>
+                      </a:r>
+                      <a:endParaRPr lang="en-US" sz="800" b="1" i="0" u="none" strike="noStrike">
+                        <a:solidFill>
+                          <a:srgbClr val="000000"/>
+                        </a:solidFill>
+                        <a:effectLst/>
+                        <a:latin typeface="Calibri"/>
+                      </a:endParaRPr>
+                    </a:p>
+                  </a:txBody>
+                  <a:tcPr marL="5556" marR="5556" marT="5556" marB="0" anchor="ctr"/>
+                </a:tc>
+                <a:tc>
+                  <a:txBody>
+                    <a:bodyPr/>
+                    <a:lstStyle/>
+                    <a:p>
+                      <a:pPr algn="l" fontAlgn="ctr"/>
+                      <a:r>
+                        <a:rPr lang="en-US" sz="800" u="none" strike="noStrike">
+                          <a:effectLst/>
+                        </a:rPr>
+                        <a:t>Mon 12/2/13</a:t>
+                      </a:r>
+                      <a:endParaRPr lang="en-US" sz="800" b="1" i="0" u="none" strike="noStrike">
+                        <a:solidFill>
+                          <a:srgbClr val="000000"/>
+                        </a:solidFill>
+                        <a:effectLst/>
+                        <a:latin typeface="Calibri"/>
+                      </a:endParaRPr>
+                    </a:p>
+                  </a:txBody>
+                  <a:tcPr marL="5556" marR="5556" marT="5556" marB="0" anchor="ctr"/>
+                </a:tc>
+                <a:tc>
+                  <a:txBody>
+                    <a:bodyPr/>
+                    <a:lstStyle/>
+                    <a:p>
+                      <a:pPr algn="l" fontAlgn="ctr"/>
+                      <a:r>
+                        <a:rPr lang="en-US" sz="800" u="none" strike="noStrike">
+                          <a:effectLst/>
+                        </a:rPr>
+                        <a:t>NA</a:t>
+                      </a:r>
+                      <a:endParaRPr lang="en-US" sz="800" b="1" i="0" u="none" strike="noStrike">
+                        <a:solidFill>
+                          <a:srgbClr val="000000"/>
+                        </a:solidFill>
+                        <a:effectLst/>
+                        <a:latin typeface="Calibri"/>
+                      </a:endParaRPr>
+                    </a:p>
+                  </a:txBody>
+                  <a:tcPr marL="5556" marR="5556" marT="5556" marB="0" anchor="ctr"/>
+                </a:tc>
+                <a:tc>
+                  <a:txBody>
+                    <a:bodyPr/>
+                    <a:lstStyle/>
+                    <a:p>
+                      <a:pPr algn="l" fontAlgn="ctr"/>
+                      <a:r>
+                        <a:rPr lang="en-US" sz="800" u="none" strike="noStrike">
+                          <a:effectLst/>
+                        </a:rPr>
+                        <a:t>Wed 12/11/13</a:t>
+                      </a:r>
+                      <a:endParaRPr lang="en-US" sz="800" b="1" i="0" u="none" strike="noStrike">
+                        <a:solidFill>
+                          <a:srgbClr val="000000"/>
+                        </a:solidFill>
+                        <a:effectLst/>
+                        <a:latin typeface="Calibri"/>
+                      </a:endParaRPr>
+                    </a:p>
+                  </a:txBody>
+                  <a:tcPr marL="5556" marR="5556" marT="5556" marB="0" anchor="ctr"/>
+                </a:tc>
+                <a:tc>
+                  <a:txBody>
+                    <a:bodyPr/>
+                    <a:lstStyle/>
+                    <a:p>
+                      <a:pPr algn="l" fontAlgn="ctr"/>
+                      <a:r>
+                        <a:rPr lang="en-US" sz="800" u="none" strike="noStrike">
+                          <a:effectLst/>
+                        </a:rPr>
+                        <a:t>NA</a:t>
+                      </a:r>
+                      <a:endParaRPr lang="en-US" sz="800" b="1" i="0" u="none" strike="noStrike">
+                        <a:solidFill>
+                          <a:srgbClr val="000000"/>
+                        </a:solidFill>
+                        <a:effectLst/>
+                        <a:latin typeface="Calibri"/>
+                      </a:endParaRPr>
+                    </a:p>
+                  </a:txBody>
+                  <a:tcPr marL="5556" marR="5556" marT="5556" marB="0" anchor="ctr"/>
+                </a:tc>
+                <a:tc>
+                  <a:txBody>
+                    <a:bodyPr/>
+                    <a:lstStyle/>
+                    <a:p>
+                      <a:pPr algn="r" fontAlgn="ctr"/>
+                      <a:r>
+                        <a:rPr lang="en-US" sz="800" u="none" strike="noStrike">
+                          <a:effectLst/>
+                        </a:rPr>
+                        <a:t>7</a:t>
+                      </a:r>
+                      <a:endParaRPr lang="en-US" sz="800" b="1" i="0" u="none" strike="noStrike">
+                        <a:solidFill>
+                          <a:srgbClr val="000000"/>
+                        </a:solidFill>
+                        <a:effectLst/>
+                        <a:latin typeface="Calibri"/>
+                      </a:endParaRPr>
+                    </a:p>
+                  </a:txBody>
+                  <a:tcPr marL="5556" marR="5556" marT="5556" marB="0" anchor="ctr"/>
+                </a:tc>
+                <a:tc>
+                  <a:txBody>
+                    <a:bodyPr/>
+                    <a:lstStyle/>
+                    <a:p>
+                      <a:pPr algn="r" fontAlgn="ctr"/>
+                      <a:r>
+                        <a:rPr lang="en-US" sz="800" u="none" strike="noStrike">
+                          <a:effectLst/>
+                        </a:rPr>
+                        <a:t>0</a:t>
+                      </a:r>
+                      <a:endParaRPr lang="en-US" sz="800" b="1" i="0" u="none" strike="noStrike">
+                        <a:solidFill>
+                          <a:srgbClr val="000000"/>
+                        </a:solidFill>
+                        <a:effectLst/>
+                        <a:latin typeface="Calibri"/>
+                      </a:endParaRPr>
+                    </a:p>
+                  </a:txBody>
+                  <a:tcPr marL="5556" marR="5556" marT="5556" marB="0" anchor="ctr"/>
+                </a:tc>
+              </a:tr>
+              <a:tr h="133350">
+                <a:tc>
+                  <a:txBody>
+                    <a:bodyPr/>
+                    <a:lstStyle/>
+                    <a:p>
+                      <a:pPr algn="l" fontAlgn="ctr"/>
+                      <a:r>
+                        <a:rPr lang="en-US" sz="800" u="none" strike="noStrike">
+                          <a:effectLst/>
+                        </a:rPr>
+                        <a:t>3.4</a:t>
+                      </a:r>
+                      <a:endParaRPr lang="en-US" sz="800" b="1" i="0" u="none" strike="noStrike">
+                        <a:solidFill>
+                          <a:srgbClr val="000000"/>
+                        </a:solidFill>
+                        <a:effectLst/>
+                        <a:latin typeface="Calibri"/>
+                      </a:endParaRPr>
+                    </a:p>
+                  </a:txBody>
+                  <a:tcPr marL="5556" marR="5556" marT="5556" marB="0" anchor="ctr"/>
+                </a:tc>
+                <a:tc>
+                  <a:txBody>
+                    <a:bodyPr/>
+                    <a:lstStyle/>
+                    <a:p>
+                      <a:pPr algn="l" fontAlgn="ctr"/>
+                      <a:r>
+                        <a:rPr lang="en-US" sz="800" u="none" strike="noStrike">
+                          <a:effectLst/>
+                        </a:rPr>
+                        <a:t>   Team Status Report SD 1</a:t>
+                      </a:r>
+                      <a:endParaRPr lang="en-US" sz="800" b="1" i="0" u="none" strike="noStrike">
+                        <a:solidFill>
+                          <a:srgbClr val="000000"/>
+                        </a:solidFill>
+                        <a:effectLst/>
+                        <a:latin typeface="Calibri"/>
+                      </a:endParaRPr>
+                    </a:p>
+                  </a:txBody>
+                  <a:tcPr marL="5556" marR="5556" marT="5556" marB="0" anchor="ctr"/>
+                </a:tc>
+                <a:tc>
+                  <a:txBody>
+                    <a:bodyPr/>
+                    <a:lstStyle/>
+                    <a:p>
+                      <a:pPr algn="l" fontAlgn="ctr"/>
+                      <a:r>
+                        <a:rPr lang="en-US" sz="800" u="none" strike="noStrike">
+                          <a:effectLst/>
+                        </a:rPr>
+                        <a:t>Fri 9/13/13</a:t>
+                      </a:r>
+                      <a:endParaRPr lang="en-US" sz="800" b="1" i="0" u="none" strike="noStrike">
+                        <a:solidFill>
+                          <a:srgbClr val="000000"/>
+                        </a:solidFill>
+                        <a:effectLst/>
+                        <a:latin typeface="Calibri"/>
+                      </a:endParaRPr>
+                    </a:p>
+                  </a:txBody>
+                  <a:tcPr marL="5556" marR="5556" marT="5556" marB="0" anchor="ctr"/>
+                </a:tc>
+                <a:tc>
+                  <a:txBody>
+                    <a:bodyPr/>
+                    <a:lstStyle/>
+                    <a:p>
+                      <a:pPr algn="l" fontAlgn="ctr"/>
+                      <a:r>
+                        <a:rPr lang="en-US" sz="800" u="none" strike="noStrike">
+                          <a:effectLst/>
+                        </a:rPr>
+                        <a:t>NA</a:t>
+                      </a:r>
+                      <a:endParaRPr lang="en-US" sz="800" b="1" i="0" u="none" strike="noStrike">
+                        <a:solidFill>
+                          <a:srgbClr val="000000"/>
+                        </a:solidFill>
+                        <a:effectLst/>
+                        <a:latin typeface="Calibri"/>
+                      </a:endParaRPr>
+                    </a:p>
+                  </a:txBody>
+                  <a:tcPr marL="5556" marR="5556" marT="5556" marB="0" anchor="ctr"/>
+                </a:tc>
+                <a:tc>
+                  <a:txBody>
+                    <a:bodyPr/>
+                    <a:lstStyle/>
+                    <a:p>
+                      <a:pPr algn="l" fontAlgn="ctr"/>
+                      <a:r>
+                        <a:rPr lang="en-US" sz="800" u="none" strike="noStrike">
+                          <a:effectLst/>
+                        </a:rPr>
+                        <a:t>Fri 12/6/13</a:t>
+                      </a:r>
+                      <a:endParaRPr lang="en-US" sz="800" b="1" i="0" u="none" strike="noStrike">
+                        <a:solidFill>
+                          <a:srgbClr val="000000"/>
+                        </a:solidFill>
+                        <a:effectLst/>
+                        <a:latin typeface="Calibri"/>
+                      </a:endParaRPr>
+                    </a:p>
+                  </a:txBody>
+                  <a:tcPr marL="5556" marR="5556" marT="5556" marB="0" anchor="ctr"/>
+                </a:tc>
+                <a:tc>
+                  <a:txBody>
+                    <a:bodyPr/>
+                    <a:lstStyle/>
+                    <a:p>
+                      <a:pPr algn="l" fontAlgn="ctr"/>
+                      <a:r>
+                        <a:rPr lang="en-US" sz="800" u="none" strike="noStrike">
+                          <a:effectLst/>
+                        </a:rPr>
+                        <a:t>NA</a:t>
+                      </a:r>
+                      <a:endParaRPr lang="en-US" sz="800" b="1" i="0" u="none" strike="noStrike">
+                        <a:solidFill>
+                          <a:srgbClr val="000000"/>
+                        </a:solidFill>
+                        <a:effectLst/>
+                        <a:latin typeface="Calibri"/>
+                      </a:endParaRPr>
+                    </a:p>
+                  </a:txBody>
+                  <a:tcPr marL="5556" marR="5556" marT="5556" marB="0" anchor="ctr"/>
+                </a:tc>
+                <a:tc>
+                  <a:txBody>
+                    <a:bodyPr/>
+                    <a:lstStyle/>
+                    <a:p>
+                      <a:pPr algn="r" fontAlgn="ctr"/>
+                      <a:r>
+                        <a:rPr lang="en-US" sz="800" u="none" strike="noStrike">
+                          <a:effectLst/>
+                        </a:rPr>
+                        <a:t>7</a:t>
+                      </a:r>
+                      <a:endParaRPr lang="en-US" sz="800" b="1" i="0" u="none" strike="noStrike">
+                        <a:solidFill>
+                          <a:srgbClr val="000000"/>
+                        </a:solidFill>
+                        <a:effectLst/>
+                        <a:latin typeface="Calibri"/>
+                      </a:endParaRPr>
+                    </a:p>
+                  </a:txBody>
+                  <a:tcPr marL="5556" marR="5556" marT="5556" marB="0" anchor="ctr"/>
+                </a:tc>
+                <a:tc>
+                  <a:txBody>
+                    <a:bodyPr/>
+                    <a:lstStyle/>
+                    <a:p>
+                      <a:pPr algn="r" fontAlgn="ctr"/>
+                      <a:r>
+                        <a:rPr lang="en-US" sz="800" u="none" strike="noStrike">
+                          <a:effectLst/>
+                        </a:rPr>
+                        <a:t>2</a:t>
+                      </a:r>
+                      <a:endParaRPr lang="en-US" sz="800" b="1" i="0" u="none" strike="noStrike">
+                        <a:solidFill>
+                          <a:srgbClr val="000000"/>
+                        </a:solidFill>
+                        <a:effectLst/>
+                        <a:latin typeface="Calibri"/>
+                      </a:endParaRPr>
+                    </a:p>
+                  </a:txBody>
+                  <a:tcPr marL="5556" marR="5556" marT="5556" marB="0" anchor="ctr"/>
+                </a:tc>
+              </a:tr>
+              <a:tr h="133350">
+                <a:tc>
+                  <a:txBody>
+                    <a:bodyPr/>
+                    <a:lstStyle/>
+                    <a:p>
+                      <a:pPr algn="l" fontAlgn="ctr"/>
+                      <a:r>
+                        <a:rPr lang="en-US" sz="800" u="none" strike="noStrike">
+                          <a:effectLst/>
+                        </a:rPr>
+                        <a:t> </a:t>
+                      </a:r>
+                      <a:endParaRPr lang="en-US" sz="800" b="0" i="0" u="none" strike="noStrike">
+                        <a:solidFill>
+                          <a:srgbClr val="000000"/>
+                        </a:solidFill>
+                        <a:effectLst/>
+                        <a:latin typeface="Calibri"/>
+                      </a:endParaRPr>
+                    </a:p>
+                  </a:txBody>
+                  <a:tcPr marL="5556" marR="5556" marT="5556" marB="0" anchor="ctr"/>
+                </a:tc>
+                <a:tc>
+                  <a:txBody>
+                    <a:bodyPr/>
+                    <a:lstStyle/>
+                    <a:p>
+                      <a:pPr algn="l" fontAlgn="ctr"/>
+                      <a:r>
+                        <a:rPr lang="en-US" sz="800" u="none" strike="noStrike">
+                          <a:effectLst/>
+                        </a:rPr>
+                        <a:t> </a:t>
+                      </a:r>
+                      <a:endParaRPr lang="en-US" sz="800" b="0" i="0" u="none" strike="noStrike">
+                        <a:solidFill>
+                          <a:srgbClr val="000000"/>
+                        </a:solidFill>
+                        <a:effectLst/>
+                        <a:latin typeface="Calibri"/>
+                      </a:endParaRPr>
+                    </a:p>
+                  </a:txBody>
+                  <a:tcPr marL="5556" marR="5556" marT="5556" marB="0" anchor="ctr"/>
+                </a:tc>
+                <a:tc>
+                  <a:txBody>
+                    <a:bodyPr/>
+                    <a:lstStyle/>
+                    <a:p>
+                      <a:pPr algn="l" fontAlgn="ctr"/>
+                      <a:r>
+                        <a:rPr lang="en-US" sz="800" u="none" strike="noStrike">
+                          <a:effectLst/>
+                        </a:rPr>
+                        <a:t> </a:t>
+                      </a:r>
+                      <a:endParaRPr lang="en-US" sz="800" b="0" i="0" u="none" strike="noStrike">
+                        <a:solidFill>
+                          <a:srgbClr val="000000"/>
+                        </a:solidFill>
+                        <a:effectLst/>
+                        <a:latin typeface="Calibri"/>
+                      </a:endParaRPr>
+                    </a:p>
+                  </a:txBody>
+                  <a:tcPr marL="5556" marR="5556" marT="5556" marB="0" anchor="ctr"/>
+                </a:tc>
+                <a:tc>
+                  <a:txBody>
+                    <a:bodyPr/>
+                    <a:lstStyle/>
+                    <a:p>
+                      <a:pPr algn="l" fontAlgn="ctr"/>
+                      <a:r>
+                        <a:rPr lang="en-US" sz="800" u="none" strike="noStrike">
+                          <a:effectLst/>
+                        </a:rPr>
+                        <a:t> </a:t>
+                      </a:r>
+                      <a:endParaRPr lang="en-US" sz="800" b="0" i="0" u="none" strike="noStrike">
+                        <a:solidFill>
+                          <a:srgbClr val="000000"/>
+                        </a:solidFill>
+                        <a:effectLst/>
+                        <a:latin typeface="Calibri"/>
+                      </a:endParaRPr>
+                    </a:p>
+                  </a:txBody>
+                  <a:tcPr marL="5556" marR="5556" marT="5556" marB="0" anchor="ctr"/>
+                </a:tc>
+                <a:tc>
+                  <a:txBody>
+                    <a:bodyPr/>
+                    <a:lstStyle/>
+                    <a:p>
+                      <a:pPr algn="l" fontAlgn="ctr"/>
+                      <a:r>
+                        <a:rPr lang="en-US" sz="800" u="none" strike="noStrike">
+                          <a:effectLst/>
+                        </a:rPr>
+                        <a:t> </a:t>
+                      </a:r>
+                      <a:endParaRPr lang="en-US" sz="800" b="0" i="0" u="none" strike="noStrike">
+                        <a:solidFill>
+                          <a:srgbClr val="000000"/>
+                        </a:solidFill>
+                        <a:effectLst/>
+                        <a:latin typeface="Calibri"/>
+                      </a:endParaRPr>
+                    </a:p>
+                  </a:txBody>
+                  <a:tcPr marL="5556" marR="5556" marT="5556" marB="0" anchor="ctr"/>
+                </a:tc>
+                <a:tc>
+                  <a:txBody>
+                    <a:bodyPr/>
+                    <a:lstStyle/>
+                    <a:p>
+                      <a:pPr algn="l" fontAlgn="ctr"/>
+                      <a:r>
+                        <a:rPr lang="en-US" sz="800" u="none" strike="noStrike">
+                          <a:effectLst/>
+                        </a:rPr>
+                        <a:t> </a:t>
+                      </a:r>
+                      <a:endParaRPr lang="en-US" sz="800" b="0" i="0" u="none" strike="noStrike">
+                        <a:solidFill>
+                          <a:srgbClr val="000000"/>
+                        </a:solidFill>
+                        <a:effectLst/>
+                        <a:latin typeface="Calibri"/>
+                      </a:endParaRPr>
+                    </a:p>
+                  </a:txBody>
+                  <a:tcPr marL="5556" marR="5556" marT="5556" marB="0" anchor="ctr"/>
+                </a:tc>
+                <a:tc>
+                  <a:txBody>
+                    <a:bodyPr/>
+                    <a:lstStyle/>
+                    <a:p>
+                      <a:pPr algn="l" fontAlgn="ctr"/>
+                      <a:r>
+                        <a:rPr lang="en-US" sz="800" u="none" strike="noStrike">
+                          <a:effectLst/>
+                        </a:rPr>
+                        <a:t> </a:t>
+                      </a:r>
+                      <a:endParaRPr lang="en-US" sz="800" b="0" i="0" u="none" strike="noStrike">
+                        <a:solidFill>
+                          <a:srgbClr val="000000"/>
+                        </a:solidFill>
+                        <a:effectLst/>
+                        <a:latin typeface="Calibri"/>
+                      </a:endParaRPr>
+                    </a:p>
+                  </a:txBody>
+                  <a:tcPr marL="5556" marR="5556" marT="5556" marB="0" anchor="ctr"/>
+                </a:tc>
+                <a:tc>
+                  <a:txBody>
+                    <a:bodyPr/>
+                    <a:lstStyle/>
+                    <a:p>
+                      <a:pPr algn="r" fontAlgn="ctr"/>
+                      <a:r>
+                        <a:rPr lang="en-US" sz="800" u="none" strike="noStrike">
+                          <a:effectLst/>
+                        </a:rPr>
+                        <a:t> </a:t>
+                      </a:r>
+                      <a:endParaRPr lang="en-US" sz="800" b="0" i="0" u="none" strike="noStrike">
+                        <a:solidFill>
+                          <a:srgbClr val="000000"/>
+                        </a:solidFill>
+                        <a:effectLst/>
+                        <a:latin typeface="Calibri"/>
+                      </a:endParaRPr>
+                    </a:p>
+                  </a:txBody>
+                  <a:tcPr marL="5556" marR="5556" marT="5556" marB="0" anchor="ctr"/>
+                </a:tc>
+              </a:tr>
+              <a:tr h="133350">
+                <a:tc>
+                  <a:txBody>
+                    <a:bodyPr/>
+                    <a:lstStyle/>
+                    <a:p>
+                      <a:pPr algn="l" fontAlgn="ctr"/>
+                      <a:r>
+                        <a:rPr lang="en-US" sz="800" u="none" strike="noStrike">
+                          <a:effectLst/>
+                        </a:rPr>
+                        <a:t>4</a:t>
+                      </a:r>
+                      <a:endParaRPr lang="en-US" sz="800" b="1" i="0" u="none" strike="noStrike">
+                        <a:solidFill>
+                          <a:srgbClr val="000000"/>
+                        </a:solidFill>
+                        <a:effectLst/>
+                        <a:latin typeface="Calibri"/>
+                      </a:endParaRPr>
+                    </a:p>
+                  </a:txBody>
+                  <a:tcPr marL="5556" marR="5556" marT="5556" marB="0" anchor="ctr"/>
+                </a:tc>
+                <a:tc>
+                  <a:txBody>
+                    <a:bodyPr/>
+                    <a:lstStyle/>
+                    <a:p>
+                      <a:pPr algn="l" fontAlgn="ctr"/>
+                      <a:r>
+                        <a:rPr lang="en-US" sz="800" u="none" strike="noStrike">
+                          <a:effectLst/>
+                        </a:rPr>
+                        <a:t>Team Meetings</a:t>
+                      </a:r>
+                      <a:endParaRPr lang="en-US" sz="800" b="1" i="0" u="none" strike="noStrike">
+                        <a:solidFill>
+                          <a:srgbClr val="000000"/>
+                        </a:solidFill>
+                        <a:effectLst/>
+                        <a:latin typeface="Calibri"/>
+                      </a:endParaRPr>
+                    </a:p>
+                  </a:txBody>
+                  <a:tcPr marL="5556" marR="5556" marT="5556" marB="0" anchor="ctr"/>
+                </a:tc>
+                <a:tc>
+                  <a:txBody>
+                    <a:bodyPr/>
+                    <a:lstStyle/>
+                    <a:p>
+                      <a:pPr algn="l" fontAlgn="ctr"/>
+                      <a:r>
+                        <a:rPr lang="en-US" sz="800" u="none" strike="noStrike">
+                          <a:effectLst/>
+                        </a:rPr>
+                        <a:t>Tue 9/10/13</a:t>
+                      </a:r>
+                      <a:endParaRPr lang="en-US" sz="800" b="1" i="0" u="none" strike="noStrike">
+                        <a:solidFill>
+                          <a:srgbClr val="000000"/>
+                        </a:solidFill>
+                        <a:effectLst/>
+                        <a:latin typeface="Calibri"/>
+                      </a:endParaRPr>
+                    </a:p>
+                  </a:txBody>
+                  <a:tcPr marL="5556" marR="5556" marT="5556" marB="0" anchor="ctr"/>
+                </a:tc>
+                <a:tc>
+                  <a:txBody>
+                    <a:bodyPr/>
+                    <a:lstStyle/>
+                    <a:p>
+                      <a:pPr algn="l" fontAlgn="ctr"/>
+                      <a:r>
+                        <a:rPr lang="en-US" sz="800" u="none" strike="noStrike">
+                          <a:effectLst/>
+                        </a:rPr>
+                        <a:t>Tue 9/10/13</a:t>
+                      </a:r>
+                      <a:endParaRPr lang="en-US" sz="800" b="1" i="0" u="none" strike="noStrike">
+                        <a:solidFill>
+                          <a:srgbClr val="000000"/>
+                        </a:solidFill>
+                        <a:effectLst/>
+                        <a:latin typeface="Calibri"/>
+                      </a:endParaRPr>
+                    </a:p>
+                  </a:txBody>
+                  <a:tcPr marL="5556" marR="5556" marT="5556" marB="0" anchor="ctr"/>
+                </a:tc>
+                <a:tc>
+                  <a:txBody>
+                    <a:bodyPr/>
+                    <a:lstStyle/>
+                    <a:p>
+                      <a:pPr algn="l" fontAlgn="ctr"/>
+                      <a:r>
+                        <a:rPr lang="en-US" sz="800" u="none" strike="noStrike">
+                          <a:effectLst/>
+                        </a:rPr>
+                        <a:t>Tue 12/3/13</a:t>
+                      </a:r>
+                      <a:endParaRPr lang="en-US" sz="800" b="1" i="0" u="none" strike="noStrike">
+                        <a:solidFill>
+                          <a:srgbClr val="000000"/>
+                        </a:solidFill>
+                        <a:effectLst/>
+                        <a:latin typeface="Calibri"/>
+                      </a:endParaRPr>
+                    </a:p>
+                  </a:txBody>
+                  <a:tcPr marL="5556" marR="5556" marT="5556" marB="0" anchor="ctr"/>
+                </a:tc>
+                <a:tc>
+                  <a:txBody>
+                    <a:bodyPr/>
+                    <a:lstStyle/>
+                    <a:p>
+                      <a:pPr algn="l" fontAlgn="ctr"/>
+                      <a:r>
+                        <a:rPr lang="en-US" sz="800" u="none" strike="noStrike">
+                          <a:effectLst/>
+                        </a:rPr>
+                        <a:t>NA</a:t>
+                      </a:r>
+                      <a:endParaRPr lang="en-US" sz="800" b="1" i="0" u="none" strike="noStrike">
+                        <a:solidFill>
+                          <a:srgbClr val="000000"/>
+                        </a:solidFill>
+                        <a:effectLst/>
+                        <a:latin typeface="Calibri"/>
+                      </a:endParaRPr>
+                    </a:p>
+                  </a:txBody>
+                  <a:tcPr marL="5556" marR="5556" marT="5556" marB="0" anchor="ctr"/>
+                </a:tc>
+                <a:tc>
+                  <a:txBody>
+                    <a:bodyPr/>
+                    <a:lstStyle/>
+                    <a:p>
+                      <a:pPr algn="r" fontAlgn="ctr"/>
+                      <a:r>
+                        <a:rPr lang="en-US" sz="800" u="none" strike="noStrike">
+                          <a:effectLst/>
+                        </a:rPr>
+                        <a:t>52</a:t>
+                      </a:r>
+                      <a:endParaRPr lang="en-US" sz="800" b="1" i="0" u="none" strike="noStrike">
+                        <a:solidFill>
+                          <a:srgbClr val="000000"/>
+                        </a:solidFill>
+                        <a:effectLst/>
+                        <a:latin typeface="Calibri"/>
+                      </a:endParaRPr>
+                    </a:p>
+                  </a:txBody>
+                  <a:tcPr marL="5556" marR="5556" marT="5556" marB="0" anchor="ctr"/>
+                </a:tc>
+                <a:tc>
+                  <a:txBody>
+                    <a:bodyPr/>
+                    <a:lstStyle/>
+                    <a:p>
+                      <a:pPr algn="r" fontAlgn="ctr"/>
+                      <a:r>
+                        <a:rPr lang="en-US" sz="800" u="none" strike="noStrike">
+                          <a:effectLst/>
+                        </a:rPr>
+                        <a:t>18</a:t>
+                      </a:r>
+                      <a:endParaRPr lang="en-US" sz="800" b="1" i="0" u="none" strike="noStrike">
+                        <a:solidFill>
+                          <a:srgbClr val="000000"/>
+                        </a:solidFill>
+                        <a:effectLst/>
+                        <a:latin typeface="Calibri"/>
+                      </a:endParaRPr>
+                    </a:p>
+                  </a:txBody>
+                  <a:tcPr marL="5556" marR="5556" marT="5556" marB="0" anchor="ctr"/>
+                </a:tc>
+              </a:tr>
+              <a:tr h="133350">
+                <a:tc>
+                  <a:txBody>
+                    <a:bodyPr/>
+                    <a:lstStyle/>
+                    <a:p>
+                      <a:pPr algn="l" fontAlgn="ctr"/>
+                      <a:r>
+                        <a:rPr lang="en-US" sz="800" u="none" strike="noStrike">
+                          <a:effectLst/>
+                        </a:rPr>
+                        <a:t>4.1</a:t>
+                      </a:r>
+                      <a:endParaRPr lang="en-US" sz="800" b="1" i="0" u="none" strike="noStrike">
+                        <a:solidFill>
+                          <a:srgbClr val="000000"/>
+                        </a:solidFill>
+                        <a:effectLst/>
+                        <a:latin typeface="Calibri"/>
+                      </a:endParaRPr>
+                    </a:p>
+                  </a:txBody>
+                  <a:tcPr marL="5556" marR="5556" marT="5556" marB="0" anchor="ctr"/>
+                </a:tc>
+                <a:tc>
+                  <a:txBody>
+                    <a:bodyPr/>
+                    <a:lstStyle/>
+                    <a:p>
+                      <a:pPr algn="l" fontAlgn="ctr"/>
+                      <a:r>
+                        <a:rPr lang="en-US" sz="800" u="none" strike="noStrike">
+                          <a:effectLst/>
+                        </a:rPr>
+                        <a:t>   Team Meeting SD1</a:t>
+                      </a:r>
+                      <a:endParaRPr lang="en-US" sz="800" b="1" i="0" u="none" strike="noStrike">
+                        <a:solidFill>
+                          <a:srgbClr val="000000"/>
+                        </a:solidFill>
+                        <a:effectLst/>
+                        <a:latin typeface="Calibri"/>
+                      </a:endParaRPr>
+                    </a:p>
+                  </a:txBody>
+                  <a:tcPr marL="5556" marR="5556" marT="5556" marB="0" anchor="ctr"/>
+                </a:tc>
+                <a:tc>
+                  <a:txBody>
+                    <a:bodyPr/>
+                    <a:lstStyle/>
+                    <a:p>
+                      <a:pPr algn="l" fontAlgn="ctr"/>
+                      <a:r>
+                        <a:rPr lang="en-US" sz="800" u="none" strike="noStrike">
+                          <a:effectLst/>
+                        </a:rPr>
+                        <a:t>Tue 9/10/13</a:t>
+                      </a:r>
+                      <a:endParaRPr lang="en-US" sz="800" b="1" i="0" u="none" strike="noStrike">
+                        <a:solidFill>
+                          <a:srgbClr val="000000"/>
+                        </a:solidFill>
+                        <a:effectLst/>
+                        <a:latin typeface="Calibri"/>
+                      </a:endParaRPr>
+                    </a:p>
+                  </a:txBody>
+                  <a:tcPr marL="5556" marR="5556" marT="5556" marB="0" anchor="ctr"/>
+                </a:tc>
+                <a:tc>
+                  <a:txBody>
+                    <a:bodyPr/>
+                    <a:lstStyle/>
+                    <a:p>
+                      <a:pPr algn="l" fontAlgn="ctr"/>
+                      <a:r>
+                        <a:rPr lang="en-US" sz="800" u="none" strike="noStrike">
+                          <a:effectLst/>
+                        </a:rPr>
+                        <a:t>Tue 9/10/13</a:t>
+                      </a:r>
+                      <a:endParaRPr lang="en-US" sz="800" b="1" i="0" u="none" strike="noStrike">
+                        <a:solidFill>
+                          <a:srgbClr val="000000"/>
+                        </a:solidFill>
+                        <a:effectLst/>
+                        <a:latin typeface="Calibri"/>
+                      </a:endParaRPr>
+                    </a:p>
+                  </a:txBody>
+                  <a:tcPr marL="5556" marR="5556" marT="5556" marB="0" anchor="ctr"/>
+                </a:tc>
+                <a:tc>
+                  <a:txBody>
+                    <a:bodyPr/>
+                    <a:lstStyle/>
+                    <a:p>
+                      <a:pPr algn="l" fontAlgn="ctr"/>
+                      <a:r>
+                        <a:rPr lang="en-US" sz="800" u="none" strike="noStrike">
+                          <a:effectLst/>
+                        </a:rPr>
+                        <a:t>Tue 12/3/13</a:t>
+                      </a:r>
+                      <a:endParaRPr lang="en-US" sz="800" b="1" i="0" u="none" strike="noStrike">
+                        <a:solidFill>
+                          <a:srgbClr val="000000"/>
+                        </a:solidFill>
+                        <a:effectLst/>
+                        <a:latin typeface="Calibri"/>
+                      </a:endParaRPr>
+                    </a:p>
+                  </a:txBody>
+                  <a:tcPr marL="5556" marR="5556" marT="5556" marB="0" anchor="ctr"/>
+                </a:tc>
+                <a:tc>
+                  <a:txBody>
+                    <a:bodyPr/>
+                    <a:lstStyle/>
+                    <a:p>
+                      <a:pPr algn="l" fontAlgn="ctr"/>
+                      <a:r>
+                        <a:rPr lang="en-US" sz="800" u="none" strike="noStrike">
+                          <a:effectLst/>
+                        </a:rPr>
+                        <a:t>NA</a:t>
+                      </a:r>
+                      <a:endParaRPr lang="en-US" sz="800" b="1" i="0" u="none" strike="noStrike">
+                        <a:solidFill>
+                          <a:srgbClr val="000000"/>
+                        </a:solidFill>
+                        <a:effectLst/>
+                        <a:latin typeface="Calibri"/>
+                      </a:endParaRPr>
+                    </a:p>
+                  </a:txBody>
+                  <a:tcPr marL="5556" marR="5556" marT="5556" marB="0" anchor="ctr"/>
+                </a:tc>
+                <a:tc>
+                  <a:txBody>
+                    <a:bodyPr/>
+                    <a:lstStyle/>
+                    <a:p>
+                      <a:pPr algn="r" fontAlgn="ctr"/>
+                      <a:r>
+                        <a:rPr lang="en-US" sz="800" u="none" strike="noStrike">
+                          <a:effectLst/>
+                        </a:rPr>
+                        <a:t>52</a:t>
+                      </a:r>
+                      <a:endParaRPr lang="en-US" sz="800" b="1" i="0" u="none" strike="noStrike">
+                        <a:solidFill>
+                          <a:srgbClr val="000000"/>
+                        </a:solidFill>
+                        <a:effectLst/>
+                        <a:latin typeface="Calibri"/>
+                      </a:endParaRPr>
+                    </a:p>
+                  </a:txBody>
+                  <a:tcPr marL="5556" marR="5556" marT="5556" marB="0" anchor="ctr"/>
+                </a:tc>
+                <a:tc>
+                  <a:txBody>
+                    <a:bodyPr/>
+                    <a:lstStyle/>
+                    <a:p>
+                      <a:pPr algn="r" fontAlgn="ctr"/>
+                      <a:r>
+                        <a:rPr lang="en-US" sz="800" u="none" strike="noStrike">
+                          <a:effectLst/>
+                        </a:rPr>
+                        <a:t>18</a:t>
+                      </a:r>
+                      <a:endParaRPr lang="en-US" sz="800" b="1" i="0" u="none" strike="noStrike">
+                        <a:solidFill>
+                          <a:srgbClr val="000000"/>
+                        </a:solidFill>
+                        <a:effectLst/>
+                        <a:latin typeface="Calibri"/>
+                      </a:endParaRPr>
+                    </a:p>
+                  </a:txBody>
+                  <a:tcPr marL="5556" marR="5556" marT="5556" marB="0" anchor="ctr"/>
+                </a:tc>
+              </a:tr>
+              <a:tr h="133350">
+                <a:tc>
+                  <a:txBody>
+                    <a:bodyPr/>
+                    <a:lstStyle/>
+                    <a:p>
+                      <a:pPr algn="l" fontAlgn="ctr"/>
+                      <a:r>
+                        <a:rPr lang="en-US" sz="800" u="none" strike="noStrike">
+                          <a:effectLst/>
+                        </a:rPr>
+                        <a:t>5</a:t>
+                      </a:r>
+                      <a:endParaRPr lang="en-US" sz="800" b="0" i="0" u="none" strike="noStrike">
+                        <a:solidFill>
+                          <a:srgbClr val="000000"/>
+                        </a:solidFill>
+                        <a:effectLst/>
+                        <a:latin typeface="Calibri"/>
+                      </a:endParaRPr>
+                    </a:p>
+                  </a:txBody>
+                  <a:tcPr marL="5556" marR="5556" marT="5556" marB="0" anchor="ctr"/>
+                </a:tc>
+                <a:tc>
+                  <a:txBody>
+                    <a:bodyPr/>
+                    <a:lstStyle/>
+                    <a:p>
+                      <a:pPr algn="l" fontAlgn="ctr"/>
+                      <a:r>
+                        <a:rPr lang="en-US" sz="800" u="none" strike="noStrike">
+                          <a:effectLst/>
+                        </a:rPr>
+                        <a:t>Sponser Meetings</a:t>
+                      </a:r>
+                      <a:endParaRPr lang="en-US" sz="800" b="0" i="0" u="none" strike="noStrike">
+                        <a:solidFill>
+                          <a:srgbClr val="000000"/>
+                        </a:solidFill>
+                        <a:effectLst/>
+                        <a:latin typeface="Calibri"/>
+                      </a:endParaRPr>
+                    </a:p>
+                  </a:txBody>
+                  <a:tcPr marL="5556" marR="5556" marT="5556" marB="0" anchor="ctr"/>
+                </a:tc>
+                <a:tc>
+                  <a:txBody>
+                    <a:bodyPr/>
+                    <a:lstStyle/>
+                    <a:p>
+                      <a:pPr algn="l" fontAlgn="ctr"/>
+                      <a:r>
+                        <a:rPr lang="en-US" sz="800" u="none" strike="noStrike">
+                          <a:effectLst/>
+                        </a:rPr>
+                        <a:t> </a:t>
+                      </a:r>
+                      <a:endParaRPr lang="en-US" sz="800" b="0" i="0" u="none" strike="noStrike">
+                        <a:solidFill>
+                          <a:srgbClr val="000000"/>
+                        </a:solidFill>
+                        <a:effectLst/>
+                        <a:latin typeface="Calibri"/>
+                      </a:endParaRPr>
+                    </a:p>
+                  </a:txBody>
+                  <a:tcPr marL="5556" marR="5556" marT="5556" marB="0" anchor="ctr"/>
+                </a:tc>
+                <a:tc>
+                  <a:txBody>
+                    <a:bodyPr/>
+                    <a:lstStyle/>
+                    <a:p>
+                      <a:pPr algn="l" fontAlgn="ctr"/>
+                      <a:r>
+                        <a:rPr lang="en-US" sz="800" u="none" strike="noStrike">
+                          <a:effectLst/>
+                        </a:rPr>
+                        <a:t>NA</a:t>
+                      </a:r>
+                      <a:endParaRPr lang="en-US" sz="800" b="0" i="0" u="none" strike="noStrike">
+                        <a:solidFill>
+                          <a:srgbClr val="000000"/>
+                        </a:solidFill>
+                        <a:effectLst/>
+                        <a:latin typeface="Calibri"/>
+                      </a:endParaRPr>
+                    </a:p>
+                  </a:txBody>
+                  <a:tcPr marL="5556" marR="5556" marT="5556" marB="0" anchor="ctr"/>
+                </a:tc>
+                <a:tc>
+                  <a:txBody>
+                    <a:bodyPr/>
+                    <a:lstStyle/>
+                    <a:p>
+                      <a:pPr algn="l" fontAlgn="ctr"/>
+                      <a:r>
+                        <a:rPr lang="en-US" sz="800" u="none" strike="noStrike">
+                          <a:effectLst/>
+                        </a:rPr>
+                        <a:t> </a:t>
+                      </a:r>
+                      <a:endParaRPr lang="en-US" sz="800" b="0" i="0" u="none" strike="noStrike">
+                        <a:solidFill>
+                          <a:srgbClr val="000000"/>
+                        </a:solidFill>
+                        <a:effectLst/>
+                        <a:latin typeface="Calibri"/>
+                      </a:endParaRPr>
+                    </a:p>
+                  </a:txBody>
+                  <a:tcPr marL="5556" marR="5556" marT="5556" marB="0" anchor="ctr"/>
+                </a:tc>
+                <a:tc>
+                  <a:txBody>
+                    <a:bodyPr/>
+                    <a:lstStyle/>
+                    <a:p>
+                      <a:pPr algn="l" fontAlgn="ctr"/>
+                      <a:r>
+                        <a:rPr lang="en-US" sz="800" u="none" strike="noStrike">
+                          <a:effectLst/>
+                        </a:rPr>
+                        <a:t>NA</a:t>
+                      </a:r>
+                      <a:endParaRPr lang="en-US" sz="800" b="0" i="0" u="none" strike="noStrike">
+                        <a:solidFill>
+                          <a:srgbClr val="000000"/>
+                        </a:solidFill>
+                        <a:effectLst/>
+                        <a:latin typeface="Calibri"/>
+                      </a:endParaRPr>
+                    </a:p>
+                  </a:txBody>
+                  <a:tcPr marL="5556" marR="5556" marT="5556" marB="0" anchor="ctr"/>
+                </a:tc>
+                <a:tc>
+                  <a:txBody>
+                    <a:bodyPr/>
+                    <a:lstStyle/>
+                    <a:p>
+                      <a:pPr algn="r" fontAlgn="ctr"/>
+                      <a:r>
+                        <a:rPr lang="en-US" sz="800" u="none" strike="noStrike">
+                          <a:effectLst/>
+                        </a:rPr>
+                        <a:t>0</a:t>
+                      </a:r>
+                      <a:endParaRPr lang="en-US" sz="800" b="0" i="0" u="none" strike="noStrike">
+                        <a:solidFill>
+                          <a:srgbClr val="000000"/>
+                        </a:solidFill>
+                        <a:effectLst/>
+                        <a:latin typeface="Calibri"/>
+                      </a:endParaRPr>
+                    </a:p>
+                  </a:txBody>
+                  <a:tcPr marL="5556" marR="5556" marT="5556" marB="0" anchor="ctr"/>
+                </a:tc>
+                <a:tc>
+                  <a:txBody>
+                    <a:bodyPr/>
+                    <a:lstStyle/>
+                    <a:p>
+                      <a:pPr algn="r" fontAlgn="ctr"/>
+                      <a:r>
+                        <a:rPr lang="en-US" sz="800" u="none" strike="noStrike">
+                          <a:effectLst/>
+                        </a:rPr>
+                        <a:t>0</a:t>
+                      </a:r>
+                      <a:endParaRPr lang="en-US" sz="800" b="0" i="0" u="none" strike="noStrike">
+                        <a:solidFill>
+                          <a:srgbClr val="000000"/>
+                        </a:solidFill>
+                        <a:effectLst/>
+                        <a:latin typeface="Calibri"/>
+                      </a:endParaRPr>
+                    </a:p>
+                  </a:txBody>
+                  <a:tcPr marL="5556" marR="5556" marT="5556" marB="0" anchor="ctr"/>
+                </a:tc>
+              </a:tr>
+              <a:tr h="133350">
+                <a:tc>
+                  <a:txBody>
+                    <a:bodyPr/>
+                    <a:lstStyle/>
+                    <a:p>
+                      <a:pPr algn="l" fontAlgn="ctr"/>
+                      <a:r>
+                        <a:rPr lang="en-US" sz="800" u="none" strike="noStrike">
+                          <a:effectLst/>
+                        </a:rPr>
+                        <a:t>6</a:t>
+                      </a:r>
+                      <a:endParaRPr lang="en-US" sz="800" b="1" i="0" u="none" strike="noStrike">
+                        <a:solidFill>
+                          <a:srgbClr val="000000"/>
+                        </a:solidFill>
+                        <a:effectLst/>
+                        <a:latin typeface="Calibri"/>
+                      </a:endParaRPr>
+                    </a:p>
+                  </a:txBody>
+                  <a:tcPr marL="5556" marR="5556" marT="5556" marB="0" anchor="ctr"/>
+                </a:tc>
+                <a:tc>
+                  <a:txBody>
+                    <a:bodyPr/>
+                    <a:lstStyle/>
+                    <a:p>
+                      <a:pPr algn="l" fontAlgn="ctr"/>
+                      <a:r>
+                        <a:rPr lang="en-US" sz="800" u="none" strike="noStrike">
+                          <a:effectLst/>
+                        </a:rPr>
+                        <a:t>MS Project </a:t>
+                      </a:r>
+                      <a:endParaRPr lang="en-US" sz="800" b="1" i="0" u="none" strike="noStrike">
+                        <a:solidFill>
+                          <a:srgbClr val="000000"/>
+                        </a:solidFill>
+                        <a:effectLst/>
+                        <a:latin typeface="Calibri"/>
+                      </a:endParaRPr>
+                    </a:p>
+                  </a:txBody>
+                  <a:tcPr marL="5556" marR="5556" marT="5556" marB="0" anchor="ctr"/>
+                </a:tc>
+                <a:tc>
+                  <a:txBody>
+                    <a:bodyPr/>
+                    <a:lstStyle/>
+                    <a:p>
+                      <a:pPr algn="l" fontAlgn="ctr"/>
+                      <a:r>
+                        <a:rPr lang="en-US" sz="800" u="none" strike="noStrike">
+                          <a:effectLst/>
+                        </a:rPr>
+                        <a:t>Sun 9/29/13</a:t>
+                      </a:r>
+                      <a:endParaRPr lang="en-US" sz="800" b="1" i="0" u="none" strike="noStrike">
+                        <a:solidFill>
+                          <a:srgbClr val="000000"/>
+                        </a:solidFill>
+                        <a:effectLst/>
+                        <a:latin typeface="Calibri"/>
+                      </a:endParaRPr>
+                    </a:p>
+                  </a:txBody>
+                  <a:tcPr marL="5556" marR="5556" marT="5556" marB="0" anchor="ctr"/>
+                </a:tc>
+                <a:tc>
+                  <a:txBody>
+                    <a:bodyPr/>
+                    <a:lstStyle/>
+                    <a:p>
+                      <a:pPr algn="l" fontAlgn="ctr"/>
+                      <a:r>
+                        <a:rPr lang="en-US" sz="800" u="none" strike="noStrike">
+                          <a:effectLst/>
+                        </a:rPr>
+                        <a:t>Sun 9/29/13</a:t>
+                      </a:r>
+                      <a:endParaRPr lang="en-US" sz="800" b="1" i="0" u="none" strike="noStrike">
+                        <a:solidFill>
+                          <a:srgbClr val="000000"/>
+                        </a:solidFill>
+                        <a:effectLst/>
+                        <a:latin typeface="Calibri"/>
+                      </a:endParaRPr>
+                    </a:p>
+                  </a:txBody>
+                  <a:tcPr marL="5556" marR="5556" marT="5556" marB="0" anchor="ctr"/>
+                </a:tc>
+                <a:tc>
+                  <a:txBody>
+                    <a:bodyPr/>
+                    <a:lstStyle/>
+                    <a:p>
+                      <a:pPr algn="l" fontAlgn="ctr"/>
+                      <a:r>
+                        <a:rPr lang="en-US" sz="800" u="none" strike="noStrike">
+                          <a:effectLst/>
+                        </a:rPr>
+                        <a:t>Fri 1/10/14</a:t>
+                      </a:r>
+                      <a:endParaRPr lang="en-US" sz="800" b="1" i="0" u="none" strike="noStrike">
+                        <a:solidFill>
+                          <a:srgbClr val="000000"/>
+                        </a:solidFill>
+                        <a:effectLst/>
+                        <a:latin typeface="Calibri"/>
+                      </a:endParaRPr>
+                    </a:p>
+                  </a:txBody>
+                  <a:tcPr marL="5556" marR="5556" marT="5556" marB="0" anchor="ctr"/>
+                </a:tc>
+                <a:tc>
+                  <a:txBody>
+                    <a:bodyPr/>
+                    <a:lstStyle/>
+                    <a:p>
+                      <a:pPr algn="l" fontAlgn="ctr"/>
+                      <a:r>
+                        <a:rPr lang="en-US" sz="800" u="none" strike="noStrike">
+                          <a:effectLst/>
+                        </a:rPr>
+                        <a:t>NA</a:t>
+                      </a:r>
+                      <a:endParaRPr lang="en-US" sz="800" b="1" i="0" u="none" strike="noStrike">
+                        <a:solidFill>
+                          <a:srgbClr val="000000"/>
+                        </a:solidFill>
+                        <a:effectLst/>
+                        <a:latin typeface="Calibri"/>
+                      </a:endParaRPr>
+                    </a:p>
+                  </a:txBody>
+                  <a:tcPr marL="5556" marR="5556" marT="5556" marB="0" anchor="ctr"/>
+                </a:tc>
+                <a:tc>
+                  <a:txBody>
+                    <a:bodyPr/>
+                    <a:lstStyle/>
+                    <a:p>
+                      <a:pPr algn="r" fontAlgn="ctr"/>
+                      <a:r>
+                        <a:rPr lang="en-US" sz="800" u="none" strike="noStrike">
+                          <a:effectLst/>
+                        </a:rPr>
+                        <a:t>40</a:t>
+                      </a:r>
+                      <a:endParaRPr lang="en-US" sz="800" b="1" i="0" u="none" strike="noStrike">
+                        <a:solidFill>
+                          <a:srgbClr val="000000"/>
+                        </a:solidFill>
+                        <a:effectLst/>
+                        <a:latin typeface="Calibri"/>
+                      </a:endParaRPr>
+                    </a:p>
+                  </a:txBody>
+                  <a:tcPr marL="5556" marR="5556" marT="5556" marB="0" anchor="ctr"/>
+                </a:tc>
+                <a:tc>
+                  <a:txBody>
+                    <a:bodyPr/>
+                    <a:lstStyle/>
+                    <a:p>
+                      <a:pPr algn="r" fontAlgn="ctr"/>
+                      <a:r>
+                        <a:rPr lang="en-US" sz="800" u="none" strike="noStrike">
+                          <a:effectLst/>
+                        </a:rPr>
+                        <a:t>6</a:t>
+                      </a:r>
+                      <a:endParaRPr lang="en-US" sz="800" b="1" i="0" u="none" strike="noStrike">
+                        <a:solidFill>
+                          <a:srgbClr val="000000"/>
+                        </a:solidFill>
+                        <a:effectLst/>
+                        <a:latin typeface="Calibri"/>
+                      </a:endParaRPr>
+                    </a:p>
+                  </a:txBody>
+                  <a:tcPr marL="5556" marR="5556" marT="5556" marB="0" anchor="ctr"/>
+                </a:tc>
+              </a:tr>
+              <a:tr h="133350">
+                <a:tc>
+                  <a:txBody>
+                    <a:bodyPr/>
+                    <a:lstStyle/>
+                    <a:p>
+                      <a:pPr algn="l" fontAlgn="ctr"/>
+                      <a:r>
+                        <a:rPr lang="en-US" sz="800" u="none" strike="noStrike">
+                          <a:effectLst/>
+                        </a:rPr>
+                        <a:t>6.1</a:t>
+                      </a:r>
+                      <a:endParaRPr lang="en-US" sz="800" b="1" i="0" u="none" strike="noStrike">
+                        <a:solidFill>
+                          <a:srgbClr val="000000"/>
+                        </a:solidFill>
+                        <a:effectLst/>
+                        <a:latin typeface="Calibri"/>
+                      </a:endParaRPr>
+                    </a:p>
+                  </a:txBody>
+                  <a:tcPr marL="5556" marR="5556" marT="5556" marB="0" anchor="ctr"/>
+                </a:tc>
+                <a:tc>
+                  <a:txBody>
+                    <a:bodyPr/>
+                    <a:lstStyle/>
+                    <a:p>
+                      <a:pPr algn="l" fontAlgn="ctr"/>
+                      <a:r>
+                        <a:rPr lang="en-US" sz="800" u="none" strike="noStrike">
+                          <a:effectLst/>
+                        </a:rPr>
+                        <a:t>   SD 1</a:t>
+                      </a:r>
+                      <a:endParaRPr lang="en-US" sz="800" b="1" i="0" u="none" strike="noStrike">
+                        <a:solidFill>
+                          <a:srgbClr val="000000"/>
+                        </a:solidFill>
+                        <a:effectLst/>
+                        <a:latin typeface="Calibri"/>
+                      </a:endParaRPr>
+                    </a:p>
+                  </a:txBody>
+                  <a:tcPr marL="5556" marR="5556" marT="5556" marB="0" anchor="ctr"/>
+                </a:tc>
+                <a:tc>
+                  <a:txBody>
+                    <a:bodyPr/>
+                    <a:lstStyle/>
+                    <a:p>
+                      <a:pPr algn="l" fontAlgn="ctr"/>
+                      <a:r>
+                        <a:rPr lang="en-US" sz="800" u="none" strike="noStrike">
+                          <a:effectLst/>
+                        </a:rPr>
+                        <a:t>Sun 9/29/13</a:t>
+                      </a:r>
+                      <a:endParaRPr lang="en-US" sz="800" b="1" i="0" u="none" strike="noStrike">
+                        <a:solidFill>
+                          <a:srgbClr val="000000"/>
+                        </a:solidFill>
+                        <a:effectLst/>
+                        <a:latin typeface="Calibri"/>
+                      </a:endParaRPr>
+                    </a:p>
+                  </a:txBody>
+                  <a:tcPr marL="5556" marR="5556" marT="5556" marB="0" anchor="ctr"/>
+                </a:tc>
+                <a:tc>
+                  <a:txBody>
+                    <a:bodyPr/>
+                    <a:lstStyle/>
+                    <a:p>
+                      <a:pPr algn="l" fontAlgn="ctr"/>
+                      <a:r>
+                        <a:rPr lang="en-US" sz="800" u="none" strike="noStrike">
+                          <a:effectLst/>
+                        </a:rPr>
+                        <a:t>Sun 9/29/13</a:t>
+                      </a:r>
+                      <a:endParaRPr lang="en-US" sz="800" b="1" i="0" u="none" strike="noStrike">
+                        <a:solidFill>
+                          <a:srgbClr val="000000"/>
+                        </a:solidFill>
+                        <a:effectLst/>
+                        <a:latin typeface="Calibri"/>
+                      </a:endParaRPr>
+                    </a:p>
+                  </a:txBody>
+                  <a:tcPr marL="5556" marR="5556" marT="5556" marB="0" anchor="ctr"/>
+                </a:tc>
+                <a:tc>
+                  <a:txBody>
+                    <a:bodyPr/>
+                    <a:lstStyle/>
+                    <a:p>
+                      <a:pPr algn="l" fontAlgn="ctr"/>
+                      <a:r>
+                        <a:rPr lang="en-US" sz="800" u="none" strike="noStrike">
+                          <a:effectLst/>
+                        </a:rPr>
+                        <a:t>Wed 12/4/13</a:t>
+                      </a:r>
+                      <a:endParaRPr lang="en-US" sz="800" b="1" i="0" u="none" strike="noStrike">
+                        <a:solidFill>
+                          <a:srgbClr val="000000"/>
+                        </a:solidFill>
+                        <a:effectLst/>
+                        <a:latin typeface="Calibri"/>
+                      </a:endParaRPr>
+                    </a:p>
+                  </a:txBody>
+                  <a:tcPr marL="5556" marR="5556" marT="5556" marB="0" anchor="ctr"/>
+                </a:tc>
+                <a:tc>
+                  <a:txBody>
+                    <a:bodyPr/>
+                    <a:lstStyle/>
+                    <a:p>
+                      <a:pPr algn="l" fontAlgn="ctr"/>
+                      <a:r>
+                        <a:rPr lang="en-US" sz="800" u="none" strike="noStrike">
+                          <a:effectLst/>
+                        </a:rPr>
+                        <a:t>NA</a:t>
+                      </a:r>
+                      <a:endParaRPr lang="en-US" sz="800" b="1" i="0" u="none" strike="noStrike">
+                        <a:solidFill>
+                          <a:srgbClr val="000000"/>
+                        </a:solidFill>
+                        <a:effectLst/>
+                        <a:latin typeface="Calibri"/>
+                      </a:endParaRPr>
+                    </a:p>
+                  </a:txBody>
+                  <a:tcPr marL="5556" marR="5556" marT="5556" marB="0" anchor="ctr"/>
+                </a:tc>
+                <a:tc>
+                  <a:txBody>
+                    <a:bodyPr/>
+                    <a:lstStyle/>
+                    <a:p>
+                      <a:pPr algn="r" fontAlgn="ctr"/>
+                      <a:r>
+                        <a:rPr lang="en-US" sz="800" u="none" strike="noStrike">
+                          <a:effectLst/>
+                        </a:rPr>
+                        <a:t>20</a:t>
+                      </a:r>
+                      <a:endParaRPr lang="en-US" sz="800" b="1" i="0" u="none" strike="noStrike">
+                        <a:solidFill>
+                          <a:srgbClr val="000000"/>
+                        </a:solidFill>
+                        <a:effectLst/>
+                        <a:latin typeface="Calibri"/>
+                      </a:endParaRPr>
+                    </a:p>
+                  </a:txBody>
+                  <a:tcPr marL="5556" marR="5556" marT="5556" marB="0" anchor="ctr"/>
+                </a:tc>
+                <a:tc>
+                  <a:txBody>
+                    <a:bodyPr/>
+                    <a:lstStyle/>
+                    <a:p>
+                      <a:pPr algn="r" fontAlgn="ctr"/>
+                      <a:r>
+                        <a:rPr lang="en-US" sz="800" u="none" strike="noStrike">
+                          <a:effectLst/>
+                        </a:rPr>
+                        <a:t>6</a:t>
+                      </a:r>
+                      <a:endParaRPr lang="en-US" sz="800" b="1" i="0" u="none" strike="noStrike">
+                        <a:solidFill>
+                          <a:srgbClr val="000000"/>
+                        </a:solidFill>
+                        <a:effectLst/>
+                        <a:latin typeface="Calibri"/>
+                      </a:endParaRPr>
+                    </a:p>
+                  </a:txBody>
+                  <a:tcPr marL="5556" marR="5556" marT="5556" marB="0" anchor="ctr"/>
+                </a:tc>
+              </a:tr>
+              <a:tr h="133350">
+                <a:tc>
+                  <a:txBody>
+                    <a:bodyPr/>
+                    <a:lstStyle/>
+                    <a:p>
+                      <a:pPr algn="l" fontAlgn="ctr"/>
+                      <a:r>
+                        <a:rPr lang="en-US" sz="800" u="none" strike="noStrike">
+                          <a:effectLst/>
+                        </a:rPr>
+                        <a:t>6.2</a:t>
+                      </a:r>
+                      <a:endParaRPr lang="en-US" sz="800" b="1" i="0" u="none" strike="noStrike">
+                        <a:solidFill>
+                          <a:srgbClr val="000000"/>
+                        </a:solidFill>
+                        <a:effectLst/>
+                        <a:latin typeface="Calibri"/>
+                      </a:endParaRPr>
+                    </a:p>
+                  </a:txBody>
+                  <a:tcPr marL="5556" marR="5556" marT="5556" marB="0" anchor="ctr"/>
+                </a:tc>
+                <a:tc>
+                  <a:txBody>
+                    <a:bodyPr/>
+                    <a:lstStyle/>
+                    <a:p>
+                      <a:pPr algn="l" fontAlgn="ctr"/>
+                      <a:r>
+                        <a:rPr lang="en-US" sz="800" u="none" strike="noStrike">
+                          <a:effectLst/>
+                        </a:rPr>
+                        <a:t>   SD 2</a:t>
+                      </a:r>
+                      <a:endParaRPr lang="en-US" sz="800" b="1" i="0" u="none" strike="noStrike">
+                        <a:solidFill>
+                          <a:srgbClr val="000000"/>
+                        </a:solidFill>
+                        <a:effectLst/>
+                        <a:latin typeface="Calibri"/>
+                      </a:endParaRPr>
+                    </a:p>
+                  </a:txBody>
+                  <a:tcPr marL="5556" marR="5556" marT="5556" marB="0" anchor="ctr"/>
+                </a:tc>
+                <a:tc>
+                  <a:txBody>
+                    <a:bodyPr/>
+                    <a:lstStyle/>
+                    <a:p>
+                      <a:pPr algn="l" fontAlgn="ctr"/>
+                      <a:r>
+                        <a:rPr lang="en-US" sz="800" u="none" strike="noStrike">
+                          <a:effectLst/>
+                        </a:rPr>
+                        <a:t>Fri 1/10/14</a:t>
+                      </a:r>
+                      <a:endParaRPr lang="en-US" sz="800" b="1" i="0" u="none" strike="noStrike">
+                        <a:solidFill>
+                          <a:srgbClr val="000000"/>
+                        </a:solidFill>
+                        <a:effectLst/>
+                        <a:latin typeface="Calibri"/>
+                      </a:endParaRPr>
+                    </a:p>
+                  </a:txBody>
+                  <a:tcPr marL="5556" marR="5556" marT="5556" marB="0" anchor="ctr"/>
+                </a:tc>
+                <a:tc>
+                  <a:txBody>
+                    <a:bodyPr/>
+                    <a:lstStyle/>
+                    <a:p>
+                      <a:pPr algn="l" fontAlgn="ctr"/>
+                      <a:r>
+                        <a:rPr lang="en-US" sz="800" u="none" strike="noStrike">
+                          <a:effectLst/>
+                        </a:rPr>
+                        <a:t>NA</a:t>
+                      </a:r>
+                      <a:endParaRPr lang="en-US" sz="800" b="1" i="0" u="none" strike="noStrike">
+                        <a:solidFill>
+                          <a:srgbClr val="000000"/>
+                        </a:solidFill>
+                        <a:effectLst/>
+                        <a:latin typeface="Calibri"/>
+                      </a:endParaRPr>
+                    </a:p>
+                  </a:txBody>
+                  <a:tcPr marL="5556" marR="5556" marT="5556" marB="0" anchor="ctr"/>
+                </a:tc>
+                <a:tc>
+                  <a:txBody>
+                    <a:bodyPr/>
+                    <a:lstStyle/>
+                    <a:p>
+                      <a:pPr algn="l" fontAlgn="ctr"/>
+                      <a:r>
+                        <a:rPr lang="en-US" sz="800" u="none" strike="noStrike" dirty="0">
+                          <a:effectLst/>
+                        </a:rPr>
+                        <a:t>Fri 1/10/14</a:t>
+                      </a:r>
+                      <a:endParaRPr lang="en-US" sz="800" b="1" i="0" u="none" strike="noStrike" dirty="0">
+                        <a:solidFill>
+                          <a:srgbClr val="000000"/>
+                        </a:solidFill>
+                        <a:effectLst/>
+                        <a:latin typeface="Calibri"/>
+                      </a:endParaRPr>
+                    </a:p>
+                  </a:txBody>
+                  <a:tcPr marL="5556" marR="5556" marT="5556" marB="0" anchor="ctr"/>
+                </a:tc>
+                <a:tc>
+                  <a:txBody>
+                    <a:bodyPr/>
+                    <a:lstStyle/>
+                    <a:p>
+                      <a:pPr algn="l" fontAlgn="ctr"/>
+                      <a:r>
+                        <a:rPr lang="en-US" sz="800" u="none" strike="noStrike">
+                          <a:effectLst/>
+                        </a:rPr>
+                        <a:t>NA</a:t>
+                      </a:r>
+                      <a:endParaRPr lang="en-US" sz="800" b="1" i="0" u="none" strike="noStrike">
+                        <a:solidFill>
+                          <a:srgbClr val="000000"/>
+                        </a:solidFill>
+                        <a:effectLst/>
+                        <a:latin typeface="Calibri"/>
+                      </a:endParaRPr>
+                    </a:p>
+                  </a:txBody>
+                  <a:tcPr marL="5556" marR="5556" marT="5556" marB="0" anchor="ctr"/>
+                </a:tc>
+                <a:tc>
+                  <a:txBody>
+                    <a:bodyPr/>
+                    <a:lstStyle/>
+                    <a:p>
+                      <a:pPr algn="r" fontAlgn="ctr"/>
+                      <a:r>
+                        <a:rPr lang="en-US" sz="800" u="none" strike="noStrike" dirty="0">
+                          <a:effectLst/>
+                        </a:rPr>
+                        <a:t>20</a:t>
+                      </a:r>
+                      <a:endParaRPr lang="en-US" sz="800" b="1" i="0" u="none" strike="noStrike" dirty="0">
+                        <a:solidFill>
+                          <a:srgbClr val="000000"/>
+                        </a:solidFill>
+                        <a:effectLst/>
+                        <a:latin typeface="Calibri"/>
+                      </a:endParaRPr>
+                    </a:p>
+                  </a:txBody>
+                  <a:tcPr marL="5556" marR="5556" marT="5556" marB="0" anchor="ctr"/>
+                </a:tc>
+                <a:tc>
+                  <a:txBody>
+                    <a:bodyPr/>
+                    <a:lstStyle/>
+                    <a:p>
+                      <a:pPr algn="r" fontAlgn="ctr"/>
+                      <a:r>
+                        <a:rPr lang="en-US" sz="800" u="none" strike="noStrike" dirty="0">
+                          <a:effectLst/>
+                        </a:rPr>
+                        <a:t>0</a:t>
+                      </a:r>
+                      <a:endParaRPr lang="en-US" sz="800" b="1" i="0" u="none" strike="noStrike" dirty="0">
+                        <a:solidFill>
+                          <a:srgbClr val="000000"/>
+                        </a:solidFill>
+                        <a:effectLst/>
+                        <a:latin typeface="Calibri"/>
+                      </a:endParaRPr>
+                    </a:p>
+                  </a:txBody>
+                  <a:tcPr marL="5556" marR="5556" marT="5556" marB="0" anchor="ctr"/>
+                </a:tc>
+              </a:tr>
+            </a:tbl>
+          </a:graphicData>
+        </a:graphic>
+      </p:graphicFrame>
+    </p:spTree>
+    <p:extLst>
+      <p:ext uri="{BB962C8B-B14F-4D97-AF65-F5344CB8AC3E}">
+        <p14:creationId xmlns:p14="http://schemas.microsoft.com/office/powerpoint/2010/main" val="3640870723"/>
+      </p:ext>
+    </p:extLst>
+  </p:cSld>
+  <p:clrMapOvr>
+    <a:masterClrMapping/>
+  </p:clrMapOvr>
+  <p:timing>
+    <p:tnLst>
+      <p:par>
+        <p:cTn id="1" dur="indefinite" restart="never" nodeType="tmRoot"/>
+      </p:par>
+    </p:tnLst>
+  </p:timing>
+</p:sld>
+</file>
+
+<file path=ppt/slides/slide4.xml><?xml version="1.0" encoding="utf-8"?>
+<p:sld xmlns:a="http://schemas.openxmlformats.org/drawingml/2006/main" xmlns:r="http://schemas.openxmlformats.org/officeDocument/2006/relationships" xmlns:p="http://schemas.openxmlformats.org/presentationml/2006/main">
+  <p:cSld>
+    <p:spTree>
+      <p:nvGrpSpPr>
+        <p:cNvPr id="1" name=""/>
+        <p:cNvGrpSpPr/>
+        <p:nvPr/>
+      </p:nvGrpSpPr>
+      <p:grpSpPr>
+        <a:xfrm>
+          <a:off x="0" y="0"/>
+          <a:ext cx="0" cy="0"/>
+          <a:chOff x="0" y="0"/>
+          <a:chExt cx="0" cy="0"/>
+        </a:xfrm>
+      </p:grpSpPr>
+      <p:sp>
+        <p:nvSpPr>
+          <p:cNvPr id="2" name="Title 1"/>
+          <p:cNvSpPr>
+            <a:spLocks noGrp="1"/>
+          </p:cNvSpPr>
+          <p:nvPr>
+            <p:ph type="title"/>
+          </p:nvPr>
+        </p:nvSpPr>
+        <p:spPr/>
+        <p:txBody>
+          <a:bodyPr/>
+          <a:lstStyle/>
+          <a:p>
             <a:r>
               <a:rPr lang="en-US" dirty="0" smtClean="0"/>
-              <a:t>Research</a:t>
+              <a:t>Requirements – Hardware</a:t>
             </a:r>
-          </a:p>
-          <a:p>
-            <a:pPr lvl="1"/>
+            <a:endParaRPr lang="en-US" dirty="0"/>
+          </a:p>
+        </p:txBody>
+      </p:sp>
+      <p:sp>
+        <p:nvSpPr>
+          <p:cNvPr id="3" name="Content Placeholder 2"/>
+          <p:cNvSpPr>
+            <a:spLocks noGrp="1"/>
+          </p:cNvSpPr>
+          <p:nvPr>
+            <p:ph idx="1"/>
+          </p:nvPr>
+        </p:nvSpPr>
+        <p:spPr/>
+        <p:txBody>
+          <a:bodyPr/>
+          <a:lstStyle/>
+          <a:p>
             <a:r>
               <a:rPr lang="en-US" dirty="0" smtClean="0"/>
-              <a:t>STL / </a:t>
+              <a:t>Rep-Rap Rumba – Control Interface</a:t>
             </a:r>
-            <a:r>
-              <a:rPr lang="en-US" dirty="0"/>
-              <a:t>AMF</a:t>
-            </a:r>
-          </a:p>
-          <a:p>
-            <a:pPr lvl="1"/>
-            <a:r>
-              <a:rPr lang="en-US" dirty="0"/>
-              <a:t>Slic3r</a:t>
-            </a:r>
-            <a:endParaRPr lang="en-US" dirty="0" smtClean="0"/>
-          </a:p>
-          <a:p>
-            <a:pPr lvl="1"/>
+          </a:p>
+          <a:p>
             <a:r>
               <a:rPr lang="en-US" dirty="0" smtClean="0"/>
-              <a:t>G-Codes</a:t>
+              <a:t>Cross Team Role</a:t>
             </a:r>
           </a:p>
           <a:p>
             <a:r>
               <a:rPr lang="en-US" dirty="0" smtClean="0"/>
-              <a:t>Requirements Worksheet</a:t>
+              <a:t>Host vs. Intermediate</a:t>
             </a:r>
           </a:p>
           <a:p>
             <a:r>
               <a:rPr lang="en-US" dirty="0" smtClean="0"/>
-              <a:t>Scope Refinement</a:t>
-            </a:r>
-          </a:p>
-          <a:p>
-            <a:r>
-              <a:rPr lang="en-US" dirty="0" smtClean="0"/>
-              <a:t>SRS Started</a:t>
-            </a:r>
-          </a:p>
-          <a:p>
-            <a:pPr lvl="1"/>
-            <a:r>
-              <a:rPr lang="en-US" dirty="0" smtClean="0"/>
-              <a:t>Drafted Sections 1 and 2</a:t>
-            </a:r>
-          </a:p>
-          <a:p>
-            <a:pPr lvl="1"/>
-            <a:r>
-              <a:rPr lang="en-US" dirty="0" smtClean="0"/>
-              <a:t>Started Requirements sections</a:t>
+              <a:t>Polymerization  Requirement</a:t>
             </a:r>
           </a:p>
         </p:txBody>
@@ -3531,7 +10301,249 @@
     </p:spTree>
     <p:extLst>
       <p:ext uri="{BB962C8B-B14F-4D97-AF65-F5344CB8AC3E}">
-        <p14:creationId xmlns:p14="http://schemas.microsoft.com/office/powerpoint/2010/main" val="257380516"/>
+        <p14:creationId xmlns:p14="http://schemas.microsoft.com/office/powerpoint/2010/main" val="1319422975"/>
+      </p:ext>
+    </p:extLst>
+  </p:cSld>
+  <p:clrMapOvr>
+    <a:masterClrMapping/>
+  </p:clrMapOvr>
+  <p:timing>
+    <p:tnLst>
+      <p:par>
+        <p:cTn id="1" dur="indefinite" restart="never" nodeType="tmRoot"/>
+      </p:par>
+    </p:tnLst>
+  </p:timing>
+</p:sld>
+</file>
+
+<file path=ppt/slides/slide5.xml><?xml version="1.0" encoding="utf-8"?>
+<p:sld xmlns:a="http://schemas.openxmlformats.org/drawingml/2006/main" xmlns:r="http://schemas.openxmlformats.org/officeDocument/2006/relationships" xmlns:p="http://schemas.openxmlformats.org/presentationml/2006/main">
+  <p:cSld>
+    <p:spTree>
+      <p:nvGrpSpPr>
+        <p:cNvPr id="1" name=""/>
+        <p:cNvGrpSpPr/>
+        <p:nvPr/>
+      </p:nvGrpSpPr>
+      <p:grpSpPr>
+        <a:xfrm>
+          <a:off x="0" y="0"/>
+          <a:ext cx="0" cy="0"/>
+          <a:chOff x="0" y="0"/>
+          <a:chExt cx="0" cy="0"/>
+        </a:xfrm>
+      </p:grpSpPr>
+      <p:sp>
+        <p:nvSpPr>
+          <p:cNvPr id="2" name="Title 1"/>
+          <p:cNvSpPr>
+            <a:spLocks noGrp="1"/>
+          </p:cNvSpPr>
+          <p:nvPr>
+            <p:ph type="title"/>
+          </p:nvPr>
+        </p:nvSpPr>
+        <p:spPr/>
+        <p:txBody>
+          <a:bodyPr/>
+          <a:lstStyle/>
+          <a:p>
+            <a:r>
+              <a:rPr lang="en-US" dirty="0" smtClean="0"/>
+              <a:t>Requirements – Process Flow</a:t>
+            </a:r>
+            <a:endParaRPr lang="en-US" dirty="0"/>
+          </a:p>
+        </p:txBody>
+      </p:sp>
+      <p:sp>
+        <p:nvSpPr>
+          <p:cNvPr id="3" name="Content Placeholder 2"/>
+          <p:cNvSpPr>
+            <a:spLocks noGrp="1"/>
+          </p:cNvSpPr>
+          <p:nvPr>
+            <p:ph idx="1"/>
+          </p:nvPr>
+        </p:nvSpPr>
+        <p:spPr/>
+        <p:txBody>
+          <a:bodyPr/>
+          <a:lstStyle/>
+          <a:p>
+            <a:r>
+              <a:rPr lang="en-US" dirty="0" smtClean="0"/>
+              <a:t>CNC Learning</a:t>
+            </a:r>
+          </a:p>
+          <a:p>
+            <a:r>
+              <a:rPr lang="en-US" dirty="0" smtClean="0"/>
+              <a:t>Code Process</a:t>
+            </a:r>
+          </a:p>
+          <a:p>
+            <a:r>
+              <a:rPr lang="en-US" dirty="0"/>
+              <a:t>Stream </a:t>
+            </a:r>
+            <a:r>
+              <a:rPr lang="en-US" dirty="0" smtClean="0"/>
+              <a:t>Interface</a:t>
+            </a:r>
+          </a:p>
+          <a:p>
+            <a:r>
+              <a:rPr lang="en-US" dirty="0" smtClean="0"/>
+              <a:t>Feedback Loop</a:t>
+            </a:r>
+          </a:p>
+          <a:p>
+            <a:endParaRPr lang="en-US" dirty="0" smtClean="0"/>
+          </a:p>
+          <a:p>
+            <a:endParaRPr lang="en-US" dirty="0" smtClean="0"/>
+          </a:p>
+        </p:txBody>
+      </p:sp>
+    </p:spTree>
+    <p:extLst>
+      <p:ext uri="{BB962C8B-B14F-4D97-AF65-F5344CB8AC3E}">
+        <p14:creationId xmlns:p14="http://schemas.microsoft.com/office/powerpoint/2010/main" val="1879327916"/>
+      </p:ext>
+    </p:extLst>
+  </p:cSld>
+  <p:clrMapOvr>
+    <a:masterClrMapping/>
+  </p:clrMapOvr>
+  <p:timing>
+    <p:tnLst>
+      <p:par>
+        <p:cTn id="1" dur="indefinite" restart="never" nodeType="tmRoot"/>
+      </p:par>
+    </p:tnLst>
+  </p:timing>
+</p:sld>
+</file>
+
+<file path=ppt/slides/slide6.xml><?xml version="1.0" encoding="utf-8"?>
+<p:sld xmlns:a="http://schemas.openxmlformats.org/drawingml/2006/main" xmlns:r="http://schemas.openxmlformats.org/officeDocument/2006/relationships" xmlns:p="http://schemas.openxmlformats.org/presentationml/2006/main">
+  <p:cSld>
+    <p:spTree>
+      <p:nvGrpSpPr>
+        <p:cNvPr id="1" name=""/>
+        <p:cNvGrpSpPr/>
+        <p:nvPr/>
+      </p:nvGrpSpPr>
+      <p:grpSpPr>
+        <a:xfrm>
+          <a:off x="0" y="0"/>
+          <a:ext cx="0" cy="0"/>
+          <a:chOff x="0" y="0"/>
+          <a:chExt cx="0" cy="0"/>
+        </a:xfrm>
+      </p:grpSpPr>
+      <p:sp>
+        <p:nvSpPr>
+          <p:cNvPr id="2" name="Title 1"/>
+          <p:cNvSpPr>
+            <a:spLocks noGrp="1"/>
+          </p:cNvSpPr>
+          <p:nvPr>
+            <p:ph type="title"/>
+          </p:nvPr>
+        </p:nvSpPr>
+        <p:spPr/>
+        <p:txBody>
+          <a:bodyPr/>
+          <a:lstStyle/>
+          <a:p>
+            <a:r>
+              <a:rPr lang="en-US" dirty="0" smtClean="0"/>
+              <a:t>Requirements</a:t>
+            </a:r>
+            <a:endParaRPr lang="en-US" dirty="0"/>
+          </a:p>
+        </p:txBody>
+      </p:sp>
+      <p:sp>
+        <p:nvSpPr>
+          <p:cNvPr id="3" name="Content Placeholder 2"/>
+          <p:cNvSpPr>
+            <a:spLocks noGrp="1"/>
+          </p:cNvSpPr>
+          <p:nvPr>
+            <p:ph idx="1"/>
+          </p:nvPr>
+        </p:nvSpPr>
+        <p:spPr/>
+        <p:txBody>
+          <a:bodyPr/>
+          <a:lstStyle/>
+          <a:p>
+            <a:r>
+              <a:rPr lang="en-US" dirty="0" smtClean="0"/>
+              <a:t>Use Cases</a:t>
+            </a:r>
+          </a:p>
+          <a:p>
+            <a:pPr lvl="1"/>
+            <a:r>
+              <a:rPr lang="en-US" dirty="0" smtClean="0"/>
+              <a:t>Import STL File</a:t>
+            </a:r>
+          </a:p>
+          <a:p>
+            <a:pPr lvl="1"/>
+            <a:r>
+              <a:rPr lang="en-US" dirty="0" smtClean="0"/>
+              <a:t>Print 3D Object</a:t>
+            </a:r>
+          </a:p>
+          <a:p>
+            <a:pPr lvl="1"/>
+            <a:r>
+              <a:rPr lang="en-US" dirty="0" smtClean="0"/>
+              <a:t>Edit Material Database</a:t>
+            </a:r>
+          </a:p>
+          <a:p>
+            <a:r>
+              <a:rPr lang="en-US" dirty="0" smtClean="0"/>
+              <a:t>Picture of Success </a:t>
+            </a:r>
+          </a:p>
+          <a:p>
+            <a:pPr lvl="1"/>
+            <a:r>
+              <a:rPr lang="en-US" smtClean="0"/>
+              <a:t>4 </a:t>
+            </a:r>
+            <a:r>
+              <a:rPr lang="en-US" dirty="0" smtClean="0"/>
+              <a:t>Critical  </a:t>
+            </a:r>
+          </a:p>
+          <a:p>
+            <a:endParaRPr lang="en-US" dirty="0" smtClean="0"/>
+          </a:p>
+          <a:p>
+            <a:endParaRPr lang="en-US" dirty="0" smtClean="0"/>
+          </a:p>
+          <a:p>
+            <a:endParaRPr lang="en-US" dirty="0" smtClean="0"/>
+          </a:p>
+          <a:p>
+            <a:endParaRPr lang="en-US" dirty="0" smtClean="0"/>
+          </a:p>
+        </p:txBody>
+      </p:sp>
+    </p:spTree>
+    <p:extLst>
+      <p:ext uri="{BB962C8B-B14F-4D97-AF65-F5344CB8AC3E}">
+        <p14:creationId xmlns:p14="http://schemas.microsoft.com/office/powerpoint/2010/main" val="903939616"/>
       </p:ext>
     </p:extLst>
   </p:cSld>

--- a/Status Updates/2013 10 18.pptx
+++ b/Status Updates/2013 10 18.pptx
@@ -10478,9 +10478,16 @@
             <p:ph idx="1"/>
           </p:nvPr>
         </p:nvSpPr>
-        <p:spPr/>
+        <p:spPr>
+          <a:xfrm>
+            <a:off x="457200" y="1600200"/>
+            <a:ext cx="7620000" cy="4724400"/>
+          </a:xfrm>
+        </p:spPr>
         <p:txBody>
-          <a:bodyPr/>
+          <a:bodyPr>
+            <a:normAutofit/>
+          </a:bodyPr>
           <a:lstStyle/>
           <a:p>
             <a:r>
@@ -10510,33 +10517,178 @@
             </a:r>
           </a:p>
           <a:p>
+            <a:endParaRPr lang="en-US" dirty="0" smtClean="0"/>
+          </a:p>
+          <a:p>
+            <a:endParaRPr lang="en-US" dirty="0" smtClean="0"/>
+          </a:p>
+          <a:p>
+            <a:endParaRPr lang="en-US" dirty="0" smtClean="0"/>
+          </a:p>
+          <a:p>
+            <a:endParaRPr lang="en-US" dirty="0"/>
+          </a:p>
+          <a:p>
             <a:r>
               <a:rPr lang="en-US" dirty="0" smtClean="0"/>
-              <a:t>Picture of Success </a:t>
+              <a:t>Picture </a:t>
+            </a:r>
+            <a:r>
+              <a:rPr lang="en-US" dirty="0" smtClean="0"/>
+              <a:t>of Success </a:t>
             </a:r>
           </a:p>
           <a:p>
             <a:pPr lvl="1"/>
             <a:r>
-              <a:rPr lang="en-US" smtClean="0"/>
+              <a:rPr lang="en-US" dirty="0" smtClean="0"/>
               <a:t>4 </a:t>
             </a:r>
             <a:r>
               <a:rPr lang="en-US" dirty="0" smtClean="0"/>
-              <a:t>Critical  </a:t>
+              <a:t>Critical at High Risk</a:t>
             </a:r>
-          </a:p>
-          <a:p>
             <a:endParaRPr lang="en-US" dirty="0" smtClean="0"/>
           </a:p>
-          <a:p>
-            <a:endParaRPr lang="en-US" dirty="0" smtClean="0"/>
-          </a:p>
-          <a:p>
-            <a:endParaRPr lang="en-US" dirty="0" smtClean="0"/>
-          </a:p>
-          <a:p>
-            <a:endParaRPr lang="en-US" dirty="0" smtClean="0"/>
+        </p:txBody>
+      </p:sp>
+      <p:pic>
+        <p:nvPicPr>
+          <p:cNvPr id="1026" name="Picture 2"/>
+          <p:cNvPicPr>
+            <a:picLocks noChangeAspect="1" noChangeArrowheads="1"/>
+          </p:cNvPicPr>
+          <p:nvPr/>
+        </p:nvPicPr>
+        <p:blipFill>
+          <a:blip r:embed="rId2">
+            <a:extLst>
+              <a:ext uri="{28A0092B-C50C-407E-A947-70E740481C1C}">
+                <a14:useLocalDpi xmlns:a14="http://schemas.microsoft.com/office/drawing/2010/main" val="0"/>
+              </a:ext>
+            </a:extLst>
+          </a:blip>
+          <a:srcRect/>
+          <a:stretch>
+            <a:fillRect/>
+          </a:stretch>
+        </p:blipFill>
+        <p:spPr bwMode="auto">
+          <a:xfrm>
+            <a:off x="4098749" y="1246909"/>
+            <a:ext cx="3858955" cy="2819400"/>
+          </a:xfrm>
+          <a:prstGeom prst="rect">
+            <a:avLst/>
+          </a:prstGeom>
+          <a:noFill/>
+          <a:ln>
+            <a:noFill/>
+          </a:ln>
+          <a:effectLst/>
+          <a:extLst>
+            <a:ext uri="{909E8E84-426E-40DD-AFC4-6F175D3DCCD1}">
+              <a14:hiddenFill xmlns:a14="http://schemas.microsoft.com/office/drawing/2010/main">
+                <a:solidFill>
+                  <a:schemeClr val="accent1"/>
+                </a:solidFill>
+              </a14:hiddenFill>
+            </a:ext>
+            <a:ext uri="{91240B29-F687-4F45-9708-019B960494DF}">
+              <a14:hiddenLine xmlns:a14="http://schemas.microsoft.com/office/drawing/2010/main" w="9525">
+                <a:solidFill>
+                  <a:schemeClr val="tx1"/>
+                </a:solidFill>
+                <a:miter lim="800000"/>
+                <a:headEnd/>
+                <a:tailEnd/>
+              </a14:hiddenLine>
+            </a:ext>
+            <a:ext uri="{AF507438-7753-43E0-B8FC-AC1667EBCBE1}">
+              <a14:hiddenEffects xmlns:a14="http://schemas.microsoft.com/office/drawing/2010/main">
+                <a:effectLst>
+                  <a:outerShdw dist="35921" dir="2700000" algn="ctr" rotWithShape="0">
+                    <a:schemeClr val="bg2"/>
+                  </a:outerShdw>
+                </a:effectLst>
+              </a14:hiddenEffects>
+            </a:ext>
+          </a:extLst>
+        </p:spPr>
+      </p:pic>
+      <p:sp>
+        <p:nvSpPr>
+          <p:cNvPr id="5" name="TextBox 4"/>
+          <p:cNvSpPr txBox="1"/>
+          <p:nvPr/>
+        </p:nvSpPr>
+        <p:spPr>
+          <a:xfrm>
+            <a:off x="3810000" y="4800600"/>
+            <a:ext cx="4267200" cy="1200329"/>
+          </a:xfrm>
+          <a:prstGeom prst="rect">
+            <a:avLst/>
+          </a:prstGeom>
+          <a:noFill/>
+          <a:ln>
+            <a:solidFill>
+              <a:schemeClr val="tx1"/>
+            </a:solidFill>
+          </a:ln>
+        </p:spPr>
+        <p:txBody>
+          <a:bodyPr wrap="square" rtlCol="0">
+            <a:spAutoFit/>
+          </a:bodyPr>
+          <a:lstStyle/>
+          <a:p>
+            <a:r>
+              <a:rPr lang="en-US" dirty="0" smtClean="0"/>
+              <a:t>3.14 </a:t>
+            </a:r>
+            <a:r>
+              <a:rPr lang="en-US" dirty="0"/>
+              <a:t>Slicing Geometry into Thickness Levels</a:t>
+            </a:r>
+            <a:br>
+              <a:rPr lang="en-US" dirty="0"/>
+            </a:br>
+            <a:r>
+              <a:rPr lang="en-US" dirty="0" smtClean="0"/>
+              <a:t>3.11 </a:t>
+            </a:r>
+            <a:r>
+              <a:rPr lang="en-US" dirty="0"/>
+              <a:t>Creating Printing Paths</a:t>
+            </a:r>
+            <a:br>
+              <a:rPr lang="en-US" dirty="0"/>
+            </a:br>
+            <a:r>
+              <a:rPr lang="en-US" dirty="0" smtClean="0"/>
+              <a:t>3.3   </a:t>
+            </a:r>
+            <a:r>
+              <a:rPr lang="en-US" dirty="0"/>
+              <a:t>Generating Machine Instructions</a:t>
+            </a:r>
+            <a:br>
+              <a:rPr lang="en-US" dirty="0"/>
+            </a:br>
+            <a:r>
+              <a:rPr lang="en-US" dirty="0" smtClean="0"/>
+              <a:t>3.4   </a:t>
+            </a:r>
+            <a:r>
+              <a:rPr lang="en-US" dirty="0"/>
+              <a:t>Issuing Machine </a:t>
+            </a:r>
+            <a:r>
+              <a:rPr lang="en-US" dirty="0" smtClean="0"/>
+              <a:t>Instructions</a:t>
+            </a:r>
+            <a:endParaRPr lang="en-US" dirty="0"/>
           </a:p>
         </p:txBody>
       </p:sp>
